--- a/НИР зима 2024/Величкина_презентация.pptx
+++ b/НИР зима 2024/Величкина_презентация.pptx
@@ -7,7 +7,9 @@
   <p:sldIdLst>
     <p:sldId id="256" r:id="rId2"/>
     <p:sldId id="258" r:id="rId3"/>
-    <p:sldId id="259" r:id="rId4"/>
+    <p:sldId id="260" r:id="rId4"/>
+    <p:sldId id="259" r:id="rId5"/>
+    <p:sldId id="261" r:id="rId6"/>
   </p:sldIdLst>
   <p:sldSz cx="12192000" cy="6858000"/>
   <p:notesSz cx="6858000" cy="9144000"/>
@@ -106,6 +108,11 @@
       </a:defRPr>
     </a:lvl9pPr>
   </p:defaultTextStyle>
+  <p:extLst>
+    <p:ext uri="{EFAFB233-063F-42B5-8137-9DF3F51BA10A}">
+      <p15:sldGuideLst xmlns:p15="http://schemas.microsoft.com/office/powerpoint/2012/main"/>
+    </p:ext>
+  </p:extLst>
 </p:presentation>
 </file>
 
@@ -3773,32 +3780,28 @@
           </a:xfrm>
         </p:spPr>
         <p:txBody>
-          <a:bodyPr/>
+          <a:bodyPr>
+            <a:normAutofit fontScale="90000"/>
+          </a:bodyPr>
           <a:lstStyle/>
           <a:p>
             <a:pPr algn="l"/>
             <a:r>
-              <a:rPr lang="ru-RU" dirty="0">
-                <a:latin typeface="Bahnschrift Light Condensed" panose="020B0502040204020203" pitchFamily="34" charset="0"/>
+              <a:rPr lang="ru-RU" sz="6600" dirty="0">
+                <a:latin typeface="Bahnschrift Light" panose="020B0502040204020203" pitchFamily="34" charset="0"/>
               </a:rPr>
-              <a:t>Очень красивая </a:t>
-            </a:r>
-            <a:r>
-              <a:rPr lang="ru-RU" dirty="0" err="1">
-                <a:latin typeface="Bahnschrift Light Condensed" panose="020B0502040204020203" pitchFamily="34" charset="0"/>
-              </a:rPr>
-              <a:t>преза</a:t>
+              <a:t>Что-то по генераторам</a:t>
             </a:r>
             <a:br>
-              <a:rPr lang="ru-RU" dirty="0">
-                <a:latin typeface="Bahnschrift Light Condensed" panose="020B0502040204020203" pitchFamily="34" charset="0"/>
+              <a:rPr lang="ru-RU" sz="6600" dirty="0">
+                <a:latin typeface="Bahnschrift Light" panose="020B0502040204020203" pitchFamily="34" charset="0"/>
               </a:rPr>
             </a:br>
             <a:r>
-              <a:rPr lang="ru-RU" dirty="0">
-                <a:latin typeface="Bahnschrift Light Condensed" panose="020B0502040204020203" pitchFamily="34" charset="0"/>
+              <a:rPr lang="ru-RU" sz="6600" dirty="0">
+                <a:latin typeface="Bahnschrift Light" panose="020B0502040204020203" pitchFamily="34" charset="0"/>
               </a:rPr>
-              <a:t>про какую-то дичь</a:t>
+              <a:t>крутое</a:t>
             </a:r>
           </a:p>
         </p:txBody>
@@ -3821,35 +3824,37 @@
         </p:nvSpPr>
         <p:spPr>
           <a:xfrm>
-            <a:off x="436345" y="3554789"/>
+            <a:off x="436345" y="3657173"/>
             <a:ext cx="9144000" cy="1655762"/>
           </a:xfrm>
         </p:spPr>
         <p:txBody>
-          <a:bodyPr/>
+          <a:bodyPr>
+            <a:normAutofit/>
+          </a:bodyPr>
           <a:lstStyle/>
           <a:p>
             <a:pPr algn="l"/>
             <a:r>
-              <a:rPr lang="ru-RU" u="sng" dirty="0">
+              <a:rPr lang="ru-RU" sz="2800" u="sng" dirty="0">
                 <a:latin typeface="Bahnschrift Light" panose="020B0502040204020203" pitchFamily="34" charset="0"/>
               </a:rPr>
               <a:t>Выполнила</a:t>
             </a:r>
             <a:r>
-              <a:rPr lang="ru-RU" dirty="0">
+              <a:rPr lang="ru-RU" sz="2800" dirty="0">
                 <a:latin typeface="Bahnschrift Light" panose="020B0502040204020203" pitchFamily="34" charset="0"/>
               </a:rPr>
               <a:t>: </a:t>
             </a:r>
             <a:r>
-              <a:rPr lang="en-US" dirty="0">
+              <a:rPr lang="en-US" sz="2800" dirty="0">
                 <a:latin typeface="Bahnschrift Light" panose="020B0502040204020203" pitchFamily="34" charset="0"/>
               </a:rPr>
               <a:t>		</a:t>
             </a:r>
             <a:r>
-              <a:rPr lang="ru-RU" dirty="0">
+              <a:rPr lang="ru-RU" sz="2800" dirty="0">
                 <a:latin typeface="Bahnschrift Light" panose="020B0502040204020203" pitchFamily="34" charset="0"/>
               </a:rPr>
               <a:t>Величкина А. С.</a:t>
@@ -3858,55 +3863,55 @@
           <a:p>
             <a:pPr algn="l"/>
             <a:r>
-              <a:rPr lang="ru-RU" u="sng" dirty="0">
+              <a:rPr lang="ru-RU" sz="2800" u="sng" dirty="0">
                 <a:latin typeface="Bahnschrift Light" panose="020B0502040204020203" pitchFamily="34" charset="0"/>
               </a:rPr>
               <a:t>Руководитель</a:t>
             </a:r>
             <a:r>
-              <a:rPr lang="ru-RU" dirty="0">
+              <a:rPr lang="ru-RU" sz="2800" dirty="0">
                 <a:latin typeface="Bahnschrift Light" panose="020B0502040204020203" pitchFamily="34" charset="0"/>
               </a:rPr>
               <a:t>:</a:t>
             </a:r>
             <a:r>
-              <a:rPr lang="en-US" dirty="0">
+              <a:rPr lang="en-US" sz="2800" dirty="0">
                 <a:latin typeface="Bahnschrift Light" panose="020B0502040204020203" pitchFamily="34" charset="0"/>
               </a:rPr>
               <a:t>	</a:t>
             </a:r>
             <a:r>
-              <a:rPr lang="ru-RU" dirty="0">
+              <a:rPr lang="ru-RU" sz="2800" dirty="0">
                 <a:latin typeface="Bahnschrift Light" panose="020B0502040204020203" pitchFamily="34" charset="0"/>
               </a:rPr>
-              <a:t>Усков Г. К.</a:t>
+              <a:t>	Усков Г. К.</a:t>
             </a:r>
           </a:p>
           <a:p>
             <a:pPr algn="l"/>
             <a:r>
-              <a:rPr lang="ru-RU" u="sng" dirty="0">
+              <a:rPr lang="ru-RU" sz="2800" u="sng" dirty="0">
                 <a:latin typeface="Bahnschrift Light" panose="020B0502040204020203" pitchFamily="34" charset="0"/>
               </a:rPr>
               <a:t>Консультант</a:t>
             </a:r>
             <a:r>
-              <a:rPr lang="ru-RU" dirty="0">
+              <a:rPr lang="ru-RU" sz="2800" dirty="0">
                 <a:latin typeface="Bahnschrift Light" panose="020B0502040204020203" pitchFamily="34" charset="0"/>
               </a:rPr>
               <a:t>: </a:t>
             </a:r>
             <a:r>
-              <a:rPr lang="en-US" dirty="0">
+              <a:rPr lang="en-US" sz="2800" dirty="0">
                 <a:latin typeface="Bahnschrift Light" panose="020B0502040204020203" pitchFamily="34" charset="0"/>
               </a:rPr>
               <a:t>	</a:t>
             </a:r>
             <a:r>
-              <a:rPr lang="ru-RU" dirty="0">
+              <a:rPr lang="ru-RU" sz="2800" dirty="0">
                 <a:latin typeface="Bahnschrift Light" panose="020B0502040204020203" pitchFamily="34" charset="0"/>
               </a:rPr>
-              <a:t>Елфимов А. Е.</a:t>
+              <a:t>	Елфимов А. Е.</a:t>
             </a:r>
           </a:p>
         </p:txBody>
@@ -5268,10 +5273,351 @@
           <a:chExt cx="0" cy="0"/>
         </a:xfrm>
       </p:grpSpPr>
+      <p:sp>
+        <p:nvSpPr>
+          <p:cNvPr id="2" name="Заголовок 1">
+            <a:extLst>
+              <a:ext uri="{FF2B5EF4-FFF2-40B4-BE49-F238E27FC236}">
+                <a16:creationId xmlns:a16="http://schemas.microsoft.com/office/drawing/2014/main" id="{A988B083-4A14-4F0F-865D-EE2E981C9598}"/>
+              </a:ext>
+            </a:extLst>
+          </p:cNvPr>
+          <p:cNvSpPr>
+            <a:spLocks noGrp="1"/>
+          </p:cNvSpPr>
+          <p:nvPr>
+            <p:ph type="title"/>
+          </p:nvPr>
+        </p:nvSpPr>
+        <p:spPr/>
+        <p:txBody>
+          <a:bodyPr/>
+          <a:lstStyle/>
+          <a:p>
+            <a:endParaRPr lang="ru-RU"/>
+          </a:p>
+        </p:txBody>
+      </p:sp>
+      <p:sp>
+        <p:nvSpPr>
+          <p:cNvPr id="3" name="Объект 2">
+            <a:extLst>
+              <a:ext uri="{FF2B5EF4-FFF2-40B4-BE49-F238E27FC236}">
+                <a16:creationId xmlns:a16="http://schemas.microsoft.com/office/drawing/2014/main" id="{5ECDE323-8420-44BE-BB7E-BADF8D6D0245}"/>
+              </a:ext>
+            </a:extLst>
+          </p:cNvPr>
+          <p:cNvSpPr>
+            <a:spLocks noGrp="1"/>
+          </p:cNvSpPr>
+          <p:nvPr>
+            <p:ph idx="1"/>
+          </p:nvPr>
+        </p:nvSpPr>
+        <p:spPr/>
+        <p:txBody>
+          <a:bodyPr/>
+          <a:lstStyle/>
+          <a:p>
+            <a:endParaRPr lang="ru-RU"/>
+          </a:p>
+        </p:txBody>
+      </p:sp>
+    </p:spTree>
+    <p:extLst>
+      <p:ext uri="{BB962C8B-B14F-4D97-AF65-F5344CB8AC3E}">
+        <p14:creationId xmlns:p14="http://schemas.microsoft.com/office/powerpoint/2010/main" val="1764167544"/>
+      </p:ext>
+    </p:extLst>
+  </p:cSld>
+  <p:clrMapOvr>
+    <a:masterClrMapping/>
+  </p:clrMapOvr>
+</p:sld>
+</file>
+
+<file path=ppt/slides/slide4.xml><?xml version="1.0" encoding="utf-8"?>
+<p:sld xmlns:a="http://schemas.openxmlformats.org/drawingml/2006/main" xmlns:r="http://schemas.openxmlformats.org/officeDocument/2006/relationships" xmlns:p="http://schemas.openxmlformats.org/presentationml/2006/main">
+  <p:cSld>
+    <p:spTree>
+      <p:nvGrpSpPr>
+        <p:cNvPr id="1" name=""/>
+        <p:cNvGrpSpPr/>
+        <p:nvPr/>
+      </p:nvGrpSpPr>
+      <p:grpSpPr>
+        <a:xfrm>
+          <a:off x="0" y="0"/>
+          <a:ext cx="0" cy="0"/>
+          <a:chOff x="0" y="0"/>
+          <a:chExt cx="0" cy="0"/>
+        </a:xfrm>
+      </p:grpSpPr>
+      <p:pic>
+        <p:nvPicPr>
+          <p:cNvPr id="2" name="Рисунок 1">
+            <a:extLst>
+              <a:ext uri="{FF2B5EF4-FFF2-40B4-BE49-F238E27FC236}">
+                <a16:creationId xmlns:a16="http://schemas.microsoft.com/office/drawing/2014/main" id="{56FE74A5-959D-4821-9168-B3C07F12BE14}"/>
+              </a:ext>
+            </a:extLst>
+          </p:cNvPr>
+          <p:cNvPicPr/>
+          <p:nvPr/>
+        </p:nvPicPr>
+        <p:blipFill rotWithShape="1">
+          <a:blip r:embed="rId2">
+            <a:extLst>
+              <a:ext uri="{28A0092B-C50C-407E-A947-70E740481C1C}">
+                <a14:useLocalDpi xmlns:a14="http://schemas.microsoft.com/office/drawing/2010/main" val="0"/>
+              </a:ext>
+              <a:ext uri="{96DAC541-7B7A-43D3-8B79-37D633B846F1}">
+                <asvg:svgBlip xmlns:asvg="http://schemas.microsoft.com/office/drawing/2016/SVG/main" r:embed="rId3"/>
+              </a:ext>
+            </a:extLst>
+          </a:blip>
+          <a:srcRect b="2806"/>
+          <a:stretch/>
+        </p:blipFill>
+        <p:spPr bwMode="auto">
+          <a:xfrm>
+            <a:off x="1093695" y="412581"/>
+            <a:ext cx="3048000" cy="3394075"/>
+          </a:xfrm>
+          <a:prstGeom prst="rect">
+            <a:avLst/>
+          </a:prstGeom>
+          <a:ln>
+            <a:noFill/>
+          </a:ln>
+          <a:extLst>
+            <a:ext uri="{53640926-AAD7-44D8-BBD7-CCE9431645EC}">
+              <a14:shadowObscured xmlns:a14="http://schemas.microsoft.com/office/drawing/2010/main"/>
+            </a:ext>
+          </a:extLst>
+        </p:spPr>
+      </p:pic>
+      <p:pic>
+        <p:nvPicPr>
+          <p:cNvPr id="3" name="Рисунок 2">
+            <a:extLst>
+              <a:ext uri="{FF2B5EF4-FFF2-40B4-BE49-F238E27FC236}">
+                <a16:creationId xmlns:a16="http://schemas.microsoft.com/office/drawing/2014/main" id="{DC7C0401-6E31-4A38-90CF-361C8923D986}"/>
+              </a:ext>
+            </a:extLst>
+          </p:cNvPr>
+          <p:cNvPicPr/>
+          <p:nvPr/>
+        </p:nvPicPr>
+        <p:blipFill>
+          <a:blip r:embed="rId4">
+            <a:extLst>
+              <a:ext uri="{28A0092B-C50C-407E-A947-70E740481C1C}">
+                <a14:useLocalDpi xmlns:a14="http://schemas.microsoft.com/office/drawing/2010/main" val="0"/>
+              </a:ext>
+            </a:extLst>
+          </a:blip>
+          <a:srcRect/>
+          <a:stretch>
+            <a:fillRect/>
+          </a:stretch>
+        </p:blipFill>
+        <p:spPr bwMode="auto">
+          <a:xfrm rot="16200000">
+            <a:off x="4675323" y="3283686"/>
+            <a:ext cx="2464544" cy="3137106"/>
+          </a:xfrm>
+          <a:prstGeom prst="rect">
+            <a:avLst/>
+          </a:prstGeom>
+          <a:noFill/>
+          <a:ln>
+            <a:noFill/>
+          </a:ln>
+        </p:spPr>
+      </p:pic>
+      <p:pic>
+        <p:nvPicPr>
+          <p:cNvPr id="4" name="Рисунок 3">
+            <a:extLst>
+              <a:ext uri="{FF2B5EF4-FFF2-40B4-BE49-F238E27FC236}">
+                <a16:creationId xmlns:a16="http://schemas.microsoft.com/office/drawing/2014/main" id="{EE590442-826B-453E-B891-8EC2CF562FB5}"/>
+              </a:ext>
+            </a:extLst>
+          </p:cNvPr>
+          <p:cNvPicPr/>
+          <p:nvPr/>
+        </p:nvPicPr>
+        <p:blipFill>
+          <a:blip r:embed="rId5" cstate="print">
+            <a:extLst>
+              <a:ext uri="{28A0092B-C50C-407E-A947-70E740481C1C}">
+                <a14:useLocalDpi xmlns:a14="http://schemas.microsoft.com/office/drawing/2010/main" val="0"/>
+              </a:ext>
+              <a:ext uri="{96DAC541-7B7A-43D3-8B79-37D633B846F1}">
+                <asvg:svgBlip xmlns:asvg="http://schemas.microsoft.com/office/drawing/2016/SVG/main" r:embed="rId6"/>
+              </a:ext>
+            </a:extLst>
+          </a:blip>
+          <a:stretch>
+            <a:fillRect/>
+          </a:stretch>
+        </p:blipFill>
+        <p:spPr>
+          <a:xfrm>
+            <a:off x="7141583" y="599272"/>
+            <a:ext cx="4028440" cy="3020695"/>
+          </a:xfrm>
+          <a:prstGeom prst="rect">
+            <a:avLst/>
+          </a:prstGeom>
+        </p:spPr>
+      </p:pic>
+      <p:sp>
+        <p:nvSpPr>
+          <p:cNvPr id="5" name="TextBox 4">
+            <a:extLst>
+              <a:ext uri="{FF2B5EF4-FFF2-40B4-BE49-F238E27FC236}">
+                <a16:creationId xmlns:a16="http://schemas.microsoft.com/office/drawing/2014/main" id="{EF108878-E2CD-4BA9-A955-406C5253C032}"/>
+              </a:ext>
+            </a:extLst>
+          </p:cNvPr>
+          <p:cNvSpPr txBox="1"/>
+          <p:nvPr/>
+        </p:nvSpPr>
+        <p:spPr>
+          <a:xfrm>
+            <a:off x="772039" y="3806656"/>
+            <a:ext cx="3639138" cy="369332"/>
+          </a:xfrm>
+          <a:prstGeom prst="rect">
+            <a:avLst/>
+          </a:prstGeom>
+          <a:noFill/>
+        </p:spPr>
+        <p:txBody>
+          <a:bodyPr wrap="none" rtlCol="0">
+            <a:spAutoFit/>
+          </a:bodyPr>
+          <a:lstStyle/>
+          <a:p>
+            <a:r>
+              <a:rPr lang="ru-RU" dirty="0">
+                <a:latin typeface="Bahnschrift Light" panose="020B0502040204020203" pitchFamily="34" charset="0"/>
+              </a:rPr>
+              <a:t>Рис. ???. Принципиальная схема</a:t>
+            </a:r>
+          </a:p>
+        </p:txBody>
+      </p:sp>
+      <p:sp>
+        <p:nvSpPr>
+          <p:cNvPr id="7" name="TextBox 6">
+            <a:extLst>
+              <a:ext uri="{FF2B5EF4-FFF2-40B4-BE49-F238E27FC236}">
+                <a16:creationId xmlns:a16="http://schemas.microsoft.com/office/drawing/2014/main" id="{F0695748-ADEA-4B13-A3F1-25300D66DA36}"/>
+              </a:ext>
+            </a:extLst>
+          </p:cNvPr>
+          <p:cNvSpPr txBox="1"/>
+          <p:nvPr/>
+        </p:nvSpPr>
+        <p:spPr>
+          <a:xfrm>
+            <a:off x="7404013" y="3674213"/>
+            <a:ext cx="3783408" cy="369332"/>
+          </a:xfrm>
+          <a:prstGeom prst="rect">
+            <a:avLst/>
+          </a:prstGeom>
+          <a:noFill/>
+        </p:spPr>
+        <p:txBody>
+          <a:bodyPr wrap="none" rtlCol="0">
+            <a:spAutoFit/>
+          </a:bodyPr>
+          <a:lstStyle/>
+          <a:p>
+            <a:r>
+              <a:rPr lang="ru-RU" dirty="0">
+                <a:latin typeface="Bahnschrift Light" panose="020B0502040204020203" pitchFamily="34" charset="0"/>
+              </a:rPr>
+              <a:t>Рис. ???. Формирование импульса</a:t>
+            </a:r>
+          </a:p>
+        </p:txBody>
+      </p:sp>
+      <p:sp>
+        <p:nvSpPr>
+          <p:cNvPr id="8" name="TextBox 7">
+            <a:extLst>
+              <a:ext uri="{FF2B5EF4-FFF2-40B4-BE49-F238E27FC236}">
+                <a16:creationId xmlns:a16="http://schemas.microsoft.com/office/drawing/2014/main" id="{D6E44FEF-C644-42A3-9514-50076D41BD5F}"/>
+              </a:ext>
+            </a:extLst>
+          </p:cNvPr>
+          <p:cNvSpPr txBox="1"/>
+          <p:nvPr/>
+        </p:nvSpPr>
+        <p:spPr>
+          <a:xfrm>
+            <a:off x="3713563" y="6138757"/>
+            <a:ext cx="4257897" cy="369332"/>
+          </a:xfrm>
+          <a:prstGeom prst="rect">
+            <a:avLst/>
+          </a:prstGeom>
+          <a:noFill/>
+        </p:spPr>
+        <p:txBody>
+          <a:bodyPr wrap="none" rtlCol="0">
+            <a:spAutoFit/>
+          </a:bodyPr>
+          <a:lstStyle/>
+          <a:p>
+            <a:r>
+              <a:rPr lang="ru-RU" dirty="0">
+                <a:latin typeface="Bahnschrift Light" panose="020B0502040204020203" pitchFamily="34" charset="0"/>
+              </a:rPr>
+              <a:t>Рис. ???. Экспериментальный образец</a:t>
+            </a:r>
+          </a:p>
+        </p:txBody>
+      </p:sp>
     </p:spTree>
     <p:extLst>
       <p:ext uri="{BB962C8B-B14F-4D97-AF65-F5344CB8AC3E}">
         <p14:creationId xmlns:p14="http://schemas.microsoft.com/office/powerpoint/2010/main" val="2165480644"/>
+      </p:ext>
+    </p:extLst>
+  </p:cSld>
+  <p:clrMapOvr>
+    <a:masterClrMapping/>
+  </p:clrMapOvr>
+</p:sld>
+</file>
+
+<file path=ppt/slides/slide5.xml><?xml version="1.0" encoding="utf-8"?>
+<p:sld xmlns:a="http://schemas.openxmlformats.org/drawingml/2006/main" xmlns:r="http://schemas.openxmlformats.org/officeDocument/2006/relationships" xmlns:p="http://schemas.openxmlformats.org/presentationml/2006/main">
+  <p:cSld>
+    <p:spTree>
+      <p:nvGrpSpPr>
+        <p:cNvPr id="1" name=""/>
+        <p:cNvGrpSpPr/>
+        <p:nvPr/>
+      </p:nvGrpSpPr>
+      <p:grpSpPr>
+        <a:xfrm>
+          <a:off x="0" y="0"/>
+          <a:ext cx="0" cy="0"/>
+          <a:chOff x="0" y="0"/>
+          <a:chExt cx="0" cy="0"/>
+        </a:xfrm>
+      </p:grpSpPr>
+    </p:spTree>
+    <p:extLst>
+      <p:ext uri="{BB962C8B-B14F-4D97-AF65-F5344CB8AC3E}">
+        <p14:creationId xmlns:p14="http://schemas.microsoft.com/office/powerpoint/2010/main" val="864333587"/>
       </p:ext>
     </p:extLst>
   </p:cSld>

--- a/НИР зима 2024/Величкина_презентация.pptx
+++ b/НИР зима 2024/Величкина_презентация.pptx
@@ -4,12 +4,17 @@
   <p:sldMasterIdLst>
     <p:sldMasterId id="2147483648" r:id="rId1"/>
   </p:sldMasterIdLst>
+  <p:notesMasterIdLst>
+    <p:notesMasterId r:id="rId9"/>
+  </p:notesMasterIdLst>
   <p:sldIdLst>
     <p:sldId id="256" r:id="rId2"/>
     <p:sldId id="258" r:id="rId3"/>
     <p:sldId id="260" r:id="rId4"/>
-    <p:sldId id="259" r:id="rId5"/>
-    <p:sldId id="261" r:id="rId6"/>
+    <p:sldId id="262" r:id="rId5"/>
+    <p:sldId id="263" r:id="rId6"/>
+    <p:sldId id="259" r:id="rId7"/>
+    <p:sldId id="261" r:id="rId8"/>
   </p:sldIdLst>
   <p:sldSz cx="12192000" cy="6858000"/>
   <p:notesSz cx="6858000" cy="9144000"/>
@@ -116,6 +121,3834 @@
 </p:presentation>
 </file>
 
+<file path=ppt/commentAuthors.xml><?xml version="1.0" encoding="utf-8"?>
+<p:cmAuthorLst xmlns:a="http://schemas.openxmlformats.org/drawingml/2006/main" xmlns:r="http://schemas.openxmlformats.org/officeDocument/2006/relationships" xmlns:p="http://schemas.openxmlformats.org/presentationml/2006/main">
+  <p:cmAuthor id="1" name="Анастасия Величкина" initials="АВ" lastIdx="1" clrIdx="0">
+    <p:extLst>
+      <p:ext uri="{19B8F6BF-5375-455C-9EA6-DF929625EA0E}">
+        <p15:presenceInfo xmlns:p15="http://schemas.microsoft.com/office/powerpoint/2012/main" userId="ca07232102827c08" providerId="Windows Live"/>
+      </p:ext>
+    </p:extLst>
+  </p:cmAuthor>
+</p:cmAuthorLst>
+</file>
+
+<file path=ppt/charts/chart1.xml><?xml version="1.0" encoding="utf-8"?>
+<c:chartSpace xmlns:c="http://schemas.openxmlformats.org/drawingml/2006/chart" xmlns:a="http://schemas.openxmlformats.org/drawingml/2006/main" xmlns:r="http://schemas.openxmlformats.org/officeDocument/2006/relationships" xmlns:c16r2="http://schemas.microsoft.com/office/drawing/2015/06/chart">
+  <c:date1904 val="0"/>
+  <c:lang val="ru-RU"/>
+  <c:roundedCorners val="0"/>
+  <mc:AlternateContent xmlns:mc="http://schemas.openxmlformats.org/markup-compatibility/2006">
+    <mc:Choice xmlns:c14="http://schemas.microsoft.com/office/drawing/2007/8/2/chart" Requires="c14">
+      <c14:style val="102"/>
+    </mc:Choice>
+    <mc:Fallback>
+      <c:style val="2"/>
+    </mc:Fallback>
+  </mc:AlternateContent>
+  <c:chart>
+    <c:autoTitleDeleted val="1"/>
+    <c:plotArea>
+      <c:layout>
+        <c:manualLayout>
+          <c:layoutTarget val="inner"/>
+          <c:xMode val="edge"/>
+          <c:yMode val="edge"/>
+          <c:x val="7.9739523930113118E-2"/>
+          <c:y val="4.1516243341650452E-2"/>
+          <c:w val="0.80952478906369674"/>
+          <c:h val="0.70456125919330703"/>
+        </c:manualLayout>
+      </c:layout>
+      <c:lineChart>
+        <c:grouping val="standard"/>
+        <c:varyColors val="0"/>
+        <c:ser>
+          <c:idx val="0"/>
+          <c:order val="0"/>
+          <c:tx>
+            <c:strRef>
+              <c:f>'[Амлитуда и длительность ОТ задержки.xlsx]Лист1'!$L$12</c:f>
+              <c:strCache>
+                <c:ptCount val="1"/>
+                <c:pt idx="0">
+                  <c:v>Амплитуда,В</c:v>
+                </c:pt>
+              </c:strCache>
+            </c:strRef>
+          </c:tx>
+          <c:spPr>
+            <a:ln w="28575" cap="rnd">
+              <a:solidFill>
+                <a:schemeClr val="tx1"/>
+              </a:solidFill>
+              <a:prstDash val="sysDash"/>
+              <a:round/>
+            </a:ln>
+            <a:effectLst/>
+          </c:spPr>
+          <c:marker>
+            <c:symbol val="none"/>
+          </c:marker>
+          <c:cat>
+            <c:numRef>
+              <c:f>'[Амлитуда и длительность ОТ задержки.xlsx]Лист1'!$J$13:$J$25</c:f>
+              <c:numCache>
+                <c:formatCode>General</c:formatCode>
+                <c:ptCount val="7"/>
+                <c:pt idx="0">
+                  <c:v>2</c:v>
+                </c:pt>
+                <c:pt idx="1">
+                  <c:v>2.5</c:v>
+                </c:pt>
+                <c:pt idx="2">
+                  <c:v>3</c:v>
+                </c:pt>
+                <c:pt idx="3">
+                  <c:v>3.5</c:v>
+                </c:pt>
+                <c:pt idx="4">
+                  <c:v>4</c:v>
+                </c:pt>
+                <c:pt idx="5">
+                  <c:v>4.5</c:v>
+                </c:pt>
+                <c:pt idx="6">
+                  <c:v>5</c:v>
+                </c:pt>
+              </c:numCache>
+              <c:extLst/>
+            </c:numRef>
+          </c:cat>
+          <c:val>
+            <c:numRef>
+              <c:f>'[Амлитуда и длительность ОТ задержки.xlsx]Лист1'!$L$13:$L$25</c:f>
+              <c:numCache>
+                <c:formatCode>General</c:formatCode>
+                <c:ptCount val="7"/>
+                <c:pt idx="0">
+                  <c:v>52.7</c:v>
+                </c:pt>
+                <c:pt idx="1">
+                  <c:v>52.3</c:v>
+                </c:pt>
+                <c:pt idx="2">
+                  <c:v>51.2</c:v>
+                </c:pt>
+                <c:pt idx="3">
+                  <c:v>48.7</c:v>
+                </c:pt>
+                <c:pt idx="4">
+                  <c:v>44.5</c:v>
+                </c:pt>
+                <c:pt idx="5">
+                  <c:v>39.299999999999997</c:v>
+                </c:pt>
+                <c:pt idx="6">
+                  <c:v>36</c:v>
+                </c:pt>
+              </c:numCache>
+              <c:extLst/>
+            </c:numRef>
+          </c:val>
+          <c:smooth val="0"/>
+          <c:extLst>
+            <c:ext xmlns:c16="http://schemas.microsoft.com/office/drawing/2014/chart" uri="{C3380CC4-5D6E-409C-BE32-E72D297353CC}">
+              <c16:uniqueId val="{00000000-2AD9-4A63-BD66-DCBC6275048A}"/>
+            </c:ext>
+          </c:extLst>
+        </c:ser>
+        <c:dLbls>
+          <c:showLegendKey val="0"/>
+          <c:showVal val="0"/>
+          <c:showCatName val="0"/>
+          <c:showSerName val="0"/>
+          <c:showPercent val="0"/>
+          <c:showBubbleSize val="0"/>
+        </c:dLbls>
+        <c:marker val="1"/>
+        <c:smooth val="0"/>
+        <c:axId val="1442068608"/>
+        <c:axId val="1442069024"/>
+      </c:lineChart>
+      <c:lineChart>
+        <c:grouping val="standard"/>
+        <c:varyColors val="0"/>
+        <c:ser>
+          <c:idx val="1"/>
+          <c:order val="1"/>
+          <c:tx>
+            <c:strRef>
+              <c:f>'[Амлитуда и длительность ОТ задержки.xlsx]Лист1'!$M$12</c:f>
+              <c:strCache>
+                <c:ptCount val="1"/>
+                <c:pt idx="0">
+                  <c:v>Длительность, нс</c:v>
+                </c:pt>
+              </c:strCache>
+            </c:strRef>
+          </c:tx>
+          <c:spPr>
+            <a:ln w="28575" cap="rnd">
+              <a:solidFill>
+                <a:schemeClr val="tx1"/>
+              </a:solidFill>
+              <a:prstDash val="solid"/>
+              <a:round/>
+            </a:ln>
+            <a:effectLst/>
+          </c:spPr>
+          <c:marker>
+            <c:symbol val="none"/>
+          </c:marker>
+          <c:cat>
+            <c:strLit>
+              <c:ptCount val="7"/>
+              <c:pt idx="0">
+                <c:v>1</c:v>
+              </c:pt>
+              <c:pt idx="1">
+                <c:v>2</c:v>
+              </c:pt>
+              <c:pt idx="2">
+                <c:v>3</c:v>
+              </c:pt>
+              <c:pt idx="3">
+                <c:v>4</c:v>
+              </c:pt>
+              <c:pt idx="4">
+                <c:v>5</c:v>
+              </c:pt>
+              <c:pt idx="5">
+                <c:v>6</c:v>
+              </c:pt>
+              <c:pt idx="6">
+                <c:v>7</c:v>
+              </c:pt>
+              <c:extLst>
+                <c:ext xmlns:c15="http://schemas.microsoft.com/office/drawing/2012/chart" uri="{02D57815-91ED-43cb-92C2-25804820EDAC}">
+                  <c15:autoCat val="1"/>
+                </c:ext>
+              </c:extLst>
+            </c:strLit>
+          </c:cat>
+          <c:val>
+            <c:numRef>
+              <c:f>'[Амлитуда и длительность ОТ задержки.xlsx]Лист1'!$M$13:$M$25</c:f>
+              <c:numCache>
+                <c:formatCode>General</c:formatCode>
+                <c:ptCount val="7"/>
+                <c:pt idx="0">
+                  <c:v>315</c:v>
+                </c:pt>
+                <c:pt idx="1">
+                  <c:v>313</c:v>
+                </c:pt>
+                <c:pt idx="2">
+                  <c:v>294</c:v>
+                </c:pt>
+                <c:pt idx="3">
+                  <c:v>260</c:v>
+                </c:pt>
+                <c:pt idx="4">
+                  <c:v>233</c:v>
+                </c:pt>
+                <c:pt idx="5">
+                  <c:v>210</c:v>
+                </c:pt>
+                <c:pt idx="6">
+                  <c:v>160</c:v>
+                </c:pt>
+              </c:numCache>
+              <c:extLst/>
+            </c:numRef>
+          </c:val>
+          <c:smooth val="0"/>
+          <c:extLst>
+            <c:ext xmlns:c16="http://schemas.microsoft.com/office/drawing/2014/chart" uri="{C3380CC4-5D6E-409C-BE32-E72D297353CC}">
+              <c16:uniqueId val="{00000001-2AD9-4A63-BD66-DCBC6275048A}"/>
+            </c:ext>
+          </c:extLst>
+        </c:ser>
+        <c:dLbls>
+          <c:showLegendKey val="0"/>
+          <c:showVal val="0"/>
+          <c:showCatName val="0"/>
+          <c:showSerName val="0"/>
+          <c:showPercent val="0"/>
+          <c:showBubbleSize val="0"/>
+        </c:dLbls>
+        <c:marker val="1"/>
+        <c:smooth val="0"/>
+        <c:axId val="853175088"/>
+        <c:axId val="853179248"/>
+      </c:lineChart>
+      <c:catAx>
+        <c:axId val="1442068608"/>
+        <c:scaling>
+          <c:orientation val="minMax"/>
+        </c:scaling>
+        <c:delete val="0"/>
+        <c:axPos val="b"/>
+        <c:majorGridlines>
+          <c:spPr>
+            <a:ln w="9525" cap="flat" cmpd="sng" algn="ctr">
+              <a:solidFill>
+                <a:schemeClr val="tx1">
+                  <a:lumMod val="15000"/>
+                  <a:lumOff val="85000"/>
+                </a:schemeClr>
+              </a:solidFill>
+              <a:round/>
+            </a:ln>
+            <a:effectLst/>
+          </c:spPr>
+        </c:majorGridlines>
+        <c:title>
+          <c:tx>
+            <c:rich>
+              <a:bodyPr rot="0" spcFirstLastPara="1" vertOverflow="ellipsis" vert="horz" wrap="square" anchor="ctr" anchorCtr="1"/>
+              <a:lstStyle/>
+              <a:p>
+                <a:pPr>
+                  <a:defRPr sz="1200" b="0" i="0" u="none" strike="noStrike" kern="1200" baseline="0">
+                    <a:solidFill>
+                      <a:sysClr val="windowText" lastClr="000000"/>
+                    </a:solidFill>
+                    <a:latin typeface="Times New Roman" panose="02020603050405020304" pitchFamily="18" charset="0"/>
+                    <a:ea typeface="+mn-ea"/>
+                    <a:cs typeface="Times New Roman" panose="02020603050405020304" pitchFamily="18" charset="0"/>
+                  </a:defRPr>
+                </a:pPr>
+                <a:r>
+                  <a:rPr lang="ru-RU"/>
+                  <a:t>Задержка, нс</a:t>
+                </a:r>
+              </a:p>
+            </c:rich>
+          </c:tx>
+          <c:overlay val="0"/>
+          <c:spPr>
+            <a:noFill/>
+            <a:ln>
+              <a:noFill/>
+            </a:ln>
+            <a:effectLst/>
+          </c:spPr>
+          <c:txPr>
+            <a:bodyPr rot="0" spcFirstLastPara="1" vertOverflow="ellipsis" vert="horz" wrap="square" anchor="ctr" anchorCtr="1"/>
+            <a:lstStyle/>
+            <a:p>
+              <a:pPr>
+                <a:defRPr sz="1200" b="0" i="0" u="none" strike="noStrike" kern="1200" baseline="0">
+                  <a:solidFill>
+                    <a:sysClr val="windowText" lastClr="000000"/>
+                  </a:solidFill>
+                  <a:latin typeface="Times New Roman" panose="02020603050405020304" pitchFamily="18" charset="0"/>
+                  <a:ea typeface="+mn-ea"/>
+                  <a:cs typeface="Times New Roman" panose="02020603050405020304" pitchFamily="18" charset="0"/>
+                </a:defRPr>
+              </a:pPr>
+              <a:endParaRPr lang="ru-RU"/>
+            </a:p>
+          </c:txPr>
+        </c:title>
+        <c:numFmt formatCode="General" sourceLinked="0"/>
+        <c:majorTickMark val="none"/>
+        <c:minorTickMark val="none"/>
+        <c:tickLblPos val="nextTo"/>
+        <c:spPr>
+          <a:noFill/>
+          <a:ln w="9525" cap="flat" cmpd="sng" algn="ctr">
+            <a:solidFill>
+              <a:schemeClr val="tx1">
+                <a:lumMod val="15000"/>
+                <a:lumOff val="85000"/>
+              </a:schemeClr>
+            </a:solidFill>
+            <a:round/>
+          </a:ln>
+          <a:effectLst/>
+        </c:spPr>
+        <c:txPr>
+          <a:bodyPr rot="-60000000" spcFirstLastPara="1" vertOverflow="ellipsis" vert="horz" wrap="square" anchor="ctr" anchorCtr="1"/>
+          <a:lstStyle/>
+          <a:p>
+            <a:pPr>
+              <a:defRPr sz="1200" b="0" i="0" u="none" strike="noStrike" kern="1200" baseline="0">
+                <a:solidFill>
+                  <a:sysClr val="windowText" lastClr="000000"/>
+                </a:solidFill>
+                <a:latin typeface="Times New Roman" panose="02020603050405020304" pitchFamily="18" charset="0"/>
+                <a:ea typeface="+mn-ea"/>
+                <a:cs typeface="Times New Roman" panose="02020603050405020304" pitchFamily="18" charset="0"/>
+              </a:defRPr>
+            </a:pPr>
+            <a:endParaRPr lang="ru-RU"/>
+          </a:p>
+        </c:txPr>
+        <c:crossAx val="1442069024"/>
+        <c:crosses val="autoZero"/>
+        <c:auto val="1"/>
+        <c:lblAlgn val="ctr"/>
+        <c:lblOffset val="100"/>
+        <c:noMultiLvlLbl val="0"/>
+      </c:catAx>
+      <c:valAx>
+        <c:axId val="1442069024"/>
+        <c:scaling>
+          <c:orientation val="minMax"/>
+          <c:min val="35"/>
+        </c:scaling>
+        <c:delete val="0"/>
+        <c:axPos val="l"/>
+        <c:majorGridlines>
+          <c:spPr>
+            <a:ln w="9525" cap="flat" cmpd="sng" algn="ctr">
+              <a:solidFill>
+                <a:schemeClr val="tx1">
+                  <a:lumMod val="15000"/>
+                  <a:lumOff val="85000"/>
+                </a:schemeClr>
+              </a:solidFill>
+              <a:round/>
+            </a:ln>
+            <a:effectLst/>
+          </c:spPr>
+        </c:majorGridlines>
+        <c:title>
+          <c:tx>
+            <c:rich>
+              <a:bodyPr rot="-5400000" spcFirstLastPara="1" vertOverflow="ellipsis" vert="horz" wrap="square" anchor="ctr" anchorCtr="1"/>
+              <a:lstStyle/>
+              <a:p>
+                <a:pPr>
+                  <a:defRPr sz="1200" b="0" i="0" u="none" strike="noStrike" kern="1200" baseline="0">
+                    <a:solidFill>
+                      <a:sysClr val="windowText" lastClr="000000"/>
+                    </a:solidFill>
+                    <a:latin typeface="Times New Roman" panose="02020603050405020304" pitchFamily="18" charset="0"/>
+                    <a:ea typeface="+mn-ea"/>
+                    <a:cs typeface="Times New Roman" panose="02020603050405020304" pitchFamily="18" charset="0"/>
+                  </a:defRPr>
+                </a:pPr>
+                <a:r>
+                  <a:rPr lang="ru-RU"/>
+                  <a:t>Амлитуда, В</a:t>
+                </a:r>
+              </a:p>
+            </c:rich>
+          </c:tx>
+          <c:overlay val="0"/>
+          <c:spPr>
+            <a:noFill/>
+            <a:ln>
+              <a:noFill/>
+            </a:ln>
+            <a:effectLst/>
+          </c:spPr>
+          <c:txPr>
+            <a:bodyPr rot="-5400000" spcFirstLastPara="1" vertOverflow="ellipsis" vert="horz" wrap="square" anchor="ctr" anchorCtr="1"/>
+            <a:lstStyle/>
+            <a:p>
+              <a:pPr>
+                <a:defRPr sz="1200" b="0" i="0" u="none" strike="noStrike" kern="1200" baseline="0">
+                  <a:solidFill>
+                    <a:sysClr val="windowText" lastClr="000000"/>
+                  </a:solidFill>
+                  <a:latin typeface="Times New Roman" panose="02020603050405020304" pitchFamily="18" charset="0"/>
+                  <a:ea typeface="+mn-ea"/>
+                  <a:cs typeface="Times New Roman" panose="02020603050405020304" pitchFamily="18" charset="0"/>
+                </a:defRPr>
+              </a:pPr>
+              <a:endParaRPr lang="ru-RU"/>
+            </a:p>
+          </c:txPr>
+        </c:title>
+        <c:numFmt formatCode="General" sourceLinked="1"/>
+        <c:majorTickMark val="none"/>
+        <c:minorTickMark val="none"/>
+        <c:tickLblPos val="nextTo"/>
+        <c:spPr>
+          <a:noFill/>
+          <a:ln>
+            <a:noFill/>
+          </a:ln>
+          <a:effectLst/>
+        </c:spPr>
+        <c:txPr>
+          <a:bodyPr rot="-60000000" spcFirstLastPara="1" vertOverflow="ellipsis" vert="horz" wrap="square" anchor="ctr" anchorCtr="1"/>
+          <a:lstStyle/>
+          <a:p>
+            <a:pPr>
+              <a:defRPr sz="1200" b="0" i="0" u="none" strike="noStrike" kern="1200" baseline="0">
+                <a:solidFill>
+                  <a:sysClr val="windowText" lastClr="000000"/>
+                </a:solidFill>
+                <a:latin typeface="Times New Roman" panose="02020603050405020304" pitchFamily="18" charset="0"/>
+                <a:ea typeface="+mn-ea"/>
+                <a:cs typeface="Times New Roman" panose="02020603050405020304" pitchFamily="18" charset="0"/>
+              </a:defRPr>
+            </a:pPr>
+            <a:endParaRPr lang="ru-RU"/>
+          </a:p>
+        </c:txPr>
+        <c:crossAx val="1442068608"/>
+        <c:crosses val="autoZero"/>
+        <c:crossBetween val="midCat"/>
+        <c:majorUnit val="5"/>
+      </c:valAx>
+      <c:valAx>
+        <c:axId val="853179248"/>
+        <c:scaling>
+          <c:orientation val="minMax"/>
+          <c:min val="150"/>
+        </c:scaling>
+        <c:delete val="0"/>
+        <c:axPos val="r"/>
+        <c:title>
+          <c:tx>
+            <c:rich>
+              <a:bodyPr rot="-5400000" spcFirstLastPara="1" vertOverflow="ellipsis" vert="horz" wrap="square" anchor="ctr" anchorCtr="1"/>
+              <a:lstStyle/>
+              <a:p>
+                <a:pPr>
+                  <a:defRPr sz="1200" b="0" i="0" u="none" strike="noStrike" kern="1200" baseline="0">
+                    <a:solidFill>
+                      <a:sysClr val="windowText" lastClr="000000"/>
+                    </a:solidFill>
+                    <a:latin typeface="Times New Roman" panose="02020603050405020304" pitchFamily="18" charset="0"/>
+                    <a:ea typeface="+mn-ea"/>
+                    <a:cs typeface="Times New Roman" panose="02020603050405020304" pitchFamily="18" charset="0"/>
+                  </a:defRPr>
+                </a:pPr>
+                <a:r>
+                  <a:rPr lang="ru-RU"/>
+                  <a:t>Длительность, нс</a:t>
+                </a:r>
+              </a:p>
+            </c:rich>
+          </c:tx>
+          <c:overlay val="0"/>
+          <c:spPr>
+            <a:noFill/>
+            <a:ln>
+              <a:noFill/>
+            </a:ln>
+            <a:effectLst/>
+          </c:spPr>
+          <c:txPr>
+            <a:bodyPr rot="-5400000" spcFirstLastPara="1" vertOverflow="ellipsis" vert="horz" wrap="square" anchor="ctr" anchorCtr="1"/>
+            <a:lstStyle/>
+            <a:p>
+              <a:pPr>
+                <a:defRPr sz="1200" b="0" i="0" u="none" strike="noStrike" kern="1200" baseline="0">
+                  <a:solidFill>
+                    <a:sysClr val="windowText" lastClr="000000"/>
+                  </a:solidFill>
+                  <a:latin typeface="Times New Roman" panose="02020603050405020304" pitchFamily="18" charset="0"/>
+                  <a:ea typeface="+mn-ea"/>
+                  <a:cs typeface="Times New Roman" panose="02020603050405020304" pitchFamily="18" charset="0"/>
+                </a:defRPr>
+              </a:pPr>
+              <a:endParaRPr lang="ru-RU"/>
+            </a:p>
+          </c:txPr>
+        </c:title>
+        <c:numFmt formatCode="General" sourceLinked="1"/>
+        <c:majorTickMark val="out"/>
+        <c:minorTickMark val="none"/>
+        <c:tickLblPos val="nextTo"/>
+        <c:spPr>
+          <a:noFill/>
+          <a:ln>
+            <a:noFill/>
+          </a:ln>
+          <a:effectLst/>
+        </c:spPr>
+        <c:txPr>
+          <a:bodyPr rot="-60000000" spcFirstLastPara="1" vertOverflow="ellipsis" vert="horz" wrap="square" anchor="ctr" anchorCtr="1"/>
+          <a:lstStyle/>
+          <a:p>
+            <a:pPr>
+              <a:defRPr sz="1200" b="0" i="0" u="none" strike="noStrike" kern="1200" baseline="0">
+                <a:solidFill>
+                  <a:sysClr val="windowText" lastClr="000000"/>
+                </a:solidFill>
+                <a:latin typeface="Times New Roman" panose="02020603050405020304" pitchFamily="18" charset="0"/>
+                <a:ea typeface="+mn-ea"/>
+                <a:cs typeface="Times New Roman" panose="02020603050405020304" pitchFamily="18" charset="0"/>
+              </a:defRPr>
+            </a:pPr>
+            <a:endParaRPr lang="ru-RU"/>
+          </a:p>
+        </c:txPr>
+        <c:crossAx val="853175088"/>
+        <c:crosses val="max"/>
+        <c:crossBetween val="between"/>
+        <c:majorUnit val="50"/>
+      </c:valAx>
+      <c:catAx>
+        <c:axId val="853175088"/>
+        <c:scaling>
+          <c:orientation val="minMax"/>
+        </c:scaling>
+        <c:delete val="1"/>
+        <c:axPos val="b"/>
+        <c:numFmt formatCode="General" sourceLinked="1"/>
+        <c:majorTickMark val="out"/>
+        <c:minorTickMark val="none"/>
+        <c:tickLblPos val="nextTo"/>
+        <c:crossAx val="853179248"/>
+        <c:crosses val="autoZero"/>
+        <c:auto val="1"/>
+        <c:lblAlgn val="ctr"/>
+        <c:lblOffset val="100"/>
+        <c:noMultiLvlLbl val="0"/>
+      </c:catAx>
+      <c:spPr>
+        <a:noFill/>
+        <a:ln>
+          <a:noFill/>
+        </a:ln>
+        <a:effectLst/>
+      </c:spPr>
+    </c:plotArea>
+    <c:legend>
+      <c:legendPos val="b"/>
+      <c:overlay val="0"/>
+      <c:spPr>
+        <a:noFill/>
+        <a:ln>
+          <a:noFill/>
+        </a:ln>
+        <a:effectLst/>
+      </c:spPr>
+      <c:txPr>
+        <a:bodyPr rot="0" spcFirstLastPara="1" vertOverflow="ellipsis" vert="horz" wrap="square" anchor="ctr" anchorCtr="1"/>
+        <a:lstStyle/>
+        <a:p>
+          <a:pPr>
+            <a:defRPr sz="1200" b="0" i="0" u="none" strike="noStrike" kern="1200" baseline="0">
+              <a:solidFill>
+                <a:sysClr val="windowText" lastClr="000000"/>
+              </a:solidFill>
+              <a:latin typeface="Times New Roman" panose="02020603050405020304" pitchFamily="18" charset="0"/>
+              <a:ea typeface="+mn-ea"/>
+              <a:cs typeface="Times New Roman" panose="02020603050405020304" pitchFamily="18" charset="0"/>
+            </a:defRPr>
+          </a:pPr>
+          <a:endParaRPr lang="ru-RU"/>
+        </a:p>
+      </c:txPr>
+    </c:legend>
+    <c:plotVisOnly val="1"/>
+    <c:dispBlanksAs val="zero"/>
+    <c:extLst>
+      <c:ext xmlns:c16r3="http://schemas.microsoft.com/office/drawing/2017/03/chart" uri="{56B9EC1D-385E-4148-901F-78D8002777C0}">
+        <c16r3:dataDisplayOptions16>
+          <c16r3:dispNaAsBlank val="1"/>
+        </c16r3:dataDisplayOptions16>
+      </c:ext>
+    </c:extLst>
+    <c:showDLblsOverMax val="0"/>
+  </c:chart>
+  <c:spPr>
+    <a:noFill/>
+    <a:ln>
+      <a:noFill/>
+    </a:ln>
+    <a:effectLst/>
+  </c:spPr>
+  <c:txPr>
+    <a:bodyPr/>
+    <a:lstStyle/>
+    <a:p>
+      <a:pPr>
+        <a:defRPr sz="1200">
+          <a:solidFill>
+            <a:sysClr val="windowText" lastClr="000000"/>
+          </a:solidFill>
+          <a:latin typeface="Times New Roman" panose="02020603050405020304" pitchFamily="18" charset="0"/>
+          <a:cs typeface="Times New Roman" panose="02020603050405020304" pitchFamily="18" charset="0"/>
+        </a:defRPr>
+      </a:pPr>
+      <a:endParaRPr lang="ru-RU"/>
+    </a:p>
+  </c:txPr>
+  <c:externalData r:id="rId3">
+    <c:autoUpdate val="0"/>
+  </c:externalData>
+</c:chartSpace>
+</file>
+
+<file path=ppt/charts/chart2.xml><?xml version="1.0" encoding="utf-8"?>
+<c:chartSpace xmlns:c="http://schemas.openxmlformats.org/drawingml/2006/chart" xmlns:a="http://schemas.openxmlformats.org/drawingml/2006/main" xmlns:r="http://schemas.openxmlformats.org/officeDocument/2006/relationships" xmlns:c16r2="http://schemas.microsoft.com/office/drawing/2015/06/chart">
+  <c:date1904 val="0"/>
+  <c:lang val="ru-RU"/>
+  <c:roundedCorners val="0"/>
+  <mc:AlternateContent xmlns:mc="http://schemas.openxmlformats.org/markup-compatibility/2006">
+    <mc:Choice xmlns:c14="http://schemas.microsoft.com/office/drawing/2007/8/2/chart" Requires="c14">
+      <c14:style val="102"/>
+    </mc:Choice>
+    <mc:Fallback>
+      <c:style val="2"/>
+    </mc:Fallback>
+  </mc:AlternateContent>
+  <c:chart>
+    <c:autoTitleDeleted val="1"/>
+    <c:plotArea>
+      <c:layout/>
+      <c:scatterChart>
+        <c:scatterStyle val="smoothMarker"/>
+        <c:varyColors val="0"/>
+        <c:ser>
+          <c:idx val="0"/>
+          <c:order val="0"/>
+          <c:spPr>
+            <a:ln w="25400" cap="rnd">
+              <a:solidFill>
+                <a:schemeClr val="tx1"/>
+              </a:solidFill>
+              <a:round/>
+            </a:ln>
+            <a:effectLst/>
+          </c:spPr>
+          <c:marker>
+            <c:symbol val="none"/>
+          </c:marker>
+          <c:xVal>
+            <c:numRef>
+              <c:f>Лист1!$E$5:$E$25</c:f>
+              <c:numCache>
+                <c:formatCode>General</c:formatCode>
+                <c:ptCount val="21"/>
+                <c:pt idx="0">
+                  <c:v>6</c:v>
+                </c:pt>
+                <c:pt idx="1">
+                  <c:v>6.5</c:v>
+                </c:pt>
+                <c:pt idx="2">
+                  <c:v>7</c:v>
+                </c:pt>
+                <c:pt idx="3">
+                  <c:v>7.5</c:v>
+                </c:pt>
+                <c:pt idx="4">
+                  <c:v>8</c:v>
+                </c:pt>
+                <c:pt idx="5">
+                  <c:v>8.5</c:v>
+                </c:pt>
+                <c:pt idx="6">
+                  <c:v>9</c:v>
+                </c:pt>
+                <c:pt idx="7">
+                  <c:v>9.5</c:v>
+                </c:pt>
+                <c:pt idx="8">
+                  <c:v>10</c:v>
+                </c:pt>
+                <c:pt idx="9">
+                  <c:v>10.5</c:v>
+                </c:pt>
+                <c:pt idx="10">
+                  <c:v>11</c:v>
+                </c:pt>
+                <c:pt idx="11">
+                  <c:v>11.5</c:v>
+                </c:pt>
+                <c:pt idx="12">
+                  <c:v>12</c:v>
+                </c:pt>
+                <c:pt idx="13">
+                  <c:v>12.5</c:v>
+                </c:pt>
+                <c:pt idx="14">
+                  <c:v>13</c:v>
+                </c:pt>
+                <c:pt idx="15">
+                  <c:v>13.5</c:v>
+                </c:pt>
+                <c:pt idx="16">
+                  <c:v>14</c:v>
+                </c:pt>
+                <c:pt idx="17">
+                  <c:v>14.5</c:v>
+                </c:pt>
+                <c:pt idx="18">
+                  <c:v>15</c:v>
+                </c:pt>
+                <c:pt idx="19">
+                  <c:v>15.5</c:v>
+                </c:pt>
+                <c:pt idx="20">
+                  <c:v>16</c:v>
+                </c:pt>
+              </c:numCache>
+            </c:numRef>
+          </c:xVal>
+          <c:yVal>
+            <c:numRef>
+              <c:f>Лист1!$K$5:$K$25</c:f>
+              <c:numCache>
+                <c:formatCode>General</c:formatCode>
+                <c:ptCount val="21"/>
+                <c:pt idx="0">
+                  <c:v>34.4</c:v>
+                </c:pt>
+                <c:pt idx="1">
+                  <c:v>35.6</c:v>
+                </c:pt>
+                <c:pt idx="2">
+                  <c:v>36.6</c:v>
+                </c:pt>
+                <c:pt idx="3">
+                  <c:v>37</c:v>
+                </c:pt>
+                <c:pt idx="4">
+                  <c:v>37.799999999999997</c:v>
+                </c:pt>
+                <c:pt idx="5">
+                  <c:v>38.299999999999997</c:v>
+                </c:pt>
+                <c:pt idx="6">
+                  <c:v>38.700000000000003</c:v>
+                </c:pt>
+                <c:pt idx="7">
+                  <c:v>39.1</c:v>
+                </c:pt>
+                <c:pt idx="8">
+                  <c:v>39.299999999999997</c:v>
+                </c:pt>
+                <c:pt idx="9">
+                  <c:v>39.6</c:v>
+                </c:pt>
+                <c:pt idx="10">
+                  <c:v>39.9</c:v>
+                </c:pt>
+                <c:pt idx="11">
+                  <c:v>40.200000000000003</c:v>
+                </c:pt>
+                <c:pt idx="12">
+                  <c:v>40.299999999999997</c:v>
+                </c:pt>
+                <c:pt idx="13">
+                  <c:v>40.4</c:v>
+                </c:pt>
+                <c:pt idx="14">
+                  <c:v>40.6</c:v>
+                </c:pt>
+                <c:pt idx="15">
+                  <c:v>40.700000000000003</c:v>
+                </c:pt>
+                <c:pt idx="16">
+                  <c:v>40.799999999999997</c:v>
+                </c:pt>
+                <c:pt idx="17">
+                  <c:v>40.9</c:v>
+                </c:pt>
+                <c:pt idx="18">
+                  <c:v>40.9</c:v>
+                </c:pt>
+                <c:pt idx="19">
+                  <c:v>40.9</c:v>
+                </c:pt>
+                <c:pt idx="20">
+                  <c:v>40.9</c:v>
+                </c:pt>
+              </c:numCache>
+            </c:numRef>
+          </c:yVal>
+          <c:smooth val="1"/>
+          <c:extLst>
+            <c:ext xmlns:c16="http://schemas.microsoft.com/office/drawing/2014/chart" uri="{C3380CC4-5D6E-409C-BE32-E72D297353CC}">
+              <c16:uniqueId val="{00000000-37F3-4036-BAF6-8E345288EAC0}"/>
+            </c:ext>
+          </c:extLst>
+        </c:ser>
+        <c:dLbls>
+          <c:showLegendKey val="0"/>
+          <c:showVal val="0"/>
+          <c:showCatName val="0"/>
+          <c:showSerName val="0"/>
+          <c:showPercent val="0"/>
+          <c:showBubbleSize val="0"/>
+        </c:dLbls>
+        <c:axId val="1351177312"/>
+        <c:axId val="1351176896"/>
+      </c:scatterChart>
+      <c:valAx>
+        <c:axId val="1351177312"/>
+        <c:scaling>
+          <c:orientation val="minMax"/>
+          <c:max val="16"/>
+          <c:min val="6"/>
+        </c:scaling>
+        <c:delete val="0"/>
+        <c:axPos val="b"/>
+        <c:majorGridlines>
+          <c:spPr>
+            <a:ln w="9525" cap="flat" cmpd="sng" algn="ctr">
+              <a:solidFill>
+                <a:schemeClr val="tx1">
+                  <a:lumMod val="15000"/>
+                  <a:lumOff val="85000"/>
+                </a:schemeClr>
+              </a:solidFill>
+              <a:round/>
+            </a:ln>
+            <a:effectLst/>
+          </c:spPr>
+        </c:majorGridlines>
+        <c:minorGridlines>
+          <c:spPr>
+            <a:ln w="9525" cap="flat" cmpd="sng" algn="ctr">
+              <a:solidFill>
+                <a:schemeClr val="tx1">
+                  <a:lumMod val="5000"/>
+                  <a:lumOff val="95000"/>
+                </a:schemeClr>
+              </a:solidFill>
+              <a:round/>
+            </a:ln>
+            <a:effectLst/>
+          </c:spPr>
+        </c:minorGridlines>
+        <c:title>
+          <c:tx>
+            <c:rich>
+              <a:bodyPr rot="0" spcFirstLastPara="1" vertOverflow="ellipsis" vert="horz" wrap="square" anchor="ctr" anchorCtr="1"/>
+              <a:lstStyle/>
+              <a:p>
+                <a:pPr>
+                  <a:defRPr sz="1000" b="0" i="0" u="none" strike="noStrike" kern="1200" baseline="0">
+                    <a:solidFill>
+                      <a:schemeClr val="tx1">
+                        <a:lumMod val="65000"/>
+                        <a:lumOff val="35000"/>
+                      </a:schemeClr>
+                    </a:solidFill>
+                    <a:latin typeface="+mn-lt"/>
+                    <a:ea typeface="+mn-ea"/>
+                    <a:cs typeface="+mn-cs"/>
+                  </a:defRPr>
+                </a:pPr>
+                <a:r>
+                  <a:rPr lang="ru-RU" sz="1400">
+                    <a:solidFill>
+                      <a:sysClr val="windowText" lastClr="000000"/>
+                    </a:solidFill>
+                    <a:latin typeface="Times New Roman" panose="02020603050405020304" pitchFamily="18" charset="0"/>
+                    <a:cs typeface="Times New Roman" panose="02020603050405020304" pitchFamily="18" charset="0"/>
+                  </a:rPr>
+                  <a:t>Длительность запускающего импульса, нс</a:t>
+                </a:r>
+              </a:p>
+            </c:rich>
+          </c:tx>
+          <c:overlay val="0"/>
+          <c:spPr>
+            <a:noFill/>
+            <a:ln>
+              <a:noFill/>
+            </a:ln>
+            <a:effectLst/>
+          </c:spPr>
+          <c:txPr>
+            <a:bodyPr rot="0" spcFirstLastPara="1" vertOverflow="ellipsis" vert="horz" wrap="square" anchor="ctr" anchorCtr="1"/>
+            <a:lstStyle/>
+            <a:p>
+              <a:pPr>
+                <a:defRPr sz="1000" b="0" i="0" u="none" strike="noStrike" kern="1200" baseline="0">
+                  <a:solidFill>
+                    <a:schemeClr val="tx1">
+                      <a:lumMod val="65000"/>
+                      <a:lumOff val="35000"/>
+                    </a:schemeClr>
+                  </a:solidFill>
+                  <a:latin typeface="+mn-lt"/>
+                  <a:ea typeface="+mn-ea"/>
+                  <a:cs typeface="+mn-cs"/>
+                </a:defRPr>
+              </a:pPr>
+              <a:endParaRPr lang="ru-RU"/>
+            </a:p>
+          </c:txPr>
+        </c:title>
+        <c:numFmt formatCode="General" sourceLinked="1"/>
+        <c:majorTickMark val="none"/>
+        <c:minorTickMark val="none"/>
+        <c:tickLblPos val="nextTo"/>
+        <c:spPr>
+          <a:noFill/>
+          <a:ln w="9525" cap="flat" cmpd="sng" algn="ctr">
+            <a:solidFill>
+              <a:schemeClr val="tx1">
+                <a:lumMod val="25000"/>
+                <a:lumOff val="75000"/>
+              </a:schemeClr>
+            </a:solidFill>
+            <a:round/>
+          </a:ln>
+          <a:effectLst/>
+        </c:spPr>
+        <c:txPr>
+          <a:bodyPr rot="-60000000" spcFirstLastPara="1" vertOverflow="ellipsis" vert="horz" wrap="square" anchor="ctr" anchorCtr="1"/>
+          <a:lstStyle/>
+          <a:p>
+            <a:pPr>
+              <a:defRPr sz="1050" b="0" i="0" u="none" strike="noStrike" kern="1200" baseline="0">
+                <a:solidFill>
+                  <a:schemeClr val="tx1">
+                    <a:lumMod val="65000"/>
+                    <a:lumOff val="35000"/>
+                  </a:schemeClr>
+                </a:solidFill>
+                <a:latin typeface="+mn-lt"/>
+                <a:ea typeface="+mn-ea"/>
+                <a:cs typeface="+mn-cs"/>
+              </a:defRPr>
+            </a:pPr>
+            <a:endParaRPr lang="ru-RU"/>
+          </a:p>
+        </c:txPr>
+        <c:crossAx val="1351176896"/>
+        <c:crosses val="autoZero"/>
+        <c:crossBetween val="midCat"/>
+      </c:valAx>
+      <c:valAx>
+        <c:axId val="1351176896"/>
+        <c:scaling>
+          <c:orientation val="minMax"/>
+        </c:scaling>
+        <c:delete val="0"/>
+        <c:axPos val="l"/>
+        <c:majorGridlines>
+          <c:spPr>
+            <a:ln w="9525" cap="flat" cmpd="sng" algn="ctr">
+              <a:solidFill>
+                <a:schemeClr val="tx1">
+                  <a:lumMod val="15000"/>
+                  <a:lumOff val="85000"/>
+                </a:schemeClr>
+              </a:solidFill>
+              <a:round/>
+            </a:ln>
+            <a:effectLst/>
+          </c:spPr>
+        </c:majorGridlines>
+        <c:minorGridlines>
+          <c:spPr>
+            <a:ln w="9525" cap="flat" cmpd="sng" algn="ctr">
+              <a:solidFill>
+                <a:schemeClr val="tx1">
+                  <a:lumMod val="5000"/>
+                  <a:lumOff val="95000"/>
+                </a:schemeClr>
+              </a:solidFill>
+              <a:round/>
+            </a:ln>
+            <a:effectLst/>
+          </c:spPr>
+        </c:minorGridlines>
+        <c:title>
+          <c:tx>
+            <c:rich>
+              <a:bodyPr rot="-5400000" spcFirstLastPara="1" vertOverflow="ellipsis" vert="horz" wrap="square" anchor="ctr" anchorCtr="1"/>
+              <a:lstStyle/>
+              <a:p>
+                <a:pPr>
+                  <a:defRPr sz="1400" b="0" i="0" u="none" strike="noStrike" kern="1200" baseline="0">
+                    <a:solidFill>
+                      <a:schemeClr val="tx1">
+                        <a:lumMod val="65000"/>
+                        <a:lumOff val="35000"/>
+                      </a:schemeClr>
+                    </a:solidFill>
+                    <a:latin typeface="+mn-lt"/>
+                    <a:ea typeface="+mn-ea"/>
+                    <a:cs typeface="+mn-cs"/>
+                  </a:defRPr>
+                </a:pPr>
+                <a:r>
+                  <a:rPr lang="ru-RU" sz="1400">
+                    <a:solidFill>
+                      <a:sysClr val="windowText" lastClr="000000"/>
+                    </a:solidFill>
+                    <a:latin typeface="Times New Roman" panose="02020603050405020304" pitchFamily="18" charset="0"/>
+                    <a:cs typeface="Times New Roman" panose="02020603050405020304" pitchFamily="18" charset="0"/>
+                  </a:rPr>
+                  <a:t>Амплитуда импульса, В</a:t>
+                </a:r>
+              </a:p>
+            </c:rich>
+          </c:tx>
+          <c:overlay val="0"/>
+          <c:spPr>
+            <a:noFill/>
+            <a:ln>
+              <a:noFill/>
+            </a:ln>
+            <a:effectLst/>
+          </c:spPr>
+          <c:txPr>
+            <a:bodyPr rot="-5400000" spcFirstLastPara="1" vertOverflow="ellipsis" vert="horz" wrap="square" anchor="ctr" anchorCtr="1"/>
+            <a:lstStyle/>
+            <a:p>
+              <a:pPr>
+                <a:defRPr sz="1400" b="0" i="0" u="none" strike="noStrike" kern="1200" baseline="0">
+                  <a:solidFill>
+                    <a:schemeClr val="tx1">
+                      <a:lumMod val="65000"/>
+                      <a:lumOff val="35000"/>
+                    </a:schemeClr>
+                  </a:solidFill>
+                  <a:latin typeface="+mn-lt"/>
+                  <a:ea typeface="+mn-ea"/>
+                  <a:cs typeface="+mn-cs"/>
+                </a:defRPr>
+              </a:pPr>
+              <a:endParaRPr lang="ru-RU"/>
+            </a:p>
+          </c:txPr>
+        </c:title>
+        <c:numFmt formatCode="General" sourceLinked="1"/>
+        <c:majorTickMark val="none"/>
+        <c:minorTickMark val="none"/>
+        <c:tickLblPos val="nextTo"/>
+        <c:spPr>
+          <a:noFill/>
+          <a:ln w="9525" cap="flat" cmpd="sng" algn="ctr">
+            <a:solidFill>
+              <a:schemeClr val="tx1">
+                <a:lumMod val="25000"/>
+                <a:lumOff val="75000"/>
+              </a:schemeClr>
+            </a:solidFill>
+            <a:round/>
+          </a:ln>
+          <a:effectLst/>
+        </c:spPr>
+        <c:txPr>
+          <a:bodyPr rot="-60000000" spcFirstLastPara="1" vertOverflow="ellipsis" vert="horz" wrap="square" anchor="ctr" anchorCtr="1"/>
+          <a:lstStyle/>
+          <a:p>
+            <a:pPr>
+              <a:defRPr sz="1050" b="0" i="0" u="none" strike="noStrike" kern="1200" baseline="0">
+                <a:solidFill>
+                  <a:schemeClr val="tx1">
+                    <a:lumMod val="65000"/>
+                    <a:lumOff val="35000"/>
+                  </a:schemeClr>
+                </a:solidFill>
+                <a:latin typeface="+mn-lt"/>
+                <a:ea typeface="+mn-ea"/>
+                <a:cs typeface="+mn-cs"/>
+              </a:defRPr>
+            </a:pPr>
+            <a:endParaRPr lang="ru-RU"/>
+          </a:p>
+        </c:txPr>
+        <c:crossAx val="1351177312"/>
+        <c:crosses val="autoZero"/>
+        <c:crossBetween val="midCat"/>
+      </c:valAx>
+      <c:spPr>
+        <a:noFill/>
+        <a:ln>
+          <a:noFill/>
+        </a:ln>
+        <a:effectLst/>
+      </c:spPr>
+    </c:plotArea>
+    <c:plotVisOnly val="1"/>
+    <c:dispBlanksAs val="gap"/>
+    <c:extLst>
+      <c:ext xmlns:c16r3="http://schemas.microsoft.com/office/drawing/2017/03/chart" uri="{56B9EC1D-385E-4148-901F-78D8002777C0}">
+        <c16r3:dataDisplayOptions16>
+          <c16r3:dispNaAsBlank val="1"/>
+        </c16r3:dataDisplayOptions16>
+      </c:ext>
+    </c:extLst>
+    <c:showDLblsOverMax val="0"/>
+  </c:chart>
+  <c:spPr>
+    <a:noFill/>
+    <a:ln>
+      <a:noFill/>
+    </a:ln>
+    <a:effectLst/>
+  </c:spPr>
+  <c:txPr>
+    <a:bodyPr/>
+    <a:lstStyle/>
+    <a:p>
+      <a:pPr>
+        <a:defRPr/>
+      </a:pPr>
+      <a:endParaRPr lang="ru-RU"/>
+    </a:p>
+  </c:txPr>
+  <c:externalData r:id="rId3">
+    <c:autoUpdate val="0"/>
+  </c:externalData>
+</c:chartSpace>
+</file>
+
+<file path=ppt/charts/chart3.xml><?xml version="1.0" encoding="utf-8"?>
+<c:chartSpace xmlns:c="http://schemas.openxmlformats.org/drawingml/2006/chart" xmlns:a="http://schemas.openxmlformats.org/drawingml/2006/main" xmlns:r="http://schemas.openxmlformats.org/officeDocument/2006/relationships" xmlns:c16r2="http://schemas.microsoft.com/office/drawing/2015/06/chart">
+  <c:date1904 val="0"/>
+  <c:lang val="ru-RU"/>
+  <c:roundedCorners val="0"/>
+  <mc:AlternateContent xmlns:mc="http://schemas.openxmlformats.org/markup-compatibility/2006">
+    <mc:Choice xmlns:c14="http://schemas.microsoft.com/office/drawing/2007/8/2/chart" Requires="c14">
+      <c14:style val="102"/>
+    </mc:Choice>
+    <mc:Fallback>
+      <c:style val="2"/>
+    </mc:Fallback>
+  </mc:AlternateContent>
+  <c:chart>
+    <c:autoTitleDeleted val="1"/>
+    <c:plotArea>
+      <c:layout/>
+      <c:scatterChart>
+        <c:scatterStyle val="smoothMarker"/>
+        <c:varyColors val="0"/>
+        <c:ser>
+          <c:idx val="0"/>
+          <c:order val="0"/>
+          <c:spPr>
+            <a:ln w="25400" cap="rnd">
+              <a:solidFill>
+                <a:schemeClr val="tx1"/>
+              </a:solidFill>
+              <a:round/>
+            </a:ln>
+            <a:effectLst/>
+          </c:spPr>
+          <c:marker>
+            <c:symbol val="none"/>
+          </c:marker>
+          <c:xVal>
+            <c:numRef>
+              <c:f>Лист1!$E$5:$E$25</c:f>
+              <c:numCache>
+                <c:formatCode>General</c:formatCode>
+                <c:ptCount val="21"/>
+                <c:pt idx="0">
+                  <c:v>6</c:v>
+                </c:pt>
+                <c:pt idx="1">
+                  <c:v>6.5</c:v>
+                </c:pt>
+                <c:pt idx="2">
+                  <c:v>7</c:v>
+                </c:pt>
+                <c:pt idx="3">
+                  <c:v>7.5</c:v>
+                </c:pt>
+                <c:pt idx="4">
+                  <c:v>8</c:v>
+                </c:pt>
+                <c:pt idx="5">
+                  <c:v>8.5</c:v>
+                </c:pt>
+                <c:pt idx="6">
+                  <c:v>9</c:v>
+                </c:pt>
+                <c:pt idx="7">
+                  <c:v>9.5</c:v>
+                </c:pt>
+                <c:pt idx="8">
+                  <c:v>10</c:v>
+                </c:pt>
+                <c:pt idx="9">
+                  <c:v>10.5</c:v>
+                </c:pt>
+                <c:pt idx="10">
+                  <c:v>11</c:v>
+                </c:pt>
+                <c:pt idx="11">
+                  <c:v>11.5</c:v>
+                </c:pt>
+                <c:pt idx="12">
+                  <c:v>12</c:v>
+                </c:pt>
+                <c:pt idx="13">
+                  <c:v>12.5</c:v>
+                </c:pt>
+                <c:pt idx="14">
+                  <c:v>13</c:v>
+                </c:pt>
+                <c:pt idx="15">
+                  <c:v>13.5</c:v>
+                </c:pt>
+                <c:pt idx="16">
+                  <c:v>14</c:v>
+                </c:pt>
+                <c:pt idx="17">
+                  <c:v>14.5</c:v>
+                </c:pt>
+                <c:pt idx="18">
+                  <c:v>15</c:v>
+                </c:pt>
+                <c:pt idx="19">
+                  <c:v>15.5</c:v>
+                </c:pt>
+                <c:pt idx="20">
+                  <c:v>16</c:v>
+                </c:pt>
+              </c:numCache>
+            </c:numRef>
+          </c:xVal>
+          <c:yVal>
+            <c:numRef>
+              <c:f>Лист1!$L$5:$L$25</c:f>
+              <c:numCache>
+                <c:formatCode>General</c:formatCode>
+                <c:ptCount val="21"/>
+                <c:pt idx="0">
+                  <c:v>185</c:v>
+                </c:pt>
+                <c:pt idx="1">
+                  <c:v>194</c:v>
+                </c:pt>
+                <c:pt idx="2">
+                  <c:v>196</c:v>
+                </c:pt>
+                <c:pt idx="3">
+                  <c:v>200</c:v>
+                </c:pt>
+                <c:pt idx="4">
+                  <c:v>206</c:v>
+                </c:pt>
+                <c:pt idx="5">
+                  <c:v>211</c:v>
+                </c:pt>
+                <c:pt idx="6">
+                  <c:v>213</c:v>
+                </c:pt>
+                <c:pt idx="7">
+                  <c:v>215</c:v>
+                </c:pt>
+                <c:pt idx="8">
+                  <c:v>220</c:v>
+                </c:pt>
+                <c:pt idx="9">
+                  <c:v>223</c:v>
+                </c:pt>
+                <c:pt idx="10">
+                  <c:v>224</c:v>
+                </c:pt>
+                <c:pt idx="11">
+                  <c:v>227</c:v>
+                </c:pt>
+                <c:pt idx="12">
+                  <c:v>228</c:v>
+                </c:pt>
+                <c:pt idx="13">
+                  <c:v>227</c:v>
+                </c:pt>
+                <c:pt idx="14">
+                  <c:v>232</c:v>
+                </c:pt>
+                <c:pt idx="15">
+                  <c:v>237</c:v>
+                </c:pt>
+                <c:pt idx="16">
+                  <c:v>234</c:v>
+                </c:pt>
+                <c:pt idx="17">
+                  <c:v>236</c:v>
+                </c:pt>
+                <c:pt idx="18">
+                  <c:v>233</c:v>
+                </c:pt>
+                <c:pt idx="19">
+                  <c:v>236</c:v>
+                </c:pt>
+                <c:pt idx="20">
+                  <c:v>236</c:v>
+                </c:pt>
+              </c:numCache>
+            </c:numRef>
+          </c:yVal>
+          <c:smooth val="1"/>
+          <c:extLst>
+            <c:ext xmlns:c16="http://schemas.microsoft.com/office/drawing/2014/chart" uri="{C3380CC4-5D6E-409C-BE32-E72D297353CC}">
+              <c16:uniqueId val="{00000000-22AA-421C-9010-92045762ABAA}"/>
+            </c:ext>
+          </c:extLst>
+        </c:ser>
+        <c:dLbls>
+          <c:showLegendKey val="0"/>
+          <c:showVal val="0"/>
+          <c:showCatName val="0"/>
+          <c:showSerName val="0"/>
+          <c:showPercent val="0"/>
+          <c:showBubbleSize val="0"/>
+        </c:dLbls>
+        <c:axId val="1411355968"/>
+        <c:axId val="1411356384"/>
+      </c:scatterChart>
+      <c:valAx>
+        <c:axId val="1411355968"/>
+        <c:scaling>
+          <c:orientation val="minMax"/>
+          <c:max val="16"/>
+          <c:min val="6"/>
+        </c:scaling>
+        <c:delete val="0"/>
+        <c:axPos val="b"/>
+        <c:majorGridlines>
+          <c:spPr>
+            <a:ln w="9525" cap="flat" cmpd="sng" algn="ctr">
+              <a:solidFill>
+                <a:schemeClr val="tx1">
+                  <a:lumMod val="15000"/>
+                  <a:lumOff val="85000"/>
+                </a:schemeClr>
+              </a:solidFill>
+              <a:round/>
+            </a:ln>
+            <a:effectLst/>
+          </c:spPr>
+        </c:majorGridlines>
+        <c:minorGridlines>
+          <c:spPr>
+            <a:ln w="9525" cap="flat" cmpd="sng" algn="ctr">
+              <a:solidFill>
+                <a:schemeClr val="tx1">
+                  <a:lumMod val="5000"/>
+                  <a:lumOff val="95000"/>
+                </a:schemeClr>
+              </a:solidFill>
+              <a:round/>
+            </a:ln>
+            <a:effectLst/>
+          </c:spPr>
+        </c:minorGridlines>
+        <c:title>
+          <c:tx>
+            <c:rich>
+              <a:bodyPr rot="0" spcFirstLastPara="1" vertOverflow="ellipsis" vert="horz" wrap="square" anchor="ctr" anchorCtr="1"/>
+              <a:lstStyle/>
+              <a:p>
+                <a:pPr algn="l">
+                  <a:defRPr sz="1000" b="0" i="0" u="none" strike="noStrike" kern="1200" baseline="0">
+                    <a:solidFill>
+                      <a:schemeClr val="tx1">
+                        <a:lumMod val="65000"/>
+                        <a:lumOff val="35000"/>
+                      </a:schemeClr>
+                    </a:solidFill>
+                    <a:latin typeface="+mn-lt"/>
+                    <a:ea typeface="+mn-ea"/>
+                    <a:cs typeface="+mn-cs"/>
+                  </a:defRPr>
+                </a:pPr>
+                <a:r>
+                  <a:rPr lang="ru-RU" sz="1400">
+                    <a:solidFill>
+                      <a:sysClr val="windowText" lastClr="000000"/>
+                    </a:solidFill>
+                    <a:latin typeface="Times New Roman" panose="02020603050405020304" pitchFamily="18" charset="0"/>
+                    <a:cs typeface="Times New Roman" panose="02020603050405020304" pitchFamily="18" charset="0"/>
+                  </a:rPr>
+                  <a:t>Длительность</a:t>
+                </a:r>
+                <a:r>
+                  <a:rPr lang="ru-RU" sz="1400" baseline="0">
+                    <a:solidFill>
+                      <a:sysClr val="windowText" lastClr="000000"/>
+                    </a:solidFill>
+                    <a:latin typeface="Times New Roman" panose="02020603050405020304" pitchFamily="18" charset="0"/>
+                    <a:cs typeface="Times New Roman" panose="02020603050405020304" pitchFamily="18" charset="0"/>
+                  </a:rPr>
+                  <a:t> запускающего импульса, нс</a:t>
+                </a:r>
+                <a:endParaRPr lang="ru-RU" sz="1400">
+                  <a:solidFill>
+                    <a:sysClr val="windowText" lastClr="000000"/>
+                  </a:solidFill>
+                  <a:latin typeface="Times New Roman" panose="02020603050405020304" pitchFamily="18" charset="0"/>
+                  <a:cs typeface="Times New Roman" panose="02020603050405020304" pitchFamily="18" charset="0"/>
+                </a:endParaRPr>
+              </a:p>
+            </c:rich>
+          </c:tx>
+          <c:overlay val="0"/>
+          <c:spPr>
+            <a:noFill/>
+            <a:ln>
+              <a:noFill/>
+            </a:ln>
+            <a:effectLst/>
+          </c:spPr>
+          <c:txPr>
+            <a:bodyPr rot="0" spcFirstLastPara="1" vertOverflow="ellipsis" vert="horz" wrap="square" anchor="ctr" anchorCtr="1"/>
+            <a:lstStyle/>
+            <a:p>
+              <a:pPr algn="l">
+                <a:defRPr sz="1000" b="0" i="0" u="none" strike="noStrike" kern="1200" baseline="0">
+                  <a:solidFill>
+                    <a:schemeClr val="tx1">
+                      <a:lumMod val="65000"/>
+                      <a:lumOff val="35000"/>
+                    </a:schemeClr>
+                  </a:solidFill>
+                  <a:latin typeface="+mn-lt"/>
+                  <a:ea typeface="+mn-ea"/>
+                  <a:cs typeface="+mn-cs"/>
+                </a:defRPr>
+              </a:pPr>
+              <a:endParaRPr lang="ru-RU"/>
+            </a:p>
+          </c:txPr>
+        </c:title>
+        <c:numFmt formatCode="General" sourceLinked="1"/>
+        <c:majorTickMark val="none"/>
+        <c:minorTickMark val="none"/>
+        <c:tickLblPos val="nextTo"/>
+        <c:spPr>
+          <a:noFill/>
+          <a:ln w="9525" cap="flat" cmpd="sng" algn="ctr">
+            <a:solidFill>
+              <a:schemeClr val="tx1">
+                <a:lumMod val="25000"/>
+                <a:lumOff val="75000"/>
+              </a:schemeClr>
+            </a:solidFill>
+            <a:round/>
+          </a:ln>
+          <a:effectLst/>
+        </c:spPr>
+        <c:txPr>
+          <a:bodyPr rot="-60000000" spcFirstLastPara="1" vertOverflow="ellipsis" vert="horz" wrap="square" anchor="ctr" anchorCtr="1"/>
+          <a:lstStyle/>
+          <a:p>
+            <a:pPr>
+              <a:defRPr sz="1050" b="0" i="0" u="none" strike="noStrike" kern="1200" baseline="0">
+                <a:solidFill>
+                  <a:schemeClr val="tx1">
+                    <a:lumMod val="65000"/>
+                    <a:lumOff val="35000"/>
+                  </a:schemeClr>
+                </a:solidFill>
+                <a:latin typeface="+mn-lt"/>
+                <a:ea typeface="+mn-ea"/>
+                <a:cs typeface="+mn-cs"/>
+              </a:defRPr>
+            </a:pPr>
+            <a:endParaRPr lang="ru-RU"/>
+          </a:p>
+        </c:txPr>
+        <c:crossAx val="1411356384"/>
+        <c:crosses val="autoZero"/>
+        <c:crossBetween val="midCat"/>
+      </c:valAx>
+      <c:valAx>
+        <c:axId val="1411356384"/>
+        <c:scaling>
+          <c:orientation val="minMax"/>
+          <c:min val="180"/>
+        </c:scaling>
+        <c:delete val="0"/>
+        <c:axPos val="l"/>
+        <c:majorGridlines>
+          <c:spPr>
+            <a:ln w="9525" cap="flat" cmpd="sng" algn="ctr">
+              <a:solidFill>
+                <a:schemeClr val="tx1">
+                  <a:lumMod val="15000"/>
+                  <a:lumOff val="85000"/>
+                </a:schemeClr>
+              </a:solidFill>
+              <a:round/>
+            </a:ln>
+            <a:effectLst/>
+          </c:spPr>
+        </c:majorGridlines>
+        <c:minorGridlines>
+          <c:spPr>
+            <a:ln w="9525" cap="flat" cmpd="sng" algn="ctr">
+              <a:solidFill>
+                <a:schemeClr val="tx1">
+                  <a:lumMod val="5000"/>
+                  <a:lumOff val="95000"/>
+                </a:schemeClr>
+              </a:solidFill>
+              <a:round/>
+            </a:ln>
+            <a:effectLst/>
+          </c:spPr>
+        </c:minorGridlines>
+        <c:title>
+          <c:tx>
+            <c:rich>
+              <a:bodyPr rot="-5400000" spcFirstLastPara="1" vertOverflow="ellipsis" vert="horz" wrap="square" anchor="ctr" anchorCtr="1"/>
+              <a:lstStyle/>
+              <a:p>
+                <a:pPr>
+                  <a:defRPr sz="1400" b="0" i="0" u="none" strike="noStrike" kern="1200" baseline="0">
+                    <a:solidFill>
+                      <a:schemeClr val="tx1">
+                        <a:lumMod val="65000"/>
+                        <a:lumOff val="35000"/>
+                      </a:schemeClr>
+                    </a:solidFill>
+                    <a:latin typeface="+mn-lt"/>
+                    <a:ea typeface="+mn-ea"/>
+                    <a:cs typeface="+mn-cs"/>
+                  </a:defRPr>
+                </a:pPr>
+                <a:r>
+                  <a:rPr lang="ru-RU" sz="1400">
+                    <a:solidFill>
+                      <a:sysClr val="windowText" lastClr="000000"/>
+                    </a:solidFill>
+                    <a:latin typeface="Times New Roman" panose="02020603050405020304" pitchFamily="18" charset="0"/>
+                    <a:cs typeface="Times New Roman" panose="02020603050405020304" pitchFamily="18" charset="0"/>
+                  </a:rPr>
+                  <a:t>Длительность</a:t>
+                </a:r>
+                <a:r>
+                  <a:rPr lang="ru-RU" sz="1400" baseline="0">
+                    <a:solidFill>
+                      <a:sysClr val="windowText" lastClr="000000"/>
+                    </a:solidFill>
+                    <a:latin typeface="Times New Roman" panose="02020603050405020304" pitchFamily="18" charset="0"/>
+                    <a:cs typeface="Times New Roman" panose="02020603050405020304" pitchFamily="18" charset="0"/>
+                  </a:rPr>
+                  <a:t> СКИ, пс</a:t>
+                </a:r>
+                <a:endParaRPr lang="ru-RU" sz="1400">
+                  <a:solidFill>
+                    <a:sysClr val="windowText" lastClr="000000"/>
+                  </a:solidFill>
+                  <a:latin typeface="Times New Roman" panose="02020603050405020304" pitchFamily="18" charset="0"/>
+                  <a:cs typeface="Times New Roman" panose="02020603050405020304" pitchFamily="18" charset="0"/>
+                </a:endParaRPr>
+              </a:p>
+            </c:rich>
+          </c:tx>
+          <c:overlay val="0"/>
+          <c:spPr>
+            <a:noFill/>
+            <a:ln>
+              <a:noFill/>
+            </a:ln>
+            <a:effectLst/>
+          </c:spPr>
+          <c:txPr>
+            <a:bodyPr rot="-5400000" spcFirstLastPara="1" vertOverflow="ellipsis" vert="horz" wrap="square" anchor="ctr" anchorCtr="1"/>
+            <a:lstStyle/>
+            <a:p>
+              <a:pPr>
+                <a:defRPr sz="1400" b="0" i="0" u="none" strike="noStrike" kern="1200" baseline="0">
+                  <a:solidFill>
+                    <a:schemeClr val="tx1">
+                      <a:lumMod val="65000"/>
+                      <a:lumOff val="35000"/>
+                    </a:schemeClr>
+                  </a:solidFill>
+                  <a:latin typeface="+mn-lt"/>
+                  <a:ea typeface="+mn-ea"/>
+                  <a:cs typeface="+mn-cs"/>
+                </a:defRPr>
+              </a:pPr>
+              <a:endParaRPr lang="ru-RU"/>
+            </a:p>
+          </c:txPr>
+        </c:title>
+        <c:numFmt formatCode="General" sourceLinked="1"/>
+        <c:majorTickMark val="none"/>
+        <c:minorTickMark val="none"/>
+        <c:tickLblPos val="nextTo"/>
+        <c:spPr>
+          <a:noFill/>
+          <a:ln w="9525" cap="flat" cmpd="sng" algn="ctr">
+            <a:solidFill>
+              <a:schemeClr val="tx1">
+                <a:lumMod val="25000"/>
+                <a:lumOff val="75000"/>
+              </a:schemeClr>
+            </a:solidFill>
+            <a:round/>
+          </a:ln>
+          <a:effectLst/>
+        </c:spPr>
+        <c:txPr>
+          <a:bodyPr rot="-60000000" spcFirstLastPara="1" vertOverflow="ellipsis" vert="horz" wrap="square" anchor="ctr" anchorCtr="1"/>
+          <a:lstStyle/>
+          <a:p>
+            <a:pPr>
+              <a:defRPr sz="1050" b="0" i="0" u="none" strike="noStrike" kern="1200" baseline="0">
+                <a:solidFill>
+                  <a:schemeClr val="tx1">
+                    <a:lumMod val="65000"/>
+                    <a:lumOff val="35000"/>
+                  </a:schemeClr>
+                </a:solidFill>
+                <a:latin typeface="+mn-lt"/>
+                <a:ea typeface="+mn-ea"/>
+                <a:cs typeface="+mn-cs"/>
+              </a:defRPr>
+            </a:pPr>
+            <a:endParaRPr lang="ru-RU"/>
+          </a:p>
+        </c:txPr>
+        <c:crossAx val="1411355968"/>
+        <c:crosses val="autoZero"/>
+        <c:crossBetween val="midCat"/>
+      </c:valAx>
+      <c:spPr>
+        <a:noFill/>
+        <a:ln>
+          <a:noFill/>
+        </a:ln>
+        <a:effectLst/>
+      </c:spPr>
+    </c:plotArea>
+    <c:plotVisOnly val="1"/>
+    <c:dispBlanksAs val="gap"/>
+    <c:extLst>
+      <c:ext xmlns:c16r3="http://schemas.microsoft.com/office/drawing/2017/03/chart" uri="{56B9EC1D-385E-4148-901F-78D8002777C0}">
+        <c16r3:dataDisplayOptions16>
+          <c16r3:dispNaAsBlank val="1"/>
+        </c16r3:dataDisplayOptions16>
+      </c:ext>
+    </c:extLst>
+    <c:showDLblsOverMax val="0"/>
+  </c:chart>
+  <c:spPr>
+    <a:noFill/>
+    <a:ln>
+      <a:noFill/>
+    </a:ln>
+    <a:effectLst/>
+  </c:spPr>
+  <c:txPr>
+    <a:bodyPr/>
+    <a:lstStyle/>
+    <a:p>
+      <a:pPr>
+        <a:defRPr/>
+      </a:pPr>
+      <a:endParaRPr lang="ru-RU"/>
+    </a:p>
+  </c:txPr>
+  <c:externalData r:id="rId3">
+    <c:autoUpdate val="0"/>
+  </c:externalData>
+</c:chartSpace>
+</file>
+
+<file path=ppt/charts/colors1.xml><?xml version="1.0" encoding="utf-8"?>
+<cs:colorStyle xmlns:cs="http://schemas.microsoft.com/office/drawing/2012/chartStyle" xmlns:a="http://schemas.openxmlformats.org/drawingml/2006/main" meth="cycle" id="10">
+  <a:schemeClr val="accent1"/>
+  <a:schemeClr val="accent2"/>
+  <a:schemeClr val="accent3"/>
+  <a:schemeClr val="accent4"/>
+  <a:schemeClr val="accent5"/>
+  <a:schemeClr val="accent6"/>
+  <cs:variation/>
+  <cs:variation>
+    <a:lumMod val="60000"/>
+  </cs:variation>
+  <cs:variation>
+    <a:lumMod val="80000"/>
+    <a:lumOff val="20000"/>
+  </cs:variation>
+  <cs:variation>
+    <a:lumMod val="80000"/>
+  </cs:variation>
+  <cs:variation>
+    <a:lumMod val="60000"/>
+    <a:lumOff val="40000"/>
+  </cs:variation>
+  <cs:variation>
+    <a:lumMod val="50000"/>
+  </cs:variation>
+  <cs:variation>
+    <a:lumMod val="70000"/>
+    <a:lumOff val="30000"/>
+  </cs:variation>
+  <cs:variation>
+    <a:lumMod val="70000"/>
+  </cs:variation>
+  <cs:variation>
+    <a:lumMod val="50000"/>
+    <a:lumOff val="50000"/>
+  </cs:variation>
+</cs:colorStyle>
+</file>
+
+<file path=ppt/charts/colors2.xml><?xml version="1.0" encoding="utf-8"?>
+<cs:colorStyle xmlns:cs="http://schemas.microsoft.com/office/drawing/2012/chartStyle" xmlns:a="http://schemas.openxmlformats.org/drawingml/2006/main" meth="cycle" id="10">
+  <a:schemeClr val="accent1"/>
+  <a:schemeClr val="accent2"/>
+  <a:schemeClr val="accent3"/>
+  <a:schemeClr val="accent4"/>
+  <a:schemeClr val="accent5"/>
+  <a:schemeClr val="accent6"/>
+  <cs:variation/>
+  <cs:variation>
+    <a:lumMod val="60000"/>
+  </cs:variation>
+  <cs:variation>
+    <a:lumMod val="80000"/>
+    <a:lumOff val="20000"/>
+  </cs:variation>
+  <cs:variation>
+    <a:lumMod val="80000"/>
+  </cs:variation>
+  <cs:variation>
+    <a:lumMod val="60000"/>
+    <a:lumOff val="40000"/>
+  </cs:variation>
+  <cs:variation>
+    <a:lumMod val="50000"/>
+  </cs:variation>
+  <cs:variation>
+    <a:lumMod val="70000"/>
+    <a:lumOff val="30000"/>
+  </cs:variation>
+  <cs:variation>
+    <a:lumMod val="70000"/>
+  </cs:variation>
+  <cs:variation>
+    <a:lumMod val="50000"/>
+    <a:lumOff val="50000"/>
+  </cs:variation>
+</cs:colorStyle>
+</file>
+
+<file path=ppt/charts/colors3.xml><?xml version="1.0" encoding="utf-8"?>
+<cs:colorStyle xmlns:cs="http://schemas.microsoft.com/office/drawing/2012/chartStyle" xmlns:a="http://schemas.openxmlformats.org/drawingml/2006/main" meth="cycle" id="10">
+  <a:schemeClr val="accent1"/>
+  <a:schemeClr val="accent2"/>
+  <a:schemeClr val="accent3"/>
+  <a:schemeClr val="accent4"/>
+  <a:schemeClr val="accent5"/>
+  <a:schemeClr val="accent6"/>
+  <cs:variation/>
+  <cs:variation>
+    <a:lumMod val="60000"/>
+  </cs:variation>
+  <cs:variation>
+    <a:lumMod val="80000"/>
+    <a:lumOff val="20000"/>
+  </cs:variation>
+  <cs:variation>
+    <a:lumMod val="80000"/>
+  </cs:variation>
+  <cs:variation>
+    <a:lumMod val="60000"/>
+    <a:lumOff val="40000"/>
+  </cs:variation>
+  <cs:variation>
+    <a:lumMod val="50000"/>
+  </cs:variation>
+  <cs:variation>
+    <a:lumMod val="70000"/>
+    <a:lumOff val="30000"/>
+  </cs:variation>
+  <cs:variation>
+    <a:lumMod val="70000"/>
+  </cs:variation>
+  <cs:variation>
+    <a:lumMod val="50000"/>
+    <a:lumOff val="50000"/>
+  </cs:variation>
+</cs:colorStyle>
+</file>
+
+<file path=ppt/charts/style1.xml><?xml version="1.0" encoding="utf-8"?>
+<cs:chartStyle xmlns:cs="http://schemas.microsoft.com/office/drawing/2012/chartStyle" xmlns:a="http://schemas.openxmlformats.org/drawingml/2006/main" id="322">
+  <cs:axisTitle>
+    <cs:lnRef idx="0"/>
+    <cs:fillRef idx="0"/>
+    <cs:effectRef idx="0"/>
+    <cs:fontRef idx="minor">
+      <a:schemeClr val="tx1">
+        <a:lumMod val="65000"/>
+        <a:lumOff val="35000"/>
+      </a:schemeClr>
+    </cs:fontRef>
+    <cs:defRPr sz="1000" kern="1200"/>
+  </cs:axisTitle>
+  <cs:categoryAxis>
+    <cs:lnRef idx="0"/>
+    <cs:fillRef idx="0"/>
+    <cs:effectRef idx="0"/>
+    <cs:fontRef idx="minor">
+      <a:schemeClr val="tx1">
+        <a:lumMod val="65000"/>
+        <a:lumOff val="35000"/>
+      </a:schemeClr>
+    </cs:fontRef>
+    <cs:spPr>
+      <a:ln w="9525" cap="flat" cmpd="sng" algn="ctr">
+        <a:solidFill>
+          <a:schemeClr val="tx1">
+            <a:lumMod val="15000"/>
+            <a:lumOff val="85000"/>
+          </a:schemeClr>
+        </a:solidFill>
+        <a:round/>
+      </a:ln>
+    </cs:spPr>
+    <cs:defRPr sz="900" kern="1200"/>
+  </cs:categoryAxis>
+  <cs:chartArea mods="allowNoFillOverride allowNoLineOverride">
+    <cs:lnRef idx="0"/>
+    <cs:fillRef idx="0"/>
+    <cs:effectRef idx="0"/>
+    <cs:fontRef idx="minor">
+      <a:schemeClr val="tx1"/>
+    </cs:fontRef>
+    <cs:spPr>
+      <a:solidFill>
+        <a:schemeClr val="bg1"/>
+      </a:solidFill>
+      <a:ln w="9525" cap="flat" cmpd="sng" algn="ctr">
+        <a:solidFill>
+          <a:schemeClr val="tx1">
+            <a:lumMod val="15000"/>
+            <a:lumOff val="85000"/>
+          </a:schemeClr>
+        </a:solidFill>
+        <a:round/>
+      </a:ln>
+    </cs:spPr>
+    <cs:defRPr sz="1000" kern="1200"/>
+  </cs:chartArea>
+  <cs:dataLabel>
+    <cs:lnRef idx="0"/>
+    <cs:fillRef idx="0"/>
+    <cs:effectRef idx="0"/>
+    <cs:fontRef idx="minor">
+      <a:schemeClr val="tx1">
+        <a:lumMod val="75000"/>
+        <a:lumOff val="25000"/>
+      </a:schemeClr>
+    </cs:fontRef>
+    <cs:defRPr sz="900" kern="1200"/>
+  </cs:dataLabel>
+  <cs:dataLabelCallout>
+    <cs:lnRef idx="0"/>
+    <cs:fillRef idx="0"/>
+    <cs:effectRef idx="0"/>
+    <cs:fontRef idx="minor">
+      <a:schemeClr val="dk1">
+        <a:lumMod val="65000"/>
+        <a:lumOff val="35000"/>
+      </a:schemeClr>
+    </cs:fontRef>
+    <cs:spPr>
+      <a:solidFill>
+        <a:schemeClr val="lt1"/>
+      </a:solidFill>
+      <a:ln>
+        <a:solidFill>
+          <a:schemeClr val="dk1">
+            <a:lumMod val="25000"/>
+            <a:lumOff val="75000"/>
+          </a:schemeClr>
+        </a:solidFill>
+      </a:ln>
+    </cs:spPr>
+    <cs:defRPr sz="900" kern="1200"/>
+    <cs:bodyPr rot="0" spcFirstLastPara="1" vertOverflow="clip" horzOverflow="clip" vert="horz" wrap="square" lIns="36576" tIns="18288" rIns="36576" bIns="18288" anchor="ctr" anchorCtr="1">
+      <a:spAutoFit/>
+    </cs:bodyPr>
+  </cs:dataLabelCallout>
+  <cs:dataPoint>
+    <cs:lnRef idx="0"/>
+    <cs:fillRef idx="1">
+      <cs:styleClr val="auto"/>
+    </cs:fillRef>
+    <cs:effectRef idx="0"/>
+    <cs:fontRef idx="minor">
+      <a:schemeClr val="tx1"/>
+    </cs:fontRef>
+  </cs:dataPoint>
+  <cs:dataPoint3D>
+    <cs:lnRef idx="0"/>
+    <cs:fillRef idx="1">
+      <cs:styleClr val="auto"/>
+    </cs:fillRef>
+    <cs:effectRef idx="0"/>
+    <cs:fontRef idx="minor">
+      <a:schemeClr val="tx1"/>
+    </cs:fontRef>
+  </cs:dataPoint3D>
+  <cs:dataPointLine>
+    <cs:lnRef idx="0">
+      <cs:styleClr val="auto"/>
+    </cs:lnRef>
+    <cs:fillRef idx="1"/>
+    <cs:effectRef idx="0"/>
+    <cs:fontRef idx="minor">
+      <a:schemeClr val="tx1"/>
+    </cs:fontRef>
+    <cs:spPr>
+      <a:ln w="28575" cap="rnd">
+        <a:solidFill>
+          <a:schemeClr val="phClr"/>
+        </a:solidFill>
+        <a:round/>
+      </a:ln>
+    </cs:spPr>
+  </cs:dataPointLine>
+  <cs:dataPointMarker>
+    <cs:lnRef idx="0">
+      <cs:styleClr val="auto"/>
+    </cs:lnRef>
+    <cs:fillRef idx="1">
+      <cs:styleClr val="auto"/>
+    </cs:fillRef>
+    <cs:effectRef idx="0"/>
+    <cs:fontRef idx="minor">
+      <a:schemeClr val="tx1"/>
+    </cs:fontRef>
+    <cs:spPr>
+      <a:ln w="9525">
+        <a:solidFill>
+          <a:schemeClr val="phClr"/>
+        </a:solidFill>
+      </a:ln>
+    </cs:spPr>
+  </cs:dataPointMarker>
+  <cs:dataPointMarkerLayout symbol="circle" size="5"/>
+  <cs:dataPointWireframe>
+    <cs:lnRef idx="0">
+      <cs:styleClr val="auto"/>
+    </cs:lnRef>
+    <cs:fillRef idx="1"/>
+    <cs:effectRef idx="0"/>
+    <cs:fontRef idx="minor">
+      <a:schemeClr val="tx1"/>
+    </cs:fontRef>
+    <cs:spPr>
+      <a:ln w="9525" cap="rnd">
+        <a:solidFill>
+          <a:schemeClr val="phClr"/>
+        </a:solidFill>
+        <a:round/>
+      </a:ln>
+    </cs:spPr>
+  </cs:dataPointWireframe>
+  <cs:dataTable>
+    <cs:lnRef idx="0"/>
+    <cs:fillRef idx="0"/>
+    <cs:effectRef idx="0"/>
+    <cs:fontRef idx="minor">
+      <a:schemeClr val="tx1">
+        <a:lumMod val="65000"/>
+        <a:lumOff val="35000"/>
+      </a:schemeClr>
+    </cs:fontRef>
+    <cs:spPr>
+      <a:noFill/>
+      <a:ln w="9525" cap="flat" cmpd="sng" algn="ctr">
+        <a:solidFill>
+          <a:schemeClr val="tx1">
+            <a:lumMod val="15000"/>
+            <a:lumOff val="85000"/>
+          </a:schemeClr>
+        </a:solidFill>
+        <a:round/>
+      </a:ln>
+    </cs:spPr>
+    <cs:defRPr sz="900" kern="1200"/>
+  </cs:dataTable>
+  <cs:downBar>
+    <cs:lnRef idx="0"/>
+    <cs:fillRef idx="0"/>
+    <cs:effectRef idx="0"/>
+    <cs:fontRef idx="minor">
+      <a:schemeClr val="tx1"/>
+    </cs:fontRef>
+    <cs:spPr>
+      <a:solidFill>
+        <a:schemeClr val="dk1">
+          <a:lumMod val="75000"/>
+          <a:lumOff val="25000"/>
+        </a:schemeClr>
+      </a:solidFill>
+      <a:ln w="9525" cap="flat" cmpd="sng" algn="ctr">
+        <a:solidFill>
+          <a:schemeClr val="tx1">
+            <a:lumMod val="65000"/>
+            <a:lumOff val="35000"/>
+          </a:schemeClr>
+        </a:solidFill>
+        <a:round/>
+      </a:ln>
+    </cs:spPr>
+  </cs:downBar>
+  <cs:dropLine>
+    <cs:lnRef idx="0"/>
+    <cs:fillRef idx="0"/>
+    <cs:effectRef idx="0"/>
+    <cs:fontRef idx="minor">
+      <a:schemeClr val="tx1"/>
+    </cs:fontRef>
+    <cs:spPr>
+      <a:ln w="9525" cap="flat" cmpd="sng" algn="ctr">
+        <a:solidFill>
+          <a:schemeClr val="tx1">
+            <a:lumMod val="35000"/>
+            <a:lumOff val="65000"/>
+          </a:schemeClr>
+        </a:solidFill>
+        <a:round/>
+      </a:ln>
+    </cs:spPr>
+  </cs:dropLine>
+  <cs:errorBar>
+    <cs:lnRef idx="0"/>
+    <cs:fillRef idx="0"/>
+    <cs:effectRef idx="0"/>
+    <cs:fontRef idx="minor">
+      <a:schemeClr val="tx1"/>
+    </cs:fontRef>
+    <cs:spPr>
+      <a:ln w="9525" cap="flat" cmpd="sng" algn="ctr">
+        <a:solidFill>
+          <a:schemeClr val="tx1">
+            <a:lumMod val="65000"/>
+            <a:lumOff val="35000"/>
+          </a:schemeClr>
+        </a:solidFill>
+        <a:round/>
+      </a:ln>
+    </cs:spPr>
+  </cs:errorBar>
+  <cs:floor>
+    <cs:lnRef idx="0"/>
+    <cs:fillRef idx="0"/>
+    <cs:effectRef idx="0"/>
+    <cs:fontRef idx="minor">
+      <a:schemeClr val="tx1"/>
+    </cs:fontRef>
+    <cs:spPr>
+      <a:noFill/>
+      <a:ln>
+        <a:noFill/>
+      </a:ln>
+    </cs:spPr>
+  </cs:floor>
+  <cs:gridlineMajor>
+    <cs:lnRef idx="0"/>
+    <cs:fillRef idx="0"/>
+    <cs:effectRef idx="0"/>
+    <cs:fontRef idx="minor">
+      <a:schemeClr val="tx1"/>
+    </cs:fontRef>
+    <cs:spPr>
+      <a:ln w="9525" cap="flat" cmpd="sng" algn="ctr">
+        <a:solidFill>
+          <a:schemeClr val="tx1">
+            <a:lumMod val="15000"/>
+            <a:lumOff val="85000"/>
+          </a:schemeClr>
+        </a:solidFill>
+        <a:round/>
+      </a:ln>
+    </cs:spPr>
+  </cs:gridlineMajor>
+  <cs:gridlineMinor>
+    <cs:lnRef idx="0"/>
+    <cs:fillRef idx="0"/>
+    <cs:effectRef idx="0"/>
+    <cs:fontRef idx="minor">
+      <a:schemeClr val="tx1"/>
+    </cs:fontRef>
+    <cs:spPr>
+      <a:ln w="9525" cap="flat" cmpd="sng" algn="ctr">
+        <a:solidFill>
+          <a:schemeClr val="tx1">
+            <a:lumMod val="5000"/>
+            <a:lumOff val="95000"/>
+          </a:schemeClr>
+        </a:solidFill>
+        <a:round/>
+      </a:ln>
+    </cs:spPr>
+  </cs:gridlineMinor>
+  <cs:hiLoLine>
+    <cs:lnRef idx="0"/>
+    <cs:fillRef idx="0"/>
+    <cs:effectRef idx="0"/>
+    <cs:fontRef idx="minor">
+      <a:schemeClr val="tx1"/>
+    </cs:fontRef>
+    <cs:spPr>
+      <a:ln w="9525" cap="flat" cmpd="sng" algn="ctr">
+        <a:solidFill>
+          <a:schemeClr val="tx1">
+            <a:lumMod val="75000"/>
+            <a:lumOff val="25000"/>
+          </a:schemeClr>
+        </a:solidFill>
+        <a:round/>
+      </a:ln>
+    </cs:spPr>
+  </cs:hiLoLine>
+  <cs:leaderLine>
+    <cs:lnRef idx="0"/>
+    <cs:fillRef idx="0"/>
+    <cs:effectRef idx="0"/>
+    <cs:fontRef idx="minor">
+      <a:schemeClr val="tx1"/>
+    </cs:fontRef>
+    <cs:spPr>
+      <a:ln w="9525" cap="flat" cmpd="sng" algn="ctr">
+        <a:solidFill>
+          <a:schemeClr val="tx1">
+            <a:lumMod val="35000"/>
+            <a:lumOff val="65000"/>
+          </a:schemeClr>
+        </a:solidFill>
+        <a:round/>
+      </a:ln>
+    </cs:spPr>
+  </cs:leaderLine>
+  <cs:legend>
+    <cs:lnRef idx="0"/>
+    <cs:fillRef idx="0"/>
+    <cs:effectRef idx="0"/>
+    <cs:fontRef idx="minor">
+      <a:schemeClr val="tx1">
+        <a:lumMod val="65000"/>
+        <a:lumOff val="35000"/>
+      </a:schemeClr>
+    </cs:fontRef>
+    <cs:defRPr sz="900" kern="1200"/>
+  </cs:legend>
+  <cs:plotArea mods="allowNoFillOverride allowNoLineOverride">
+    <cs:lnRef idx="0"/>
+    <cs:fillRef idx="0"/>
+    <cs:effectRef idx="0"/>
+    <cs:fontRef idx="minor">
+      <a:schemeClr val="tx1"/>
+    </cs:fontRef>
+  </cs:plotArea>
+  <cs:plotArea3D mods="allowNoFillOverride allowNoLineOverride">
+    <cs:lnRef idx="0"/>
+    <cs:fillRef idx="0"/>
+    <cs:effectRef idx="0"/>
+    <cs:fontRef idx="minor">
+      <a:schemeClr val="tx1"/>
+    </cs:fontRef>
+  </cs:plotArea3D>
+  <cs:seriesAxis>
+    <cs:lnRef idx="0"/>
+    <cs:fillRef idx="0"/>
+    <cs:effectRef idx="0"/>
+    <cs:fontRef idx="minor">
+      <a:schemeClr val="tx1">
+        <a:lumMod val="65000"/>
+        <a:lumOff val="35000"/>
+      </a:schemeClr>
+    </cs:fontRef>
+    <cs:spPr>
+      <a:ln w="9525" cap="flat" cmpd="sng" algn="ctr">
+        <a:solidFill>
+          <a:schemeClr val="tx1">
+            <a:lumMod val="15000"/>
+            <a:lumOff val="85000"/>
+          </a:schemeClr>
+        </a:solidFill>
+        <a:round/>
+      </a:ln>
+    </cs:spPr>
+    <cs:defRPr sz="900" kern="1200"/>
+  </cs:seriesAxis>
+  <cs:seriesLine>
+    <cs:lnRef idx="0"/>
+    <cs:fillRef idx="0"/>
+    <cs:effectRef idx="0"/>
+    <cs:fontRef idx="minor">
+      <a:schemeClr val="tx1"/>
+    </cs:fontRef>
+    <cs:spPr>
+      <a:ln w="9525" cap="flat" cmpd="sng" algn="ctr">
+        <a:solidFill>
+          <a:schemeClr val="tx1">
+            <a:lumMod val="35000"/>
+            <a:lumOff val="65000"/>
+          </a:schemeClr>
+        </a:solidFill>
+        <a:round/>
+      </a:ln>
+    </cs:spPr>
+  </cs:seriesLine>
+  <cs:title>
+    <cs:lnRef idx="0"/>
+    <cs:fillRef idx="0"/>
+    <cs:effectRef idx="0"/>
+    <cs:fontRef idx="minor">
+      <a:schemeClr val="tx1">
+        <a:lumMod val="65000"/>
+        <a:lumOff val="35000"/>
+      </a:schemeClr>
+    </cs:fontRef>
+    <cs:defRPr sz="1400" b="0" kern="1200" spc="0" baseline="0"/>
+  </cs:title>
+  <cs:trendline>
+    <cs:lnRef idx="0">
+      <cs:styleClr val="auto"/>
+    </cs:lnRef>
+    <cs:fillRef idx="0"/>
+    <cs:effectRef idx="0"/>
+    <cs:fontRef idx="minor">
+      <a:schemeClr val="tx1"/>
+    </cs:fontRef>
+    <cs:spPr>
+      <a:ln w="19050" cap="rnd">
+        <a:solidFill>
+          <a:schemeClr val="phClr"/>
+        </a:solidFill>
+        <a:prstDash val="sysDot"/>
+      </a:ln>
+    </cs:spPr>
+  </cs:trendline>
+  <cs:trendlineLabel>
+    <cs:lnRef idx="0"/>
+    <cs:fillRef idx="0"/>
+    <cs:effectRef idx="0"/>
+    <cs:fontRef idx="minor">
+      <a:schemeClr val="tx1">
+        <a:lumMod val="65000"/>
+        <a:lumOff val="35000"/>
+      </a:schemeClr>
+    </cs:fontRef>
+    <cs:defRPr sz="900" kern="1200"/>
+  </cs:trendlineLabel>
+  <cs:upBar>
+    <cs:lnRef idx="0"/>
+    <cs:fillRef idx="0"/>
+    <cs:effectRef idx="0"/>
+    <cs:fontRef idx="minor">
+      <a:schemeClr val="tx1"/>
+    </cs:fontRef>
+    <cs:spPr>
+      <a:solidFill>
+        <a:schemeClr val="lt1"/>
+      </a:solidFill>
+      <a:ln w="9525" cap="flat" cmpd="sng" algn="ctr">
+        <a:solidFill>
+          <a:schemeClr val="tx1">
+            <a:lumMod val="65000"/>
+            <a:lumOff val="35000"/>
+          </a:schemeClr>
+        </a:solidFill>
+        <a:round/>
+      </a:ln>
+    </cs:spPr>
+  </cs:upBar>
+  <cs:valueAxis>
+    <cs:lnRef idx="0"/>
+    <cs:fillRef idx="0"/>
+    <cs:effectRef idx="0"/>
+    <cs:fontRef idx="minor">
+      <a:schemeClr val="tx1">
+        <a:lumMod val="65000"/>
+        <a:lumOff val="35000"/>
+      </a:schemeClr>
+    </cs:fontRef>
+    <cs:defRPr sz="900" kern="1200"/>
+  </cs:valueAxis>
+  <cs:wall>
+    <cs:lnRef idx="0"/>
+    <cs:fillRef idx="0"/>
+    <cs:effectRef idx="0"/>
+    <cs:fontRef idx="minor">
+      <a:schemeClr val="tx1"/>
+    </cs:fontRef>
+    <cs:spPr>
+      <a:noFill/>
+      <a:ln>
+        <a:noFill/>
+      </a:ln>
+    </cs:spPr>
+  </cs:wall>
+</cs:chartStyle>
+</file>
+
+<file path=ppt/charts/style2.xml><?xml version="1.0" encoding="utf-8"?>
+<cs:chartStyle xmlns:cs="http://schemas.microsoft.com/office/drawing/2012/chartStyle" xmlns:a="http://schemas.openxmlformats.org/drawingml/2006/main" id="240">
+  <cs:axisTitle>
+    <cs:lnRef idx="0"/>
+    <cs:fillRef idx="0"/>
+    <cs:effectRef idx="0"/>
+    <cs:fontRef idx="minor">
+      <a:schemeClr val="tx1">
+        <a:lumMod val="65000"/>
+        <a:lumOff val="35000"/>
+      </a:schemeClr>
+    </cs:fontRef>
+    <cs:defRPr sz="1000" kern="1200"/>
+  </cs:axisTitle>
+  <cs:categoryAxis>
+    <cs:lnRef idx="0"/>
+    <cs:fillRef idx="0"/>
+    <cs:effectRef idx="0"/>
+    <cs:fontRef idx="minor">
+      <a:schemeClr val="tx1">
+        <a:lumMod val="65000"/>
+        <a:lumOff val="35000"/>
+      </a:schemeClr>
+    </cs:fontRef>
+    <cs:spPr>
+      <a:ln w="9525" cap="flat" cmpd="sng" algn="ctr">
+        <a:solidFill>
+          <a:schemeClr val="tx1">
+            <a:lumMod val="25000"/>
+            <a:lumOff val="75000"/>
+          </a:schemeClr>
+        </a:solidFill>
+        <a:round/>
+      </a:ln>
+    </cs:spPr>
+    <cs:defRPr sz="900" kern="1200"/>
+  </cs:categoryAxis>
+  <cs:chartArea mods="allowNoFillOverride allowNoLineOverride">
+    <cs:lnRef idx="0"/>
+    <cs:fillRef idx="0"/>
+    <cs:effectRef idx="0"/>
+    <cs:fontRef idx="minor">
+      <a:schemeClr val="tx1"/>
+    </cs:fontRef>
+    <cs:spPr>
+      <a:solidFill>
+        <a:schemeClr val="bg1"/>
+      </a:solidFill>
+      <a:ln w="9525" cap="flat" cmpd="sng" algn="ctr">
+        <a:solidFill>
+          <a:schemeClr val="tx1">
+            <a:lumMod val="15000"/>
+            <a:lumOff val="85000"/>
+          </a:schemeClr>
+        </a:solidFill>
+        <a:round/>
+      </a:ln>
+    </cs:spPr>
+    <cs:defRPr sz="1000" kern="1200"/>
+  </cs:chartArea>
+  <cs:dataLabel>
+    <cs:lnRef idx="0"/>
+    <cs:fillRef idx="0"/>
+    <cs:effectRef idx="0"/>
+    <cs:fontRef idx="minor">
+      <a:schemeClr val="tx1">
+        <a:lumMod val="75000"/>
+        <a:lumOff val="25000"/>
+      </a:schemeClr>
+    </cs:fontRef>
+    <cs:defRPr sz="900" kern="1200"/>
+  </cs:dataLabel>
+  <cs:dataLabelCallout>
+    <cs:lnRef idx="0"/>
+    <cs:fillRef idx="0"/>
+    <cs:effectRef idx="0"/>
+    <cs:fontRef idx="minor">
+      <a:schemeClr val="dk1">
+        <a:lumMod val="65000"/>
+        <a:lumOff val="35000"/>
+      </a:schemeClr>
+    </cs:fontRef>
+    <cs:spPr>
+      <a:solidFill>
+        <a:schemeClr val="lt1"/>
+      </a:solidFill>
+      <a:ln>
+        <a:solidFill>
+          <a:schemeClr val="dk1">
+            <a:lumMod val="25000"/>
+            <a:lumOff val="75000"/>
+          </a:schemeClr>
+        </a:solidFill>
+      </a:ln>
+    </cs:spPr>
+    <cs:defRPr sz="900" kern="1200"/>
+    <cs:bodyPr rot="0" spcFirstLastPara="1" vertOverflow="clip" horzOverflow="clip" vert="horz" wrap="square" lIns="36576" tIns="18288" rIns="36576" bIns="18288" anchor="ctr" anchorCtr="1">
+      <a:spAutoFit/>
+    </cs:bodyPr>
+  </cs:dataLabelCallout>
+  <cs:dataPoint>
+    <cs:lnRef idx="0"/>
+    <cs:fillRef idx="1">
+      <cs:styleClr val="auto"/>
+    </cs:fillRef>
+    <cs:effectRef idx="0"/>
+    <cs:fontRef idx="minor">
+      <a:schemeClr val="tx1"/>
+    </cs:fontRef>
+  </cs:dataPoint>
+  <cs:dataPoint3D>
+    <cs:lnRef idx="0"/>
+    <cs:fillRef idx="1">
+      <cs:styleClr val="auto"/>
+    </cs:fillRef>
+    <cs:effectRef idx="0"/>
+    <cs:fontRef idx="minor">
+      <a:schemeClr val="tx1"/>
+    </cs:fontRef>
+  </cs:dataPoint3D>
+  <cs:dataPointLine>
+    <cs:lnRef idx="0">
+      <cs:styleClr val="auto"/>
+    </cs:lnRef>
+    <cs:fillRef idx="1"/>
+    <cs:effectRef idx="0"/>
+    <cs:fontRef idx="minor">
+      <a:schemeClr val="tx1"/>
+    </cs:fontRef>
+    <cs:spPr>
+      <a:ln w="19050" cap="rnd">
+        <a:solidFill>
+          <a:schemeClr val="phClr"/>
+        </a:solidFill>
+        <a:round/>
+      </a:ln>
+    </cs:spPr>
+  </cs:dataPointLine>
+  <cs:dataPointMarker>
+    <cs:lnRef idx="0">
+      <cs:styleClr val="auto"/>
+    </cs:lnRef>
+    <cs:fillRef idx="1">
+      <cs:styleClr val="auto"/>
+    </cs:fillRef>
+    <cs:effectRef idx="0"/>
+    <cs:fontRef idx="minor">
+      <a:schemeClr val="tx1"/>
+    </cs:fontRef>
+    <cs:spPr>
+      <a:ln w="9525">
+        <a:solidFill>
+          <a:schemeClr val="phClr"/>
+        </a:solidFill>
+      </a:ln>
+    </cs:spPr>
+  </cs:dataPointMarker>
+  <cs:dataPointMarkerLayout symbol="circle" size="5"/>
+  <cs:dataPointWireframe>
+    <cs:lnRef idx="0">
+      <cs:styleClr val="auto"/>
+    </cs:lnRef>
+    <cs:fillRef idx="0"/>
+    <cs:effectRef idx="0"/>
+    <cs:fontRef idx="minor">
+      <a:schemeClr val="dk1"/>
+    </cs:fontRef>
+    <cs:spPr>
+      <a:ln w="9525" cap="rnd">
+        <a:solidFill>
+          <a:schemeClr val="phClr"/>
+        </a:solidFill>
+        <a:round/>
+      </a:ln>
+    </cs:spPr>
+  </cs:dataPointWireframe>
+  <cs:dataTable>
+    <cs:lnRef idx="0"/>
+    <cs:fillRef idx="0"/>
+    <cs:effectRef idx="0"/>
+    <cs:fontRef idx="minor">
+      <a:schemeClr val="tx1">
+        <a:lumMod val="65000"/>
+        <a:lumOff val="35000"/>
+      </a:schemeClr>
+    </cs:fontRef>
+    <cs:spPr>
+      <a:noFill/>
+      <a:ln w="9525" cap="flat" cmpd="sng" algn="ctr">
+        <a:solidFill>
+          <a:schemeClr val="tx1">
+            <a:lumMod val="15000"/>
+            <a:lumOff val="85000"/>
+          </a:schemeClr>
+        </a:solidFill>
+        <a:round/>
+      </a:ln>
+    </cs:spPr>
+    <cs:defRPr sz="900" kern="1200"/>
+  </cs:dataTable>
+  <cs:downBar>
+    <cs:lnRef idx="0"/>
+    <cs:fillRef idx="0"/>
+    <cs:effectRef idx="0"/>
+    <cs:fontRef idx="minor">
+      <a:schemeClr val="tx1"/>
+    </cs:fontRef>
+    <cs:spPr>
+      <a:solidFill>
+        <a:schemeClr val="dk1">
+          <a:lumMod val="75000"/>
+          <a:lumOff val="25000"/>
+        </a:schemeClr>
+      </a:solidFill>
+      <a:ln w="9525" cap="flat" cmpd="sng" algn="ctr">
+        <a:solidFill>
+          <a:schemeClr val="tx1">
+            <a:lumMod val="65000"/>
+            <a:lumOff val="35000"/>
+          </a:schemeClr>
+        </a:solidFill>
+        <a:round/>
+      </a:ln>
+    </cs:spPr>
+  </cs:downBar>
+  <cs:dropLine>
+    <cs:lnRef idx="0"/>
+    <cs:fillRef idx="0"/>
+    <cs:effectRef idx="0"/>
+    <cs:fontRef idx="minor">
+      <a:schemeClr val="tx1"/>
+    </cs:fontRef>
+    <cs:spPr>
+      <a:ln w="9525" cap="flat" cmpd="sng" algn="ctr">
+        <a:solidFill>
+          <a:schemeClr val="tx1">
+            <a:lumMod val="35000"/>
+            <a:lumOff val="65000"/>
+          </a:schemeClr>
+        </a:solidFill>
+        <a:round/>
+      </a:ln>
+    </cs:spPr>
+  </cs:dropLine>
+  <cs:errorBar>
+    <cs:lnRef idx="0"/>
+    <cs:fillRef idx="0"/>
+    <cs:effectRef idx="0"/>
+    <cs:fontRef idx="minor">
+      <a:schemeClr val="tx1"/>
+    </cs:fontRef>
+    <cs:spPr>
+      <a:ln w="9525" cap="flat" cmpd="sng" algn="ctr">
+        <a:solidFill>
+          <a:schemeClr val="tx1">
+            <a:lumMod val="65000"/>
+            <a:lumOff val="35000"/>
+          </a:schemeClr>
+        </a:solidFill>
+        <a:round/>
+      </a:ln>
+    </cs:spPr>
+  </cs:errorBar>
+  <cs:floor>
+    <cs:lnRef idx="0"/>
+    <cs:fillRef idx="0"/>
+    <cs:effectRef idx="0"/>
+    <cs:fontRef idx="minor">
+      <a:schemeClr val="tx1"/>
+    </cs:fontRef>
+    <cs:spPr>
+      <a:noFill/>
+      <a:ln>
+        <a:noFill/>
+      </a:ln>
+    </cs:spPr>
+  </cs:floor>
+  <cs:gridlineMajor>
+    <cs:lnRef idx="0"/>
+    <cs:fillRef idx="0"/>
+    <cs:effectRef idx="0"/>
+    <cs:fontRef idx="minor">
+      <a:schemeClr val="tx1"/>
+    </cs:fontRef>
+    <cs:spPr>
+      <a:ln w="9525" cap="flat" cmpd="sng" algn="ctr">
+        <a:solidFill>
+          <a:schemeClr val="tx1">
+            <a:lumMod val="15000"/>
+            <a:lumOff val="85000"/>
+          </a:schemeClr>
+        </a:solidFill>
+        <a:round/>
+      </a:ln>
+    </cs:spPr>
+  </cs:gridlineMajor>
+  <cs:gridlineMinor>
+    <cs:lnRef idx="0"/>
+    <cs:fillRef idx="0"/>
+    <cs:effectRef idx="0"/>
+    <cs:fontRef idx="minor">
+      <a:schemeClr val="tx1"/>
+    </cs:fontRef>
+    <cs:spPr>
+      <a:ln w="9525" cap="flat" cmpd="sng" algn="ctr">
+        <a:solidFill>
+          <a:schemeClr val="tx1">
+            <a:lumMod val="5000"/>
+            <a:lumOff val="95000"/>
+          </a:schemeClr>
+        </a:solidFill>
+        <a:round/>
+      </a:ln>
+    </cs:spPr>
+  </cs:gridlineMinor>
+  <cs:hiLoLine>
+    <cs:lnRef idx="0"/>
+    <cs:fillRef idx="0"/>
+    <cs:effectRef idx="0"/>
+    <cs:fontRef idx="minor">
+      <a:schemeClr val="tx1"/>
+    </cs:fontRef>
+    <cs:spPr>
+      <a:ln w="9525" cap="flat" cmpd="sng" algn="ctr">
+        <a:solidFill>
+          <a:schemeClr val="tx1">
+            <a:lumMod val="50000"/>
+            <a:lumOff val="50000"/>
+          </a:schemeClr>
+        </a:solidFill>
+        <a:round/>
+      </a:ln>
+    </cs:spPr>
+  </cs:hiLoLine>
+  <cs:leaderLine>
+    <cs:lnRef idx="0"/>
+    <cs:fillRef idx="0"/>
+    <cs:effectRef idx="0"/>
+    <cs:fontRef idx="minor">
+      <a:schemeClr val="tx1"/>
+    </cs:fontRef>
+    <cs:spPr>
+      <a:ln w="9525" cap="flat" cmpd="sng" algn="ctr">
+        <a:solidFill>
+          <a:schemeClr val="tx1">
+            <a:lumMod val="35000"/>
+            <a:lumOff val="65000"/>
+          </a:schemeClr>
+        </a:solidFill>
+        <a:round/>
+      </a:ln>
+    </cs:spPr>
+  </cs:leaderLine>
+  <cs:legend>
+    <cs:lnRef idx="0"/>
+    <cs:fillRef idx="0"/>
+    <cs:effectRef idx="0"/>
+    <cs:fontRef idx="minor">
+      <a:schemeClr val="tx1">
+        <a:lumMod val="65000"/>
+        <a:lumOff val="35000"/>
+      </a:schemeClr>
+    </cs:fontRef>
+    <cs:defRPr sz="900" kern="1200"/>
+  </cs:legend>
+  <cs:plotArea mods="allowNoFillOverride allowNoLineOverride">
+    <cs:lnRef idx="0"/>
+    <cs:fillRef idx="0"/>
+    <cs:effectRef idx="0"/>
+    <cs:fontRef idx="minor">
+      <a:schemeClr val="tx1"/>
+    </cs:fontRef>
+  </cs:plotArea>
+  <cs:plotArea3D mods="allowNoFillOverride allowNoLineOverride">
+    <cs:lnRef idx="0"/>
+    <cs:fillRef idx="0"/>
+    <cs:effectRef idx="0"/>
+    <cs:fontRef idx="minor">
+      <a:schemeClr val="tx1"/>
+    </cs:fontRef>
+  </cs:plotArea3D>
+  <cs:seriesAxis>
+    <cs:lnRef idx="0"/>
+    <cs:fillRef idx="0"/>
+    <cs:effectRef idx="0"/>
+    <cs:fontRef idx="minor">
+      <a:schemeClr val="tx1">
+        <a:lumMod val="65000"/>
+        <a:lumOff val="35000"/>
+      </a:schemeClr>
+    </cs:fontRef>
+    <cs:defRPr sz="900" kern="1200"/>
+  </cs:seriesAxis>
+  <cs:seriesLine>
+    <cs:lnRef idx="0"/>
+    <cs:fillRef idx="0"/>
+    <cs:effectRef idx="0"/>
+    <cs:fontRef idx="minor">
+      <a:schemeClr val="tx1"/>
+    </cs:fontRef>
+    <cs:spPr>
+      <a:ln w="9525" cap="flat" cmpd="sng" algn="ctr">
+        <a:solidFill>
+          <a:schemeClr val="tx1">
+            <a:lumMod val="35000"/>
+            <a:lumOff val="65000"/>
+          </a:schemeClr>
+        </a:solidFill>
+        <a:round/>
+      </a:ln>
+    </cs:spPr>
+  </cs:seriesLine>
+  <cs:title>
+    <cs:lnRef idx="0"/>
+    <cs:fillRef idx="0"/>
+    <cs:effectRef idx="0"/>
+    <cs:fontRef idx="minor">
+      <a:schemeClr val="tx1">
+        <a:lumMod val="65000"/>
+        <a:lumOff val="35000"/>
+      </a:schemeClr>
+    </cs:fontRef>
+    <cs:defRPr sz="1400" b="0" kern="1200" spc="0" baseline="0"/>
+  </cs:title>
+  <cs:trendline>
+    <cs:lnRef idx="0">
+      <cs:styleClr val="auto"/>
+    </cs:lnRef>
+    <cs:fillRef idx="0"/>
+    <cs:effectRef idx="0"/>
+    <cs:fontRef idx="minor">
+      <a:schemeClr val="tx1"/>
+    </cs:fontRef>
+    <cs:spPr>
+      <a:ln w="19050" cap="rnd">
+        <a:solidFill>
+          <a:schemeClr val="phClr"/>
+        </a:solidFill>
+        <a:prstDash val="sysDot"/>
+      </a:ln>
+    </cs:spPr>
+  </cs:trendline>
+  <cs:trendlineLabel>
+    <cs:lnRef idx="0"/>
+    <cs:fillRef idx="0"/>
+    <cs:effectRef idx="0"/>
+    <cs:fontRef idx="minor">
+      <a:schemeClr val="tx1">
+        <a:lumMod val="65000"/>
+        <a:lumOff val="35000"/>
+      </a:schemeClr>
+    </cs:fontRef>
+    <cs:defRPr sz="900" kern="1200"/>
+  </cs:trendlineLabel>
+  <cs:upBar>
+    <cs:lnRef idx="0"/>
+    <cs:fillRef idx="0"/>
+    <cs:effectRef idx="0"/>
+    <cs:fontRef idx="minor">
+      <a:schemeClr val="tx1"/>
+    </cs:fontRef>
+    <cs:spPr>
+      <a:solidFill>
+        <a:schemeClr val="lt1"/>
+      </a:solidFill>
+      <a:ln w="9525" cap="flat" cmpd="sng" algn="ctr">
+        <a:solidFill>
+          <a:schemeClr val="tx1">
+            <a:lumMod val="65000"/>
+            <a:lumOff val="35000"/>
+          </a:schemeClr>
+        </a:solidFill>
+        <a:round/>
+      </a:ln>
+    </cs:spPr>
+  </cs:upBar>
+  <cs:valueAxis>
+    <cs:lnRef idx="0"/>
+    <cs:fillRef idx="0"/>
+    <cs:effectRef idx="0"/>
+    <cs:fontRef idx="minor">
+      <a:schemeClr val="tx1">
+        <a:lumMod val="65000"/>
+        <a:lumOff val="35000"/>
+      </a:schemeClr>
+    </cs:fontRef>
+    <cs:spPr>
+      <a:ln w="9525" cap="flat" cmpd="sng" algn="ctr">
+        <a:solidFill>
+          <a:schemeClr val="tx1">
+            <a:lumMod val="25000"/>
+            <a:lumOff val="75000"/>
+          </a:schemeClr>
+        </a:solidFill>
+        <a:round/>
+      </a:ln>
+    </cs:spPr>
+    <cs:defRPr sz="900" kern="1200"/>
+  </cs:valueAxis>
+  <cs:wall>
+    <cs:lnRef idx="0"/>
+    <cs:fillRef idx="0"/>
+    <cs:effectRef idx="0"/>
+    <cs:fontRef idx="minor">
+      <a:schemeClr val="tx1"/>
+    </cs:fontRef>
+    <cs:spPr>
+      <a:noFill/>
+      <a:ln>
+        <a:noFill/>
+      </a:ln>
+    </cs:spPr>
+  </cs:wall>
+</cs:chartStyle>
+</file>
+
+<file path=ppt/charts/style3.xml><?xml version="1.0" encoding="utf-8"?>
+<cs:chartStyle xmlns:cs="http://schemas.microsoft.com/office/drawing/2012/chartStyle" xmlns:a="http://schemas.openxmlformats.org/drawingml/2006/main" id="240">
+  <cs:axisTitle>
+    <cs:lnRef idx="0"/>
+    <cs:fillRef idx="0"/>
+    <cs:effectRef idx="0"/>
+    <cs:fontRef idx="minor">
+      <a:schemeClr val="tx1">
+        <a:lumMod val="65000"/>
+        <a:lumOff val="35000"/>
+      </a:schemeClr>
+    </cs:fontRef>
+    <cs:defRPr sz="1000" kern="1200"/>
+  </cs:axisTitle>
+  <cs:categoryAxis>
+    <cs:lnRef idx="0"/>
+    <cs:fillRef idx="0"/>
+    <cs:effectRef idx="0"/>
+    <cs:fontRef idx="minor">
+      <a:schemeClr val="tx1">
+        <a:lumMod val="65000"/>
+        <a:lumOff val="35000"/>
+      </a:schemeClr>
+    </cs:fontRef>
+    <cs:spPr>
+      <a:ln w="9525" cap="flat" cmpd="sng" algn="ctr">
+        <a:solidFill>
+          <a:schemeClr val="tx1">
+            <a:lumMod val="25000"/>
+            <a:lumOff val="75000"/>
+          </a:schemeClr>
+        </a:solidFill>
+        <a:round/>
+      </a:ln>
+    </cs:spPr>
+    <cs:defRPr sz="900" kern="1200"/>
+  </cs:categoryAxis>
+  <cs:chartArea mods="allowNoFillOverride allowNoLineOverride">
+    <cs:lnRef idx="0"/>
+    <cs:fillRef idx="0"/>
+    <cs:effectRef idx="0"/>
+    <cs:fontRef idx="minor">
+      <a:schemeClr val="tx1"/>
+    </cs:fontRef>
+    <cs:spPr>
+      <a:solidFill>
+        <a:schemeClr val="bg1"/>
+      </a:solidFill>
+      <a:ln w="9525" cap="flat" cmpd="sng" algn="ctr">
+        <a:solidFill>
+          <a:schemeClr val="tx1">
+            <a:lumMod val="15000"/>
+            <a:lumOff val="85000"/>
+          </a:schemeClr>
+        </a:solidFill>
+        <a:round/>
+      </a:ln>
+    </cs:spPr>
+    <cs:defRPr sz="1000" kern="1200"/>
+  </cs:chartArea>
+  <cs:dataLabel>
+    <cs:lnRef idx="0"/>
+    <cs:fillRef idx="0"/>
+    <cs:effectRef idx="0"/>
+    <cs:fontRef idx="minor">
+      <a:schemeClr val="tx1">
+        <a:lumMod val="75000"/>
+        <a:lumOff val="25000"/>
+      </a:schemeClr>
+    </cs:fontRef>
+    <cs:defRPr sz="900" kern="1200"/>
+  </cs:dataLabel>
+  <cs:dataLabelCallout>
+    <cs:lnRef idx="0"/>
+    <cs:fillRef idx="0"/>
+    <cs:effectRef idx="0"/>
+    <cs:fontRef idx="minor">
+      <a:schemeClr val="dk1">
+        <a:lumMod val="65000"/>
+        <a:lumOff val="35000"/>
+      </a:schemeClr>
+    </cs:fontRef>
+    <cs:spPr>
+      <a:solidFill>
+        <a:schemeClr val="lt1"/>
+      </a:solidFill>
+      <a:ln>
+        <a:solidFill>
+          <a:schemeClr val="dk1">
+            <a:lumMod val="25000"/>
+            <a:lumOff val="75000"/>
+          </a:schemeClr>
+        </a:solidFill>
+      </a:ln>
+    </cs:spPr>
+    <cs:defRPr sz="900" kern="1200"/>
+    <cs:bodyPr rot="0" spcFirstLastPara="1" vertOverflow="clip" horzOverflow="clip" vert="horz" wrap="square" lIns="36576" tIns="18288" rIns="36576" bIns="18288" anchor="ctr" anchorCtr="1">
+      <a:spAutoFit/>
+    </cs:bodyPr>
+  </cs:dataLabelCallout>
+  <cs:dataPoint>
+    <cs:lnRef idx="0"/>
+    <cs:fillRef idx="1">
+      <cs:styleClr val="auto"/>
+    </cs:fillRef>
+    <cs:effectRef idx="0"/>
+    <cs:fontRef idx="minor">
+      <a:schemeClr val="tx1"/>
+    </cs:fontRef>
+  </cs:dataPoint>
+  <cs:dataPoint3D>
+    <cs:lnRef idx="0"/>
+    <cs:fillRef idx="1">
+      <cs:styleClr val="auto"/>
+    </cs:fillRef>
+    <cs:effectRef idx="0"/>
+    <cs:fontRef idx="minor">
+      <a:schemeClr val="tx1"/>
+    </cs:fontRef>
+  </cs:dataPoint3D>
+  <cs:dataPointLine>
+    <cs:lnRef idx="0">
+      <cs:styleClr val="auto"/>
+    </cs:lnRef>
+    <cs:fillRef idx="1"/>
+    <cs:effectRef idx="0"/>
+    <cs:fontRef idx="minor">
+      <a:schemeClr val="tx1"/>
+    </cs:fontRef>
+    <cs:spPr>
+      <a:ln w="19050" cap="rnd">
+        <a:solidFill>
+          <a:schemeClr val="phClr"/>
+        </a:solidFill>
+        <a:round/>
+      </a:ln>
+    </cs:spPr>
+  </cs:dataPointLine>
+  <cs:dataPointMarker>
+    <cs:lnRef idx="0">
+      <cs:styleClr val="auto"/>
+    </cs:lnRef>
+    <cs:fillRef idx="1">
+      <cs:styleClr val="auto"/>
+    </cs:fillRef>
+    <cs:effectRef idx="0"/>
+    <cs:fontRef idx="minor">
+      <a:schemeClr val="tx1"/>
+    </cs:fontRef>
+    <cs:spPr>
+      <a:ln w="9525">
+        <a:solidFill>
+          <a:schemeClr val="phClr"/>
+        </a:solidFill>
+      </a:ln>
+    </cs:spPr>
+  </cs:dataPointMarker>
+  <cs:dataPointMarkerLayout symbol="circle" size="5"/>
+  <cs:dataPointWireframe>
+    <cs:lnRef idx="0">
+      <cs:styleClr val="auto"/>
+    </cs:lnRef>
+    <cs:fillRef idx="0"/>
+    <cs:effectRef idx="0"/>
+    <cs:fontRef idx="minor">
+      <a:schemeClr val="dk1"/>
+    </cs:fontRef>
+    <cs:spPr>
+      <a:ln w="9525" cap="rnd">
+        <a:solidFill>
+          <a:schemeClr val="phClr"/>
+        </a:solidFill>
+        <a:round/>
+      </a:ln>
+    </cs:spPr>
+  </cs:dataPointWireframe>
+  <cs:dataTable>
+    <cs:lnRef idx="0"/>
+    <cs:fillRef idx="0"/>
+    <cs:effectRef idx="0"/>
+    <cs:fontRef idx="minor">
+      <a:schemeClr val="tx1">
+        <a:lumMod val="65000"/>
+        <a:lumOff val="35000"/>
+      </a:schemeClr>
+    </cs:fontRef>
+    <cs:spPr>
+      <a:noFill/>
+      <a:ln w="9525" cap="flat" cmpd="sng" algn="ctr">
+        <a:solidFill>
+          <a:schemeClr val="tx1">
+            <a:lumMod val="15000"/>
+            <a:lumOff val="85000"/>
+          </a:schemeClr>
+        </a:solidFill>
+        <a:round/>
+      </a:ln>
+    </cs:spPr>
+    <cs:defRPr sz="900" kern="1200"/>
+  </cs:dataTable>
+  <cs:downBar>
+    <cs:lnRef idx="0"/>
+    <cs:fillRef idx="0"/>
+    <cs:effectRef idx="0"/>
+    <cs:fontRef idx="minor">
+      <a:schemeClr val="tx1"/>
+    </cs:fontRef>
+    <cs:spPr>
+      <a:solidFill>
+        <a:schemeClr val="dk1">
+          <a:lumMod val="75000"/>
+          <a:lumOff val="25000"/>
+        </a:schemeClr>
+      </a:solidFill>
+      <a:ln w="9525" cap="flat" cmpd="sng" algn="ctr">
+        <a:solidFill>
+          <a:schemeClr val="tx1">
+            <a:lumMod val="65000"/>
+            <a:lumOff val="35000"/>
+          </a:schemeClr>
+        </a:solidFill>
+        <a:round/>
+      </a:ln>
+    </cs:spPr>
+  </cs:downBar>
+  <cs:dropLine>
+    <cs:lnRef idx="0"/>
+    <cs:fillRef idx="0"/>
+    <cs:effectRef idx="0"/>
+    <cs:fontRef idx="minor">
+      <a:schemeClr val="tx1"/>
+    </cs:fontRef>
+    <cs:spPr>
+      <a:ln w="9525" cap="flat" cmpd="sng" algn="ctr">
+        <a:solidFill>
+          <a:schemeClr val="tx1">
+            <a:lumMod val="35000"/>
+            <a:lumOff val="65000"/>
+          </a:schemeClr>
+        </a:solidFill>
+        <a:round/>
+      </a:ln>
+    </cs:spPr>
+  </cs:dropLine>
+  <cs:errorBar>
+    <cs:lnRef idx="0"/>
+    <cs:fillRef idx="0"/>
+    <cs:effectRef idx="0"/>
+    <cs:fontRef idx="minor">
+      <a:schemeClr val="tx1"/>
+    </cs:fontRef>
+    <cs:spPr>
+      <a:ln w="9525" cap="flat" cmpd="sng" algn="ctr">
+        <a:solidFill>
+          <a:schemeClr val="tx1">
+            <a:lumMod val="65000"/>
+            <a:lumOff val="35000"/>
+          </a:schemeClr>
+        </a:solidFill>
+        <a:round/>
+      </a:ln>
+    </cs:spPr>
+  </cs:errorBar>
+  <cs:floor>
+    <cs:lnRef idx="0"/>
+    <cs:fillRef idx="0"/>
+    <cs:effectRef idx="0"/>
+    <cs:fontRef idx="minor">
+      <a:schemeClr val="tx1"/>
+    </cs:fontRef>
+    <cs:spPr>
+      <a:noFill/>
+      <a:ln>
+        <a:noFill/>
+      </a:ln>
+    </cs:spPr>
+  </cs:floor>
+  <cs:gridlineMajor>
+    <cs:lnRef idx="0"/>
+    <cs:fillRef idx="0"/>
+    <cs:effectRef idx="0"/>
+    <cs:fontRef idx="minor">
+      <a:schemeClr val="tx1"/>
+    </cs:fontRef>
+    <cs:spPr>
+      <a:ln w="9525" cap="flat" cmpd="sng" algn="ctr">
+        <a:solidFill>
+          <a:schemeClr val="tx1">
+            <a:lumMod val="15000"/>
+            <a:lumOff val="85000"/>
+          </a:schemeClr>
+        </a:solidFill>
+        <a:round/>
+      </a:ln>
+    </cs:spPr>
+  </cs:gridlineMajor>
+  <cs:gridlineMinor>
+    <cs:lnRef idx="0"/>
+    <cs:fillRef idx="0"/>
+    <cs:effectRef idx="0"/>
+    <cs:fontRef idx="minor">
+      <a:schemeClr val="tx1"/>
+    </cs:fontRef>
+    <cs:spPr>
+      <a:ln w="9525" cap="flat" cmpd="sng" algn="ctr">
+        <a:solidFill>
+          <a:schemeClr val="tx1">
+            <a:lumMod val="5000"/>
+            <a:lumOff val="95000"/>
+          </a:schemeClr>
+        </a:solidFill>
+        <a:round/>
+      </a:ln>
+    </cs:spPr>
+  </cs:gridlineMinor>
+  <cs:hiLoLine>
+    <cs:lnRef idx="0"/>
+    <cs:fillRef idx="0"/>
+    <cs:effectRef idx="0"/>
+    <cs:fontRef idx="minor">
+      <a:schemeClr val="tx1"/>
+    </cs:fontRef>
+    <cs:spPr>
+      <a:ln w="9525" cap="flat" cmpd="sng" algn="ctr">
+        <a:solidFill>
+          <a:schemeClr val="tx1">
+            <a:lumMod val="50000"/>
+            <a:lumOff val="50000"/>
+          </a:schemeClr>
+        </a:solidFill>
+        <a:round/>
+      </a:ln>
+    </cs:spPr>
+  </cs:hiLoLine>
+  <cs:leaderLine>
+    <cs:lnRef idx="0"/>
+    <cs:fillRef idx="0"/>
+    <cs:effectRef idx="0"/>
+    <cs:fontRef idx="minor">
+      <a:schemeClr val="tx1"/>
+    </cs:fontRef>
+    <cs:spPr>
+      <a:ln w="9525" cap="flat" cmpd="sng" algn="ctr">
+        <a:solidFill>
+          <a:schemeClr val="tx1">
+            <a:lumMod val="35000"/>
+            <a:lumOff val="65000"/>
+          </a:schemeClr>
+        </a:solidFill>
+        <a:round/>
+      </a:ln>
+    </cs:spPr>
+  </cs:leaderLine>
+  <cs:legend>
+    <cs:lnRef idx="0"/>
+    <cs:fillRef idx="0"/>
+    <cs:effectRef idx="0"/>
+    <cs:fontRef idx="minor">
+      <a:schemeClr val="tx1">
+        <a:lumMod val="65000"/>
+        <a:lumOff val="35000"/>
+      </a:schemeClr>
+    </cs:fontRef>
+    <cs:defRPr sz="900" kern="1200"/>
+  </cs:legend>
+  <cs:plotArea mods="allowNoFillOverride allowNoLineOverride">
+    <cs:lnRef idx="0"/>
+    <cs:fillRef idx="0"/>
+    <cs:effectRef idx="0"/>
+    <cs:fontRef idx="minor">
+      <a:schemeClr val="tx1"/>
+    </cs:fontRef>
+  </cs:plotArea>
+  <cs:plotArea3D mods="allowNoFillOverride allowNoLineOverride">
+    <cs:lnRef idx="0"/>
+    <cs:fillRef idx="0"/>
+    <cs:effectRef idx="0"/>
+    <cs:fontRef idx="minor">
+      <a:schemeClr val="tx1"/>
+    </cs:fontRef>
+  </cs:plotArea3D>
+  <cs:seriesAxis>
+    <cs:lnRef idx="0"/>
+    <cs:fillRef idx="0"/>
+    <cs:effectRef idx="0"/>
+    <cs:fontRef idx="minor">
+      <a:schemeClr val="tx1">
+        <a:lumMod val="65000"/>
+        <a:lumOff val="35000"/>
+      </a:schemeClr>
+    </cs:fontRef>
+    <cs:defRPr sz="900" kern="1200"/>
+  </cs:seriesAxis>
+  <cs:seriesLine>
+    <cs:lnRef idx="0"/>
+    <cs:fillRef idx="0"/>
+    <cs:effectRef idx="0"/>
+    <cs:fontRef idx="minor">
+      <a:schemeClr val="tx1"/>
+    </cs:fontRef>
+    <cs:spPr>
+      <a:ln w="9525" cap="flat" cmpd="sng" algn="ctr">
+        <a:solidFill>
+          <a:schemeClr val="tx1">
+            <a:lumMod val="35000"/>
+            <a:lumOff val="65000"/>
+          </a:schemeClr>
+        </a:solidFill>
+        <a:round/>
+      </a:ln>
+    </cs:spPr>
+  </cs:seriesLine>
+  <cs:title>
+    <cs:lnRef idx="0"/>
+    <cs:fillRef idx="0"/>
+    <cs:effectRef idx="0"/>
+    <cs:fontRef idx="minor">
+      <a:schemeClr val="tx1">
+        <a:lumMod val="65000"/>
+        <a:lumOff val="35000"/>
+      </a:schemeClr>
+    </cs:fontRef>
+    <cs:defRPr sz="1400" b="0" kern="1200" spc="0" baseline="0"/>
+  </cs:title>
+  <cs:trendline>
+    <cs:lnRef idx="0">
+      <cs:styleClr val="auto"/>
+    </cs:lnRef>
+    <cs:fillRef idx="0"/>
+    <cs:effectRef idx="0"/>
+    <cs:fontRef idx="minor">
+      <a:schemeClr val="tx1"/>
+    </cs:fontRef>
+    <cs:spPr>
+      <a:ln w="19050" cap="rnd">
+        <a:solidFill>
+          <a:schemeClr val="phClr"/>
+        </a:solidFill>
+        <a:prstDash val="sysDot"/>
+      </a:ln>
+    </cs:spPr>
+  </cs:trendline>
+  <cs:trendlineLabel>
+    <cs:lnRef idx="0"/>
+    <cs:fillRef idx="0"/>
+    <cs:effectRef idx="0"/>
+    <cs:fontRef idx="minor">
+      <a:schemeClr val="tx1">
+        <a:lumMod val="65000"/>
+        <a:lumOff val="35000"/>
+      </a:schemeClr>
+    </cs:fontRef>
+    <cs:defRPr sz="900" kern="1200"/>
+  </cs:trendlineLabel>
+  <cs:upBar>
+    <cs:lnRef idx="0"/>
+    <cs:fillRef idx="0"/>
+    <cs:effectRef idx="0"/>
+    <cs:fontRef idx="minor">
+      <a:schemeClr val="tx1"/>
+    </cs:fontRef>
+    <cs:spPr>
+      <a:solidFill>
+        <a:schemeClr val="lt1"/>
+      </a:solidFill>
+      <a:ln w="9525" cap="flat" cmpd="sng" algn="ctr">
+        <a:solidFill>
+          <a:schemeClr val="tx1">
+            <a:lumMod val="65000"/>
+            <a:lumOff val="35000"/>
+          </a:schemeClr>
+        </a:solidFill>
+        <a:round/>
+      </a:ln>
+    </cs:spPr>
+  </cs:upBar>
+  <cs:valueAxis>
+    <cs:lnRef idx="0"/>
+    <cs:fillRef idx="0"/>
+    <cs:effectRef idx="0"/>
+    <cs:fontRef idx="minor">
+      <a:schemeClr val="tx1">
+        <a:lumMod val="65000"/>
+        <a:lumOff val="35000"/>
+      </a:schemeClr>
+    </cs:fontRef>
+    <cs:spPr>
+      <a:ln w="9525" cap="flat" cmpd="sng" algn="ctr">
+        <a:solidFill>
+          <a:schemeClr val="tx1">
+            <a:lumMod val="25000"/>
+            <a:lumOff val="75000"/>
+          </a:schemeClr>
+        </a:solidFill>
+        <a:round/>
+      </a:ln>
+    </cs:spPr>
+    <cs:defRPr sz="900" kern="1200"/>
+  </cs:valueAxis>
+  <cs:wall>
+    <cs:lnRef idx="0"/>
+    <cs:fillRef idx="0"/>
+    <cs:effectRef idx="0"/>
+    <cs:fontRef idx="minor">
+      <a:schemeClr val="tx1"/>
+    </cs:fontRef>
+    <cs:spPr>
+      <a:noFill/>
+      <a:ln>
+        <a:noFill/>
+      </a:ln>
+    </cs:spPr>
+  </cs:wall>
+</cs:chartStyle>
+</file>
+
+<file path=ppt/notesMasters/notesMaster1.xml><?xml version="1.0" encoding="utf-8"?>
+<p:notesMaster xmlns:a="http://schemas.openxmlformats.org/drawingml/2006/main" xmlns:r="http://schemas.openxmlformats.org/officeDocument/2006/relationships" xmlns:p="http://schemas.openxmlformats.org/presentationml/2006/main">
+  <p:cSld>
+    <p:bg>
+      <p:bgRef idx="1001">
+        <a:schemeClr val="bg1"/>
+      </p:bgRef>
+    </p:bg>
+    <p:spTree>
+      <p:nvGrpSpPr>
+        <p:cNvPr id="1" name=""/>
+        <p:cNvGrpSpPr/>
+        <p:nvPr/>
+      </p:nvGrpSpPr>
+      <p:grpSpPr>
+        <a:xfrm>
+          <a:off x="0" y="0"/>
+          <a:ext cx="0" cy="0"/>
+          <a:chOff x="0" y="0"/>
+          <a:chExt cx="0" cy="0"/>
+        </a:xfrm>
+      </p:grpSpPr>
+      <p:sp>
+        <p:nvSpPr>
+          <p:cNvPr id="2" name="Верхний колонтитул 1"/>
+          <p:cNvSpPr>
+            <a:spLocks noGrp="1"/>
+          </p:cNvSpPr>
+          <p:nvPr>
+            <p:ph type="hdr" sz="quarter"/>
+          </p:nvPr>
+        </p:nvSpPr>
+        <p:spPr>
+          <a:xfrm>
+            <a:off x="0" y="0"/>
+            <a:ext cx="2971800" cy="458788"/>
+          </a:xfrm>
+          <a:prstGeom prst="rect">
+            <a:avLst/>
+          </a:prstGeom>
+        </p:spPr>
+        <p:txBody>
+          <a:bodyPr vert="horz" lIns="91440" tIns="45720" rIns="91440" bIns="45720" rtlCol="0"/>
+          <a:lstStyle>
+            <a:lvl1pPr algn="l">
+              <a:defRPr sz="1200"/>
+            </a:lvl1pPr>
+          </a:lstStyle>
+          <a:p>
+            <a:endParaRPr lang="ru-RU"/>
+          </a:p>
+        </p:txBody>
+      </p:sp>
+      <p:sp>
+        <p:nvSpPr>
+          <p:cNvPr id="3" name="Дата 2"/>
+          <p:cNvSpPr>
+            <a:spLocks noGrp="1"/>
+          </p:cNvSpPr>
+          <p:nvPr>
+            <p:ph type="dt" idx="1"/>
+          </p:nvPr>
+        </p:nvSpPr>
+        <p:spPr>
+          <a:xfrm>
+            <a:off x="3884613" y="0"/>
+            <a:ext cx="2971800" cy="458788"/>
+          </a:xfrm>
+          <a:prstGeom prst="rect">
+            <a:avLst/>
+          </a:prstGeom>
+        </p:spPr>
+        <p:txBody>
+          <a:bodyPr vert="horz" lIns="91440" tIns="45720" rIns="91440" bIns="45720" rtlCol="0"/>
+          <a:lstStyle>
+            <a:lvl1pPr algn="r">
+              <a:defRPr sz="1200"/>
+            </a:lvl1pPr>
+          </a:lstStyle>
+          <a:p>
+            <a:fld id="{7EADA7E6-4FAA-462F-A32A-991A31C759B1}" type="datetimeFigureOut">
+              <a:rPr lang="ru-RU" smtClean="0"/>
+              <a:t>28.01.2024</a:t>
+            </a:fld>
+            <a:endParaRPr lang="ru-RU"/>
+          </a:p>
+        </p:txBody>
+      </p:sp>
+      <p:sp>
+        <p:nvSpPr>
+          <p:cNvPr id="4" name="Образ слайда 3"/>
+          <p:cNvSpPr>
+            <a:spLocks noGrp="1" noRot="1" noChangeAspect="1"/>
+          </p:cNvSpPr>
+          <p:nvPr>
+            <p:ph type="sldImg" idx="2"/>
+          </p:nvPr>
+        </p:nvSpPr>
+        <p:spPr>
+          <a:xfrm>
+            <a:off x="685800" y="1143000"/>
+            <a:ext cx="5486400" cy="3086100"/>
+          </a:xfrm>
+          <a:prstGeom prst="rect">
+            <a:avLst/>
+          </a:prstGeom>
+          <a:noFill/>
+          <a:ln w="12700">
+            <a:solidFill>
+              <a:prstClr val="black"/>
+            </a:solidFill>
+          </a:ln>
+        </p:spPr>
+        <p:txBody>
+          <a:bodyPr vert="horz" lIns="91440" tIns="45720" rIns="91440" bIns="45720" rtlCol="0" anchor="ctr"/>
+          <a:lstStyle/>
+          <a:p>
+            <a:endParaRPr lang="ru-RU"/>
+          </a:p>
+        </p:txBody>
+      </p:sp>
+      <p:sp>
+        <p:nvSpPr>
+          <p:cNvPr id="5" name="Заметки 4"/>
+          <p:cNvSpPr>
+            <a:spLocks noGrp="1"/>
+          </p:cNvSpPr>
+          <p:nvPr>
+            <p:ph type="body" sz="quarter" idx="3"/>
+          </p:nvPr>
+        </p:nvSpPr>
+        <p:spPr>
+          <a:xfrm>
+            <a:off x="685800" y="4400550"/>
+            <a:ext cx="5486400" cy="3600450"/>
+          </a:xfrm>
+          <a:prstGeom prst="rect">
+            <a:avLst/>
+          </a:prstGeom>
+        </p:spPr>
+        <p:txBody>
+          <a:bodyPr vert="horz" lIns="91440" tIns="45720" rIns="91440" bIns="45720" rtlCol="0"/>
+          <a:lstStyle/>
+          <a:p>
+            <a:pPr lvl="0"/>
+            <a:r>
+              <a:rPr lang="ru-RU"/>
+              <a:t>Образец текста</a:t>
+            </a:r>
+          </a:p>
+          <a:p>
+            <a:pPr lvl="1"/>
+            <a:r>
+              <a:rPr lang="ru-RU"/>
+              <a:t>Второй уровень</a:t>
+            </a:r>
+          </a:p>
+          <a:p>
+            <a:pPr lvl="2"/>
+            <a:r>
+              <a:rPr lang="ru-RU"/>
+              <a:t>Третий уровень</a:t>
+            </a:r>
+          </a:p>
+          <a:p>
+            <a:pPr lvl="3"/>
+            <a:r>
+              <a:rPr lang="ru-RU"/>
+              <a:t>Четвертый уровень</a:t>
+            </a:r>
+          </a:p>
+          <a:p>
+            <a:pPr lvl="4"/>
+            <a:r>
+              <a:rPr lang="ru-RU"/>
+              <a:t>Пятый уровень</a:t>
+            </a:r>
+          </a:p>
+        </p:txBody>
+      </p:sp>
+      <p:sp>
+        <p:nvSpPr>
+          <p:cNvPr id="6" name="Нижний колонтитул 5"/>
+          <p:cNvSpPr>
+            <a:spLocks noGrp="1"/>
+          </p:cNvSpPr>
+          <p:nvPr>
+            <p:ph type="ftr" sz="quarter" idx="4"/>
+          </p:nvPr>
+        </p:nvSpPr>
+        <p:spPr>
+          <a:xfrm>
+            <a:off x="0" y="8685213"/>
+            <a:ext cx="2971800" cy="458787"/>
+          </a:xfrm>
+          <a:prstGeom prst="rect">
+            <a:avLst/>
+          </a:prstGeom>
+        </p:spPr>
+        <p:txBody>
+          <a:bodyPr vert="horz" lIns="91440" tIns="45720" rIns="91440" bIns="45720" rtlCol="0" anchor="b"/>
+          <a:lstStyle>
+            <a:lvl1pPr algn="l">
+              <a:defRPr sz="1200"/>
+            </a:lvl1pPr>
+          </a:lstStyle>
+          <a:p>
+            <a:endParaRPr lang="ru-RU"/>
+          </a:p>
+        </p:txBody>
+      </p:sp>
+      <p:sp>
+        <p:nvSpPr>
+          <p:cNvPr id="7" name="Номер слайда 6"/>
+          <p:cNvSpPr>
+            <a:spLocks noGrp="1"/>
+          </p:cNvSpPr>
+          <p:nvPr>
+            <p:ph type="sldNum" sz="quarter" idx="5"/>
+          </p:nvPr>
+        </p:nvSpPr>
+        <p:spPr>
+          <a:xfrm>
+            <a:off x="3884613" y="8685213"/>
+            <a:ext cx="2971800" cy="458787"/>
+          </a:xfrm>
+          <a:prstGeom prst="rect">
+            <a:avLst/>
+          </a:prstGeom>
+        </p:spPr>
+        <p:txBody>
+          <a:bodyPr vert="horz" lIns="91440" tIns="45720" rIns="91440" bIns="45720" rtlCol="0" anchor="b"/>
+          <a:lstStyle>
+            <a:lvl1pPr algn="r">
+              <a:defRPr sz="1200"/>
+            </a:lvl1pPr>
+          </a:lstStyle>
+          <a:p>
+            <a:fld id="{CC173662-F40E-42B3-94D7-B672AE462D85}" type="slidenum">
+              <a:rPr lang="ru-RU" smtClean="0"/>
+              <a:t>‹#›</a:t>
+            </a:fld>
+            <a:endParaRPr lang="ru-RU"/>
+          </a:p>
+        </p:txBody>
+      </p:sp>
+    </p:spTree>
+    <p:extLst>
+      <p:ext uri="{BB962C8B-B14F-4D97-AF65-F5344CB8AC3E}">
+        <p14:creationId xmlns:p14="http://schemas.microsoft.com/office/powerpoint/2010/main" val="2156963983"/>
+      </p:ext>
+    </p:extLst>
+  </p:cSld>
+  <p:clrMap bg1="lt1" tx1="dk1" bg2="lt2" tx2="dk2" accent1="accent1" accent2="accent2" accent3="accent3" accent4="accent4" accent5="accent5" accent6="accent6" hlink="hlink" folHlink="folHlink"/>
+  <p:notesStyle>
+    <a:lvl1pPr marL="0" algn="l" defTabSz="914400" rtl="0" eaLnBrk="1" latinLnBrk="0" hangingPunct="1">
+      <a:defRPr sz="1200" kern="1200">
+        <a:solidFill>
+          <a:schemeClr val="tx1"/>
+        </a:solidFill>
+        <a:latin typeface="+mn-lt"/>
+        <a:ea typeface="+mn-ea"/>
+        <a:cs typeface="+mn-cs"/>
+      </a:defRPr>
+    </a:lvl1pPr>
+    <a:lvl2pPr marL="457200" algn="l" defTabSz="914400" rtl="0" eaLnBrk="1" latinLnBrk="0" hangingPunct="1">
+      <a:defRPr sz="1200" kern="1200">
+        <a:solidFill>
+          <a:schemeClr val="tx1"/>
+        </a:solidFill>
+        <a:latin typeface="+mn-lt"/>
+        <a:ea typeface="+mn-ea"/>
+        <a:cs typeface="+mn-cs"/>
+      </a:defRPr>
+    </a:lvl2pPr>
+    <a:lvl3pPr marL="914400" algn="l" defTabSz="914400" rtl="0" eaLnBrk="1" latinLnBrk="0" hangingPunct="1">
+      <a:defRPr sz="1200" kern="1200">
+        <a:solidFill>
+          <a:schemeClr val="tx1"/>
+        </a:solidFill>
+        <a:latin typeface="+mn-lt"/>
+        <a:ea typeface="+mn-ea"/>
+        <a:cs typeface="+mn-cs"/>
+      </a:defRPr>
+    </a:lvl3pPr>
+    <a:lvl4pPr marL="1371600" algn="l" defTabSz="914400" rtl="0" eaLnBrk="1" latinLnBrk="0" hangingPunct="1">
+      <a:defRPr sz="1200" kern="1200">
+        <a:solidFill>
+          <a:schemeClr val="tx1"/>
+        </a:solidFill>
+        <a:latin typeface="+mn-lt"/>
+        <a:ea typeface="+mn-ea"/>
+        <a:cs typeface="+mn-cs"/>
+      </a:defRPr>
+    </a:lvl4pPr>
+    <a:lvl5pPr marL="1828800" algn="l" defTabSz="914400" rtl="0" eaLnBrk="1" latinLnBrk="0" hangingPunct="1">
+      <a:defRPr sz="1200" kern="1200">
+        <a:solidFill>
+          <a:schemeClr val="tx1"/>
+        </a:solidFill>
+        <a:latin typeface="+mn-lt"/>
+        <a:ea typeface="+mn-ea"/>
+        <a:cs typeface="+mn-cs"/>
+      </a:defRPr>
+    </a:lvl5pPr>
+    <a:lvl6pPr marL="2286000" algn="l" defTabSz="914400" rtl="0" eaLnBrk="1" latinLnBrk="0" hangingPunct="1">
+      <a:defRPr sz="1200" kern="1200">
+        <a:solidFill>
+          <a:schemeClr val="tx1"/>
+        </a:solidFill>
+        <a:latin typeface="+mn-lt"/>
+        <a:ea typeface="+mn-ea"/>
+        <a:cs typeface="+mn-cs"/>
+      </a:defRPr>
+    </a:lvl6pPr>
+    <a:lvl7pPr marL="2743200" algn="l" defTabSz="914400" rtl="0" eaLnBrk="1" latinLnBrk="0" hangingPunct="1">
+      <a:defRPr sz="1200" kern="1200">
+        <a:solidFill>
+          <a:schemeClr val="tx1"/>
+        </a:solidFill>
+        <a:latin typeface="+mn-lt"/>
+        <a:ea typeface="+mn-ea"/>
+        <a:cs typeface="+mn-cs"/>
+      </a:defRPr>
+    </a:lvl7pPr>
+    <a:lvl8pPr marL="3200400" algn="l" defTabSz="914400" rtl="0" eaLnBrk="1" latinLnBrk="0" hangingPunct="1">
+      <a:defRPr sz="1200" kern="1200">
+        <a:solidFill>
+          <a:schemeClr val="tx1"/>
+        </a:solidFill>
+        <a:latin typeface="+mn-lt"/>
+        <a:ea typeface="+mn-ea"/>
+        <a:cs typeface="+mn-cs"/>
+      </a:defRPr>
+    </a:lvl8pPr>
+    <a:lvl9pPr marL="3657600" algn="l" defTabSz="914400" rtl="0" eaLnBrk="1" latinLnBrk="0" hangingPunct="1">
+      <a:defRPr sz="1200" kern="1200">
+        <a:solidFill>
+          <a:schemeClr val="tx1"/>
+        </a:solidFill>
+        <a:latin typeface="+mn-lt"/>
+        <a:ea typeface="+mn-ea"/>
+        <a:cs typeface="+mn-cs"/>
+      </a:defRPr>
+    </a:lvl9pPr>
+  </p:notesStyle>
+</p:notesMaster>
+</file>
+
+<file path=ppt/notesSlides/notesSlide1.xml><?xml version="1.0" encoding="utf-8"?>
+<p:notes xmlns:a="http://schemas.openxmlformats.org/drawingml/2006/main" xmlns:r="http://schemas.openxmlformats.org/officeDocument/2006/relationships" xmlns:p="http://schemas.openxmlformats.org/presentationml/2006/main">
+  <p:cSld>
+    <p:spTree>
+      <p:nvGrpSpPr>
+        <p:cNvPr id="1" name=""/>
+        <p:cNvGrpSpPr/>
+        <p:nvPr/>
+      </p:nvGrpSpPr>
+      <p:grpSpPr>
+        <a:xfrm>
+          <a:off x="0" y="0"/>
+          <a:ext cx="0" cy="0"/>
+          <a:chOff x="0" y="0"/>
+          <a:chExt cx="0" cy="0"/>
+        </a:xfrm>
+      </p:grpSpPr>
+      <p:sp>
+        <p:nvSpPr>
+          <p:cNvPr id="2" name="Образ слайда 1"/>
+          <p:cNvSpPr>
+            <a:spLocks noGrp="1" noRot="1" noChangeAspect="1"/>
+          </p:cNvSpPr>
+          <p:nvPr>
+            <p:ph type="sldImg"/>
+          </p:nvPr>
+        </p:nvSpPr>
+        <p:spPr/>
+      </p:sp>
+      <p:sp>
+        <p:nvSpPr>
+          <p:cNvPr id="3" name="Заметки 2"/>
+          <p:cNvSpPr>
+            <a:spLocks noGrp="1"/>
+          </p:cNvSpPr>
+          <p:nvPr>
+            <p:ph type="body" idx="1"/>
+          </p:nvPr>
+        </p:nvSpPr>
+        <p:spPr/>
+        <p:txBody>
+          <a:bodyPr/>
+          <a:lstStyle/>
+          <a:p>
+            <a:endParaRPr lang="ru-RU" dirty="0"/>
+          </a:p>
+        </p:txBody>
+      </p:sp>
+      <p:sp>
+        <p:nvSpPr>
+          <p:cNvPr id="4" name="Номер слайда 3"/>
+          <p:cNvSpPr>
+            <a:spLocks noGrp="1"/>
+          </p:cNvSpPr>
+          <p:nvPr>
+            <p:ph type="sldNum" sz="quarter" idx="5"/>
+          </p:nvPr>
+        </p:nvSpPr>
+        <p:spPr/>
+        <p:txBody>
+          <a:bodyPr/>
+          <a:lstStyle/>
+          <a:p>
+            <a:fld id="{CC173662-F40E-42B3-94D7-B672AE462D85}" type="slidenum">
+              <a:rPr lang="ru-RU" smtClean="0"/>
+              <a:t>2</a:t>
+            </a:fld>
+            <a:endParaRPr lang="ru-RU"/>
+          </a:p>
+        </p:txBody>
+      </p:sp>
+    </p:spTree>
+    <p:extLst>
+      <p:ext uri="{BB962C8B-B14F-4D97-AF65-F5344CB8AC3E}">
+        <p14:creationId xmlns:p14="http://schemas.microsoft.com/office/powerpoint/2010/main" val="2963385115"/>
+      </p:ext>
+    </p:extLst>
+  </p:cSld>
+  <p:clrMapOvr>
+    <a:masterClrMapping/>
+  </p:clrMapOvr>
+</p:notes>
+</file>
+
 <file path=ppt/slideLayouts/slideLayout1.xml><?xml version="1.0" encoding="utf-8"?>
 <p:sldLayout xmlns:a="http://schemas.openxmlformats.org/drawingml/2006/main" xmlns:r="http://schemas.openxmlformats.org/officeDocument/2006/relationships" xmlns:p="http://schemas.openxmlformats.org/presentationml/2006/main" type="title" preserve="1">
   <p:cSld name="Титульный слайд">
@@ -261,9 +4094,9 @@
           <a:bodyPr/>
           <a:lstStyle/>
           <a:p>
-            <a:fld id="{6563BB88-BC98-4B06-BD02-335ED59505D4}" type="datetimeFigureOut">
+            <a:fld id="{699DE03D-CF70-4AAB-B379-BC80072533E1}" type="datetime1">
               <a:rPr lang="ru-RU" smtClean="0"/>
-              <a:t>27.01.2024</a:t>
+              <a:t>28.01.2024</a:t>
             </a:fld>
             <a:endParaRPr lang="ru-RU"/>
           </a:p>
@@ -459,9 +4292,9 @@
           <a:bodyPr/>
           <a:lstStyle/>
           <a:p>
-            <a:fld id="{6563BB88-BC98-4B06-BD02-335ED59505D4}" type="datetimeFigureOut">
+            <a:fld id="{3F1FF764-3180-4A02-89A4-5BB74BBEBE1B}" type="datetime1">
               <a:rPr lang="ru-RU" smtClean="0"/>
-              <a:t>27.01.2024</a:t>
+              <a:t>28.01.2024</a:t>
             </a:fld>
             <a:endParaRPr lang="ru-RU"/>
           </a:p>
@@ -667,9 +4500,9 @@
           <a:bodyPr/>
           <a:lstStyle/>
           <a:p>
-            <a:fld id="{6563BB88-BC98-4B06-BD02-335ED59505D4}" type="datetimeFigureOut">
+            <a:fld id="{12FEC6BC-842E-4F50-A325-EA6150BF44E2}" type="datetime1">
               <a:rPr lang="ru-RU" smtClean="0"/>
-              <a:t>27.01.2024</a:t>
+              <a:t>28.01.2024</a:t>
             </a:fld>
             <a:endParaRPr lang="ru-RU"/>
           </a:p>
@@ -897,9 +4730,9 @@
           <a:bodyPr/>
           <a:lstStyle/>
           <a:p>
-            <a:fld id="{6563BB88-BC98-4B06-BD02-335ED59505D4}" type="datetimeFigureOut">
+            <a:fld id="{83291F21-28B0-4F45-9299-C2F2215FBBE1}" type="datetime1">
               <a:rPr lang="ru-RU" smtClean="0"/>
-              <a:t>27.01.2024</a:t>
+              <a:t>28.01.2024</a:t>
             </a:fld>
             <a:endParaRPr lang="ru-RU"/>
           </a:p>
@@ -1567,9 +5400,9 @@
           <a:bodyPr/>
           <a:lstStyle/>
           <a:p>
-            <a:fld id="{6563BB88-BC98-4B06-BD02-335ED59505D4}" type="datetimeFigureOut">
+            <a:fld id="{30122A7B-5FF7-4F23-A2F9-6CF085CC7CD4}" type="datetime1">
               <a:rPr lang="ru-RU" smtClean="0"/>
-              <a:t>27.01.2024</a:t>
+              <a:t>28.01.2024</a:t>
             </a:fld>
             <a:endParaRPr lang="ru-RU"/>
           </a:p>
@@ -1832,9 +5665,9 @@
           <a:bodyPr/>
           <a:lstStyle/>
           <a:p>
-            <a:fld id="{6563BB88-BC98-4B06-BD02-335ED59505D4}" type="datetimeFigureOut">
+            <a:fld id="{6A57241D-5D12-45CB-A2A2-FF23BCAF2925}" type="datetime1">
               <a:rPr lang="ru-RU" smtClean="0"/>
-              <a:t>27.01.2024</a:t>
+              <a:t>28.01.2024</a:t>
             </a:fld>
             <a:endParaRPr lang="ru-RU"/>
           </a:p>
@@ -2244,9 +6077,9 @@
           <a:bodyPr/>
           <a:lstStyle/>
           <a:p>
-            <a:fld id="{6563BB88-BC98-4B06-BD02-335ED59505D4}" type="datetimeFigureOut">
+            <a:fld id="{439A4600-FE40-4116-B2E1-B7626B1A985A}" type="datetime1">
               <a:rPr lang="ru-RU" smtClean="0"/>
-              <a:t>27.01.2024</a:t>
+              <a:t>28.01.2024</a:t>
             </a:fld>
             <a:endParaRPr lang="ru-RU"/>
           </a:p>
@@ -2385,9 +6218,9 @@
           <a:bodyPr/>
           <a:lstStyle/>
           <a:p>
-            <a:fld id="{6563BB88-BC98-4B06-BD02-335ED59505D4}" type="datetimeFigureOut">
+            <a:fld id="{1453C60F-CBCD-49B9-8416-FAF4714DD82C}" type="datetime1">
               <a:rPr lang="ru-RU" smtClean="0"/>
-              <a:t>27.01.2024</a:t>
+              <a:t>28.01.2024</a:t>
             </a:fld>
             <a:endParaRPr lang="ru-RU"/>
           </a:p>
@@ -2498,9 +6331,9 @@
           <a:bodyPr/>
           <a:lstStyle/>
           <a:p>
-            <a:fld id="{6563BB88-BC98-4B06-BD02-335ED59505D4}" type="datetimeFigureOut">
+            <a:fld id="{83381648-126C-463F-8037-AD0E78E67EF4}" type="datetime1">
               <a:rPr lang="ru-RU" smtClean="0"/>
-              <a:t>27.01.2024</a:t>
+              <a:t>28.01.2024</a:t>
             </a:fld>
             <a:endParaRPr lang="ru-RU"/>
           </a:p>
@@ -2809,9 +6642,9 @@
           <a:bodyPr/>
           <a:lstStyle/>
           <a:p>
-            <a:fld id="{6563BB88-BC98-4B06-BD02-335ED59505D4}" type="datetimeFigureOut">
+            <a:fld id="{4C80CA13-B7B6-4ECF-AE86-66E6443C1526}" type="datetime1">
               <a:rPr lang="ru-RU" smtClean="0"/>
-              <a:t>27.01.2024</a:t>
+              <a:t>28.01.2024</a:t>
             </a:fld>
             <a:endParaRPr lang="ru-RU"/>
           </a:p>
@@ -3097,9 +6930,9 @@
           <a:bodyPr/>
           <a:lstStyle/>
           <a:p>
-            <a:fld id="{6563BB88-BC98-4B06-BD02-335ED59505D4}" type="datetimeFigureOut">
+            <a:fld id="{AD8A1B32-F076-46AD-B0E9-E5041FB1E2D6}" type="datetime1">
               <a:rPr lang="ru-RU" smtClean="0"/>
-              <a:t>27.01.2024</a:t>
+              <a:t>28.01.2024</a:t>
             </a:fld>
             <a:endParaRPr lang="ru-RU"/>
           </a:p>
@@ -3338,9 +7171,9 @@
             </a:lvl1pPr>
           </a:lstStyle>
           <a:p>
-            <a:fld id="{6563BB88-BC98-4B06-BD02-335ED59505D4}" type="datetimeFigureOut">
+            <a:fld id="{E1BE8CA9-02FB-4AA4-B357-A61A58EA9B55}" type="datetime1">
               <a:rPr lang="ru-RU" smtClean="0"/>
-              <a:t>27.01.2024</a:t>
+              <a:t>28.01.2024</a:t>
             </a:fld>
             <a:endParaRPr lang="ru-RU"/>
           </a:p>
@@ -3457,6 +7290,7 @@
     <p:sldLayoutId id="2147483658" r:id="rId10"/>
     <p:sldLayoutId id="2147483659" r:id="rId11"/>
   </p:sldLayoutIdLst>
+  <p:hf hdr="0" ftr="0" dt="0"/>
   <p:txStyles>
     <p:titleStyle>
       <a:lvl1pPr algn="l" defTabSz="914400" rtl="0" eaLnBrk="1" latinLnBrk="0" hangingPunct="1">
@@ -3836,7 +7670,7 @@
           <a:p>
             <a:pPr algn="l"/>
             <a:r>
-              <a:rPr lang="ru-RU" sz="2800" u="sng" dirty="0">
+              <a:rPr lang="ru-RU" sz="2800" b="1" u="sng" dirty="0">
                 <a:latin typeface="Bahnschrift Light" panose="020B0502040204020203" pitchFamily="34" charset="0"/>
               </a:rPr>
               <a:t>Выполнила</a:t>
@@ -3863,7 +7697,7 @@
           <a:p>
             <a:pPr algn="l"/>
             <a:r>
-              <a:rPr lang="ru-RU" sz="2800" u="sng" dirty="0">
+              <a:rPr lang="ru-RU" sz="2800" b="1" u="sng" dirty="0">
                 <a:latin typeface="Bahnschrift Light" panose="020B0502040204020203" pitchFamily="34" charset="0"/>
               </a:rPr>
               <a:t>Руководитель</a:t>
@@ -3885,33 +7719,6 @@
                 <a:latin typeface="Bahnschrift Light" panose="020B0502040204020203" pitchFamily="34" charset="0"/>
               </a:rPr>
               <a:t>	Усков Г. К.</a:t>
-            </a:r>
-          </a:p>
-          <a:p>
-            <a:pPr algn="l"/>
-            <a:r>
-              <a:rPr lang="ru-RU" sz="2800" u="sng" dirty="0">
-                <a:latin typeface="Bahnschrift Light" panose="020B0502040204020203" pitchFamily="34" charset="0"/>
-              </a:rPr>
-              <a:t>Консультант</a:t>
-            </a:r>
-            <a:r>
-              <a:rPr lang="ru-RU" sz="2800" dirty="0">
-                <a:latin typeface="Bahnschrift Light" panose="020B0502040204020203" pitchFamily="34" charset="0"/>
-              </a:rPr>
-              <a:t>: </a:t>
-            </a:r>
-            <a:r>
-              <a:rPr lang="en-US" sz="2800" dirty="0">
-                <a:latin typeface="Bahnschrift Light" panose="020B0502040204020203" pitchFamily="34" charset="0"/>
-              </a:rPr>
-              <a:t>	</a:t>
-            </a:r>
-            <a:r>
-              <a:rPr lang="ru-RU" sz="2800" dirty="0">
-                <a:latin typeface="Bahnschrift Light" panose="020B0502040204020203" pitchFamily="34" charset="0"/>
-              </a:rPr>
-              <a:t>	Елфимов А. Е.</a:t>
             </a:r>
           </a:p>
         </p:txBody>
@@ -5071,7 +8878,7 @@
         </p:blipFill>
         <p:spPr>
           <a:xfrm>
-            <a:off x="10838046" y="16839"/>
+            <a:off x="3116593" y="153010"/>
             <a:ext cx="1203160" cy="929487"/>
           </a:xfrm>
           <a:prstGeom prst="rect">
@@ -5127,26 +8934,28 @@
         </p:nvSpPr>
         <p:spPr>
           <a:xfrm>
-            <a:off x="838200" y="549405"/>
+            <a:off x="838200" y="727100"/>
             <a:ext cx="10515600" cy="5759191"/>
           </a:xfrm>
         </p:spPr>
         <p:txBody>
-          <a:bodyPr/>
+          <a:bodyPr>
+            <a:normAutofit/>
+          </a:bodyPr>
           <a:lstStyle/>
           <a:p>
             <a:pPr marL="0" indent="0" algn="just">
               <a:buNone/>
             </a:pPr>
             <a:r>
-              <a:rPr lang="ru-RU" u="sng" dirty="0"/>
+              <a:rPr lang="ru-RU" sz="3200" u="sng" dirty="0"/>
               <a:t>Цель</a:t>
             </a:r>
             <a:r>
-              <a:rPr lang="ru-RU" dirty="0"/>
-              <a:t>: благородная</a:t>
-            </a:r>
-            <a:endParaRPr lang="ru-RU" dirty="0">
+              <a:rPr lang="ru-RU" sz="3200" dirty="0"/>
+              <a:t>: разработка нового подхода к измерению параметров ДНЗ для получения более точной модели. </a:t>
+            </a:r>
+            <a:endParaRPr lang="ru-RU" sz="3200" dirty="0">
               <a:solidFill>
                 <a:srgbClr val="FF0000"/>
               </a:solidFill>
@@ -5156,59 +8965,49 @@
             <a:pPr marL="0" indent="0" algn="just">
               <a:buNone/>
             </a:pPr>
-            <a:endParaRPr lang="ru-RU" dirty="0"/>
+            <a:endParaRPr lang="ru-RU" sz="3200" dirty="0"/>
           </a:p>
           <a:p>
             <a:pPr marL="0" indent="0" algn="just">
               <a:buNone/>
             </a:pPr>
             <a:r>
-              <a:rPr lang="ru-RU" u="sng" dirty="0"/>
+              <a:rPr lang="ru-RU" sz="3200" u="sng" dirty="0"/>
               <a:t>Задачи</a:t>
             </a:r>
             <a:r>
-              <a:rPr lang="ru-RU" dirty="0"/>
+              <a:rPr lang="ru-RU" sz="3200" dirty="0"/>
               <a:t>:</a:t>
             </a:r>
           </a:p>
           <a:p>
-            <a:pPr marL="457200" indent="-457200" algn="just">
-              <a:buFont typeface="Arial" panose="020B0604020202020204" pitchFamily="34" charset="0"/>
-              <a:buChar char="•"/>
+            <a:pPr marL="514350" indent="-514350" algn="just">
+              <a:buFont typeface="+mj-lt"/>
+              <a:buAutoNum type="arabicPeriod"/>
             </a:pPr>
             <a:r>
-              <a:rPr lang="ru-RU" dirty="0"/>
-              <a:t>Первая</a:t>
-            </a:r>
-          </a:p>
-          <a:p>
-            <a:pPr marL="457200" indent="-457200" algn="just">
-              <a:buFont typeface="Arial" panose="020B0604020202020204" pitchFamily="34" charset="0"/>
-              <a:buChar char="•"/>
+              <a:rPr lang="ru-RU" sz="3200" dirty="0"/>
+              <a:t>определение существующих методик к моделированию ДНЗ и способов определения их параметров; определение их преимуществ и недостатков для достижения поставленной цели;</a:t>
+            </a:r>
+          </a:p>
+          <a:p>
+            <a:pPr marL="514350" indent="-514350" algn="just">
+              <a:buFont typeface="+mj-lt"/>
+              <a:buAutoNum type="arabicPeriod"/>
             </a:pPr>
             <a:r>
-              <a:rPr lang="ru-RU" dirty="0"/>
-              <a:t>Вторая</a:t>
-            </a:r>
-          </a:p>
-          <a:p>
-            <a:pPr marL="457200" indent="-457200" algn="just">
-              <a:buFont typeface="Arial" panose="020B0604020202020204" pitchFamily="34" charset="0"/>
-              <a:buChar char="•"/>
+              <a:rPr lang="ru-RU" sz="3200" dirty="0"/>
+              <a:t>разработка нового подхода к измерению параметров ДНЗ;</a:t>
+            </a:r>
+          </a:p>
+          <a:p>
+            <a:pPr marL="514350" indent="-514350" algn="just">
+              <a:buFont typeface="+mj-lt"/>
+              <a:buAutoNum type="arabicPeriod"/>
             </a:pPr>
             <a:r>
-              <a:rPr lang="ru-RU" dirty="0"/>
-              <a:t>Третья</a:t>
-            </a:r>
-          </a:p>
-          <a:p>
-            <a:pPr marL="457200" indent="-457200" algn="just">
-              <a:buFont typeface="Arial" panose="020B0604020202020204" pitchFamily="34" charset="0"/>
-              <a:buChar char="•"/>
-            </a:pPr>
-            <a:r>
-              <a:rPr lang="ru-RU" dirty="0"/>
-              <a:t>Последняя</a:t>
+              <a:rPr lang="ru-RU" sz="3200" dirty="0"/>
+              <a:t>моделирование и изготовление измерительной схемы на основе предложенной методологии. </a:t>
             </a:r>
           </a:p>
         </p:txBody>
@@ -5289,21 +9088,321 @@
             <p:ph type="title"/>
           </p:nvPr>
         </p:nvSpPr>
-        <p:spPr/>
+        <p:spPr>
+          <a:xfrm>
+            <a:off x="838200" y="-200483"/>
+            <a:ext cx="10515600" cy="1325563"/>
+          </a:xfrm>
+        </p:spPr>
         <p:txBody>
           <a:bodyPr/>
           <a:lstStyle/>
           <a:p>
-            <a:endParaRPr lang="ru-RU"/>
+            <a:pPr algn="ctr"/>
+            <a:r>
+              <a:rPr lang="ru-RU" dirty="0"/>
+              <a:t>Подходы к моделированию ДНЗ</a:t>
+            </a:r>
           </a:p>
         </p:txBody>
       </p:sp>
       <p:sp>
         <p:nvSpPr>
-          <p:cNvPr id="3" name="Объект 2">
+          <p:cNvPr id="4" name="Стрелка: вниз 3">
             <a:extLst>
               <a:ext uri="{FF2B5EF4-FFF2-40B4-BE49-F238E27FC236}">
-                <a16:creationId xmlns:a16="http://schemas.microsoft.com/office/drawing/2014/main" id="{5ECDE323-8420-44BE-BB7E-BADF8D6D0245}"/>
+                <a16:creationId xmlns:a16="http://schemas.microsoft.com/office/drawing/2014/main" id="{C6F0DA7B-DF18-4A40-B837-3609338513E3}"/>
+              </a:ext>
+            </a:extLst>
+          </p:cNvPr>
+          <p:cNvSpPr/>
+          <p:nvPr/>
+        </p:nvSpPr>
+        <p:spPr>
+          <a:xfrm rot="3281430">
+            <a:off x="1819373" y="603317"/>
+            <a:ext cx="452486" cy="1187777"/>
+          </a:xfrm>
+          <a:prstGeom prst="downArrow">
+            <a:avLst/>
+          </a:prstGeom>
+        </p:spPr>
+        <p:style>
+          <a:lnRef idx="2">
+            <a:schemeClr val="accent5">
+              <a:shade val="50000"/>
+            </a:schemeClr>
+          </a:lnRef>
+          <a:fillRef idx="1">
+            <a:schemeClr val="accent5"/>
+          </a:fillRef>
+          <a:effectRef idx="0">
+            <a:schemeClr val="accent5"/>
+          </a:effectRef>
+          <a:fontRef idx="minor">
+            <a:schemeClr val="lt1"/>
+          </a:fontRef>
+        </p:style>
+        <p:txBody>
+          <a:bodyPr rtlCol="0" anchor="ctr"/>
+          <a:lstStyle/>
+          <a:p>
+            <a:pPr algn="ctr"/>
+            <a:endParaRPr lang="ru-RU"/>
+          </a:p>
+        </p:txBody>
+      </p:sp>
+      <p:sp>
+        <p:nvSpPr>
+          <p:cNvPr id="5" name="Стрелка: вниз 4">
+            <a:extLst>
+              <a:ext uri="{FF2B5EF4-FFF2-40B4-BE49-F238E27FC236}">
+                <a16:creationId xmlns:a16="http://schemas.microsoft.com/office/drawing/2014/main" id="{F0C9D782-6881-4104-956B-8B00CB583D5B}"/>
+              </a:ext>
+            </a:extLst>
+          </p:cNvPr>
+          <p:cNvSpPr/>
+          <p:nvPr/>
+        </p:nvSpPr>
+        <p:spPr>
+          <a:xfrm rot="18318570" flipH="1">
+            <a:off x="9920140" y="586085"/>
+            <a:ext cx="452486" cy="1187777"/>
+          </a:xfrm>
+          <a:prstGeom prst="downArrow">
+            <a:avLst/>
+          </a:prstGeom>
+        </p:spPr>
+        <p:style>
+          <a:lnRef idx="2">
+            <a:schemeClr val="accent5">
+              <a:shade val="50000"/>
+            </a:schemeClr>
+          </a:lnRef>
+          <a:fillRef idx="1">
+            <a:schemeClr val="accent5"/>
+          </a:fillRef>
+          <a:effectRef idx="0">
+            <a:schemeClr val="accent5"/>
+          </a:effectRef>
+          <a:fontRef idx="minor">
+            <a:schemeClr val="lt1"/>
+          </a:fontRef>
+        </p:style>
+        <p:txBody>
+          <a:bodyPr rtlCol="0" anchor="ctr"/>
+          <a:lstStyle/>
+          <a:p>
+            <a:pPr algn="ctr"/>
+            <a:endParaRPr lang="ru-RU"/>
+          </a:p>
+        </p:txBody>
+      </p:sp>
+      <p:sp>
+        <p:nvSpPr>
+          <p:cNvPr id="6" name="Стрелка: вниз 5">
+            <a:extLst>
+              <a:ext uri="{FF2B5EF4-FFF2-40B4-BE49-F238E27FC236}">
+                <a16:creationId xmlns:a16="http://schemas.microsoft.com/office/drawing/2014/main" id="{60D0FDFB-C3EB-450A-9117-C4355472BC0C}"/>
+              </a:ext>
+            </a:extLst>
+          </p:cNvPr>
+          <p:cNvSpPr/>
+          <p:nvPr/>
+        </p:nvSpPr>
+        <p:spPr>
+          <a:xfrm>
+            <a:off x="5869757" y="831198"/>
+            <a:ext cx="452486" cy="1187777"/>
+          </a:xfrm>
+          <a:prstGeom prst="downArrow">
+            <a:avLst/>
+          </a:prstGeom>
+        </p:spPr>
+        <p:style>
+          <a:lnRef idx="2">
+            <a:schemeClr val="accent5">
+              <a:shade val="50000"/>
+            </a:schemeClr>
+          </a:lnRef>
+          <a:fillRef idx="1">
+            <a:schemeClr val="accent5"/>
+          </a:fillRef>
+          <a:effectRef idx="0">
+            <a:schemeClr val="accent5"/>
+          </a:effectRef>
+          <a:fontRef idx="minor">
+            <a:schemeClr val="lt1"/>
+          </a:fontRef>
+        </p:style>
+        <p:txBody>
+          <a:bodyPr rtlCol="0" anchor="ctr"/>
+          <a:lstStyle/>
+          <a:p>
+            <a:pPr algn="ctr"/>
+            <a:endParaRPr lang="ru-RU"/>
+          </a:p>
+        </p:txBody>
+      </p:sp>
+      <p:sp>
+        <p:nvSpPr>
+          <p:cNvPr id="7" name="TextBox 6">
+            <a:extLst>
+              <a:ext uri="{FF2B5EF4-FFF2-40B4-BE49-F238E27FC236}">
+                <a16:creationId xmlns:a16="http://schemas.microsoft.com/office/drawing/2014/main" id="{F68DCECE-83B6-444C-A5A4-4F9644B0431C}"/>
+              </a:ext>
+            </a:extLst>
+          </p:cNvPr>
+          <p:cNvSpPr txBox="1"/>
+          <p:nvPr/>
+        </p:nvSpPr>
+        <p:spPr>
+          <a:xfrm>
+            <a:off x="838199" y="1707861"/>
+            <a:ext cx="1970989" cy="830997"/>
+          </a:xfrm>
+          <a:prstGeom prst="rect">
+            <a:avLst/>
+          </a:prstGeom>
+          <a:noFill/>
+        </p:spPr>
+        <p:txBody>
+          <a:bodyPr wrap="square" rtlCol="0">
+            <a:spAutoFit/>
+          </a:bodyPr>
+          <a:lstStyle/>
+          <a:p>
+            <a:pPr algn="ctr"/>
+            <a:r>
+              <a:rPr lang="ru-RU" sz="2400" dirty="0">
+                <a:latin typeface="Bahnschrift" panose="020B0502040204020203" pitchFamily="34" charset="0"/>
+              </a:rPr>
+              <a:t>На основе </a:t>
+            </a:r>
+            <a:br>
+              <a:rPr lang="ru-RU" sz="2400" dirty="0">
+                <a:latin typeface="Bahnschrift" panose="020B0502040204020203" pitchFamily="34" charset="0"/>
+              </a:rPr>
+            </a:br>
+            <a:r>
+              <a:rPr lang="en-US" sz="2400" dirty="0">
+                <a:latin typeface="Bahnschrift" panose="020B0502040204020203" pitchFamily="34" charset="0"/>
+              </a:rPr>
+              <a:t>PIN-</a:t>
+            </a:r>
+            <a:r>
+              <a:rPr lang="ru-RU" sz="2400" dirty="0">
+                <a:latin typeface="Bahnschrift" panose="020B0502040204020203" pitchFamily="34" charset="0"/>
+              </a:rPr>
+              <a:t>диода</a:t>
+            </a:r>
+          </a:p>
+        </p:txBody>
+      </p:sp>
+      <p:sp>
+        <p:nvSpPr>
+          <p:cNvPr id="8" name="TextBox 7">
+            <a:extLst>
+              <a:ext uri="{FF2B5EF4-FFF2-40B4-BE49-F238E27FC236}">
+                <a16:creationId xmlns:a16="http://schemas.microsoft.com/office/drawing/2014/main" id="{6D473015-C3CA-4E00-BF86-259D61AD78EC}"/>
+              </a:ext>
+            </a:extLst>
+          </p:cNvPr>
+          <p:cNvSpPr txBox="1"/>
+          <p:nvPr/>
+        </p:nvSpPr>
+        <p:spPr>
+          <a:xfrm>
+            <a:off x="4904006" y="2123359"/>
+            <a:ext cx="2383987" cy="830997"/>
+          </a:xfrm>
+          <a:prstGeom prst="rect">
+            <a:avLst/>
+          </a:prstGeom>
+          <a:noFill/>
+        </p:spPr>
+        <p:txBody>
+          <a:bodyPr wrap="none" rtlCol="0">
+            <a:spAutoFit/>
+          </a:bodyPr>
+          <a:lstStyle/>
+          <a:p>
+            <a:pPr algn="ctr"/>
+            <a:r>
+              <a:rPr lang="ru-RU" sz="2400" dirty="0">
+                <a:latin typeface="Bahnschrift" panose="020B0502040204020203" pitchFamily="34" charset="0"/>
+              </a:rPr>
+              <a:t>Эквивалентная</a:t>
+            </a:r>
+            <a:br>
+              <a:rPr lang="ru-RU" sz="2400" dirty="0">
+                <a:latin typeface="Bahnschrift" panose="020B0502040204020203" pitchFamily="34" charset="0"/>
+              </a:rPr>
+            </a:br>
+            <a:r>
+              <a:rPr lang="ru-RU" sz="2400" dirty="0">
+                <a:latin typeface="Bahnschrift" panose="020B0502040204020203" pitchFamily="34" charset="0"/>
+              </a:rPr>
+              <a:t>схема</a:t>
+            </a:r>
+          </a:p>
+        </p:txBody>
+      </p:sp>
+      <p:sp>
+        <p:nvSpPr>
+          <p:cNvPr id="9" name="TextBox 8">
+            <a:extLst>
+              <a:ext uri="{FF2B5EF4-FFF2-40B4-BE49-F238E27FC236}">
+                <a16:creationId xmlns:a16="http://schemas.microsoft.com/office/drawing/2014/main" id="{86D315C8-CAFA-48D1-8786-739CF8CAB0C7}"/>
+              </a:ext>
+            </a:extLst>
+          </p:cNvPr>
+          <p:cNvSpPr txBox="1"/>
+          <p:nvPr/>
+        </p:nvSpPr>
+        <p:spPr>
+          <a:xfrm>
+            <a:off x="9625482" y="1729433"/>
+            <a:ext cx="1781257" cy="830997"/>
+          </a:xfrm>
+          <a:prstGeom prst="rect">
+            <a:avLst/>
+          </a:prstGeom>
+          <a:noFill/>
+        </p:spPr>
+        <p:txBody>
+          <a:bodyPr wrap="none" rtlCol="0">
+            <a:spAutoFit/>
+          </a:bodyPr>
+          <a:lstStyle/>
+          <a:p>
+            <a:pPr algn="ctr"/>
+            <a:r>
+              <a:rPr lang="ru-RU" sz="2400" dirty="0">
+                <a:latin typeface="Bahnschrift" panose="020B0502040204020203" pitchFamily="34" charset="0"/>
+              </a:rPr>
+              <a:t>Зарядовый</a:t>
+            </a:r>
+            <a:br>
+              <a:rPr lang="ru-RU" sz="2400" dirty="0">
+                <a:latin typeface="Bahnschrift" panose="020B0502040204020203" pitchFamily="34" charset="0"/>
+              </a:rPr>
+            </a:br>
+            <a:r>
+              <a:rPr lang="ru-RU" sz="2400" dirty="0">
+                <a:latin typeface="Bahnschrift" panose="020B0502040204020203" pitchFamily="34" charset="0"/>
+              </a:rPr>
+              <a:t>подход</a:t>
+            </a:r>
+          </a:p>
+        </p:txBody>
+      </p:sp>
+      <p:sp>
+        <p:nvSpPr>
+          <p:cNvPr id="12" name="Номер слайда 11">
+            <a:extLst>
+              <a:ext uri="{FF2B5EF4-FFF2-40B4-BE49-F238E27FC236}">
+                <a16:creationId xmlns:a16="http://schemas.microsoft.com/office/drawing/2014/main" id="{A3C1B0D1-4403-4425-8ED4-EA93B20C06A0}"/>
               </a:ext>
             </a:extLst>
           </p:cNvPr>
@@ -5311,7 +9410,7 @@
             <a:spLocks noGrp="1"/>
           </p:cNvSpPr>
           <p:nvPr>
-            <p:ph idx="1"/>
+            <p:ph type="sldNum" sz="quarter" idx="12"/>
           </p:nvPr>
         </p:nvSpPr>
         <p:spPr/>
@@ -5319,7 +9418,330 @@
           <a:bodyPr/>
           <a:lstStyle/>
           <a:p>
-            <a:endParaRPr lang="ru-RU"/>
+            <a:fld id="{7452BA21-2A91-410D-B1C7-2CD52BF95B49}" type="slidenum">
+              <a:rPr lang="ru-RU" smtClean="0"/>
+              <a:pPr/>
+              <a:t>3</a:t>
+            </a:fld>
+            <a:endParaRPr lang="ru-RU" dirty="0"/>
+          </a:p>
+        </p:txBody>
+      </p:sp>
+      <p:sp>
+        <p:nvSpPr>
+          <p:cNvPr id="13" name="TextBox 12">
+            <a:extLst>
+              <a:ext uri="{FF2B5EF4-FFF2-40B4-BE49-F238E27FC236}">
+                <a16:creationId xmlns:a16="http://schemas.microsoft.com/office/drawing/2014/main" id="{39CB9ADD-33F4-41C2-B2F9-89A04ECCEDCE}"/>
+              </a:ext>
+            </a:extLst>
+          </p:cNvPr>
+          <p:cNvSpPr txBox="1"/>
+          <p:nvPr/>
+        </p:nvSpPr>
+        <p:spPr>
+          <a:xfrm>
+            <a:off x="8613568" y="2804414"/>
+            <a:ext cx="3805084" cy="2585323"/>
+          </a:xfrm>
+          <a:prstGeom prst="rect">
+            <a:avLst/>
+          </a:prstGeom>
+          <a:noFill/>
+        </p:spPr>
+        <p:txBody>
+          <a:bodyPr wrap="square" rtlCol="0">
+            <a:spAutoFit/>
+          </a:bodyPr>
+          <a:lstStyle/>
+          <a:p>
+            <a:r>
+              <a:rPr lang="ru-RU" u="sng" dirty="0">
+                <a:latin typeface="Bahnschrift" panose="020B0502040204020203" pitchFamily="34" charset="0"/>
+              </a:rPr>
+              <a:t>Преимущества:</a:t>
+            </a:r>
+          </a:p>
+          <a:p>
+            <a:pPr marL="285750" indent="-285750">
+              <a:buFont typeface="Arial" panose="020B0604020202020204" pitchFamily="34" charset="0"/>
+              <a:buChar char="•"/>
+            </a:pPr>
+            <a:r>
+              <a:rPr lang="ru-RU" dirty="0">
+                <a:latin typeface="Bahnschrift" panose="020B0502040204020203" pitchFamily="34" charset="0"/>
+              </a:rPr>
+              <a:t>Учитывает большинство эффектов</a:t>
+            </a:r>
+          </a:p>
+          <a:p>
+            <a:pPr marL="285750" indent="-285750">
+              <a:buFont typeface="Arial" panose="020B0604020202020204" pitchFamily="34" charset="0"/>
+              <a:buChar char="•"/>
+            </a:pPr>
+            <a:r>
+              <a:rPr lang="ru-RU" dirty="0">
+                <a:latin typeface="Bahnschrift" panose="020B0502040204020203" pitchFamily="34" charset="0"/>
+              </a:rPr>
+              <a:t>Дает точные результаты</a:t>
+            </a:r>
+          </a:p>
+          <a:p>
+            <a:pPr marL="285750" indent="-285750">
+              <a:buFont typeface="Arial" panose="020B0604020202020204" pitchFamily="34" charset="0"/>
+              <a:buChar char="•"/>
+            </a:pPr>
+            <a:endParaRPr lang="ru-RU" dirty="0">
+              <a:latin typeface="Bahnschrift" panose="020B0502040204020203" pitchFamily="34" charset="0"/>
+            </a:endParaRPr>
+          </a:p>
+          <a:p>
+            <a:r>
+              <a:rPr lang="ru-RU" u="sng" dirty="0">
+                <a:latin typeface="Bahnschrift" panose="020B0502040204020203" pitchFamily="34" charset="0"/>
+              </a:rPr>
+              <a:t>Недостатки:</a:t>
+            </a:r>
+          </a:p>
+          <a:p>
+            <a:pPr marL="285750" indent="-285750">
+              <a:buFont typeface="Arial" panose="020B0604020202020204" pitchFamily="34" charset="0"/>
+              <a:buChar char="•"/>
+            </a:pPr>
+            <a:r>
+              <a:rPr lang="ru-RU" dirty="0">
+                <a:latin typeface="Bahnschrift" panose="020B0502040204020203" pitchFamily="34" charset="0"/>
+              </a:rPr>
+              <a:t>Сложно применять при недостатке сведений  о конкретном ДНЗ</a:t>
+            </a:r>
+          </a:p>
+        </p:txBody>
+      </p:sp>
+      <p:sp>
+        <p:nvSpPr>
+          <p:cNvPr id="14" name="TextBox 13">
+            <a:extLst>
+              <a:ext uri="{FF2B5EF4-FFF2-40B4-BE49-F238E27FC236}">
+                <a16:creationId xmlns:a16="http://schemas.microsoft.com/office/drawing/2014/main" id="{C51E323F-54AD-4E8E-A555-7857BB50E5E5}"/>
+              </a:ext>
+            </a:extLst>
+          </p:cNvPr>
+          <p:cNvSpPr txBox="1"/>
+          <p:nvPr/>
+        </p:nvSpPr>
+        <p:spPr>
+          <a:xfrm>
+            <a:off x="4419701" y="3211690"/>
+            <a:ext cx="3805084" cy="2308324"/>
+          </a:xfrm>
+          <a:prstGeom prst="rect">
+            <a:avLst/>
+          </a:prstGeom>
+          <a:noFill/>
+        </p:spPr>
+        <p:txBody>
+          <a:bodyPr wrap="square" rtlCol="0">
+            <a:spAutoFit/>
+          </a:bodyPr>
+          <a:lstStyle/>
+          <a:p>
+            <a:r>
+              <a:rPr lang="ru-RU" u="sng" dirty="0">
+                <a:latin typeface="Bahnschrift" panose="020B0502040204020203" pitchFamily="34" charset="0"/>
+              </a:rPr>
+              <a:t>Преимущества:</a:t>
+            </a:r>
+          </a:p>
+          <a:p>
+            <a:pPr marL="285750" indent="-285750">
+              <a:buFont typeface="Arial" panose="020B0604020202020204" pitchFamily="34" charset="0"/>
+              <a:buChar char="•"/>
+            </a:pPr>
+            <a:r>
+              <a:rPr lang="ru-RU" dirty="0">
+                <a:latin typeface="Bahnschrift" panose="020B0502040204020203" pitchFamily="34" charset="0"/>
+              </a:rPr>
+              <a:t>Легкая реализация</a:t>
+            </a:r>
+          </a:p>
+          <a:p>
+            <a:pPr marL="285750" indent="-285750">
+              <a:buFont typeface="Arial" panose="020B0604020202020204" pitchFamily="34" charset="0"/>
+              <a:buChar char="•"/>
+            </a:pPr>
+            <a:r>
+              <a:rPr lang="ru-RU" dirty="0">
+                <a:latin typeface="Bahnschrift" panose="020B0502040204020203" pitchFamily="34" charset="0"/>
+              </a:rPr>
+              <a:t>Качественная оценка</a:t>
+            </a:r>
+          </a:p>
+          <a:p>
+            <a:pPr marL="285750" indent="-285750">
+              <a:buFont typeface="Arial" panose="020B0604020202020204" pitchFamily="34" charset="0"/>
+              <a:buChar char="•"/>
+            </a:pPr>
+            <a:endParaRPr lang="ru-RU" dirty="0">
+              <a:latin typeface="Bahnschrift" panose="020B0502040204020203" pitchFamily="34" charset="0"/>
+            </a:endParaRPr>
+          </a:p>
+          <a:p>
+            <a:r>
+              <a:rPr lang="ru-RU" u="sng" dirty="0">
+                <a:latin typeface="Bahnschrift" panose="020B0502040204020203" pitchFamily="34" charset="0"/>
+              </a:rPr>
+              <a:t>Недостатки:</a:t>
+            </a:r>
+          </a:p>
+          <a:p>
+            <a:pPr marL="285750" indent="-285750">
+              <a:buFont typeface="Arial" panose="020B0604020202020204" pitchFamily="34" charset="0"/>
+              <a:buChar char="•"/>
+            </a:pPr>
+            <a:r>
+              <a:rPr lang="ru-RU" dirty="0">
+                <a:latin typeface="Bahnschrift" panose="020B0502040204020203" pitchFamily="34" charset="0"/>
+              </a:rPr>
+              <a:t>Не учитывает эффекты в полупроводниковой структуре</a:t>
+            </a:r>
+          </a:p>
+          <a:p>
+            <a:pPr marL="285750" indent="-285750">
+              <a:buFont typeface="Arial" panose="020B0604020202020204" pitchFamily="34" charset="0"/>
+              <a:buChar char="•"/>
+            </a:pPr>
+            <a:r>
+              <a:rPr lang="ru-RU" dirty="0">
+                <a:latin typeface="Bahnschrift" panose="020B0502040204020203" pitchFamily="34" charset="0"/>
+              </a:rPr>
+              <a:t>Не подходит для оптимизации</a:t>
+            </a:r>
+          </a:p>
+        </p:txBody>
+      </p:sp>
+      <p:sp>
+        <p:nvSpPr>
+          <p:cNvPr id="15" name="TextBox 14">
+            <a:extLst>
+              <a:ext uri="{FF2B5EF4-FFF2-40B4-BE49-F238E27FC236}">
+                <a16:creationId xmlns:a16="http://schemas.microsoft.com/office/drawing/2014/main" id="{692E1C73-93D4-491B-A118-9BEDEE7FE0B0}"/>
+              </a:ext>
+            </a:extLst>
+          </p:cNvPr>
+          <p:cNvSpPr txBox="1"/>
+          <p:nvPr/>
+        </p:nvSpPr>
+        <p:spPr>
+          <a:xfrm>
+            <a:off x="292408" y="2804414"/>
+            <a:ext cx="3805084" cy="2862322"/>
+          </a:xfrm>
+          <a:prstGeom prst="rect">
+            <a:avLst/>
+          </a:prstGeom>
+          <a:noFill/>
+        </p:spPr>
+        <p:txBody>
+          <a:bodyPr wrap="square" rtlCol="0">
+            <a:spAutoFit/>
+          </a:bodyPr>
+          <a:lstStyle/>
+          <a:p>
+            <a:r>
+              <a:rPr lang="ru-RU" u="sng" dirty="0">
+                <a:latin typeface="Bahnschrift" panose="020B0502040204020203" pitchFamily="34" charset="0"/>
+              </a:rPr>
+              <a:t>Преимущества:</a:t>
+            </a:r>
+          </a:p>
+          <a:p>
+            <a:pPr marL="285750" indent="-285750">
+              <a:buFont typeface="Arial" panose="020B0604020202020204" pitchFamily="34" charset="0"/>
+              <a:buChar char="•"/>
+            </a:pPr>
+            <a:r>
+              <a:rPr lang="ru-RU" dirty="0">
+                <a:latin typeface="Bahnschrift" panose="020B0502040204020203" pitchFamily="34" charset="0"/>
+              </a:rPr>
+              <a:t>Учитывает ряд эффектов</a:t>
+            </a:r>
+          </a:p>
+          <a:p>
+            <a:pPr marL="285750" indent="-285750">
+              <a:buFont typeface="Arial" panose="020B0604020202020204" pitchFamily="34" charset="0"/>
+              <a:buChar char="•"/>
+            </a:pPr>
+            <a:r>
+              <a:rPr lang="ru-RU" dirty="0">
+                <a:latin typeface="Bahnschrift" panose="020B0502040204020203" pitchFamily="34" charset="0"/>
+              </a:rPr>
+              <a:t>Качественное и количественное совпадение</a:t>
+            </a:r>
+          </a:p>
+          <a:p>
+            <a:pPr marL="285750" indent="-285750">
+              <a:buFont typeface="Arial" panose="020B0604020202020204" pitchFamily="34" charset="0"/>
+              <a:buChar char="•"/>
+            </a:pPr>
+            <a:r>
+              <a:rPr lang="ru-RU" dirty="0">
+                <a:latin typeface="Bahnschrift" panose="020B0502040204020203" pitchFamily="34" charset="0"/>
+              </a:rPr>
+              <a:t>Подходит для оптимизации</a:t>
+            </a:r>
+          </a:p>
+          <a:p>
+            <a:pPr marL="285750" indent="-285750">
+              <a:buFont typeface="Arial" panose="020B0604020202020204" pitchFamily="34" charset="0"/>
+              <a:buChar char="•"/>
+            </a:pPr>
+            <a:endParaRPr lang="ru-RU" dirty="0">
+              <a:latin typeface="Bahnschrift" panose="020B0502040204020203" pitchFamily="34" charset="0"/>
+            </a:endParaRPr>
+          </a:p>
+          <a:p>
+            <a:r>
+              <a:rPr lang="ru-RU" u="sng" dirty="0">
+                <a:latin typeface="Bahnschrift" panose="020B0502040204020203" pitchFamily="34" charset="0"/>
+              </a:rPr>
+              <a:t>Недостатки:</a:t>
+            </a:r>
+          </a:p>
+          <a:p>
+            <a:pPr marL="285750" indent="-285750">
+              <a:buFont typeface="Arial" panose="020B0604020202020204" pitchFamily="34" charset="0"/>
+              <a:buChar char="•"/>
+            </a:pPr>
+            <a:r>
+              <a:rPr lang="ru-RU" dirty="0">
+                <a:latin typeface="Bahnschrift" panose="020B0502040204020203" pitchFamily="34" charset="0"/>
+              </a:rPr>
+              <a:t>Различия в емкости и </a:t>
+            </a:r>
+            <a:r>
+              <a:rPr lang="en-US" dirty="0">
+                <a:latin typeface="Bahnschrift" panose="020B0502040204020203" pitchFamily="34" charset="0"/>
+              </a:rPr>
+              <a:t>I-</a:t>
+            </a:r>
+            <a:r>
+              <a:rPr lang="ru-RU" dirty="0">
+                <a:latin typeface="Bahnschrift" panose="020B0502040204020203" pitchFamily="34" charset="0"/>
+              </a:rPr>
+              <a:t>зоне</a:t>
+            </a:r>
+          </a:p>
+          <a:p>
+            <a:pPr marL="285750" indent="-285750">
+              <a:buFont typeface="Arial" panose="020B0604020202020204" pitchFamily="34" charset="0"/>
+              <a:buChar char="•"/>
+            </a:pPr>
+            <a:r>
+              <a:rPr lang="ru-RU" dirty="0">
+                <a:latin typeface="Bahnschrift" panose="020B0502040204020203" pitchFamily="34" charset="0"/>
+              </a:rPr>
+              <a:t>Некорректность в определенных режимах</a:t>
+            </a:r>
           </a:p>
         </p:txBody>
       </p:sp>
@@ -5353,109 +9775,59 @@
           <a:chExt cx="0" cy="0"/>
         </a:xfrm>
       </p:grpSpPr>
+      <p:sp>
+        <p:nvSpPr>
+          <p:cNvPr id="2" name="Заголовок 1">
+            <a:extLst>
+              <a:ext uri="{FF2B5EF4-FFF2-40B4-BE49-F238E27FC236}">
+                <a16:creationId xmlns:a16="http://schemas.microsoft.com/office/drawing/2014/main" id="{61272F61-E666-40A1-82FE-F38D489D2041}"/>
+              </a:ext>
+            </a:extLst>
+          </p:cNvPr>
+          <p:cNvSpPr>
+            <a:spLocks noGrp="1"/>
+          </p:cNvSpPr>
+          <p:nvPr>
+            <p:ph type="title"/>
+          </p:nvPr>
+        </p:nvSpPr>
+        <p:spPr>
+          <a:xfrm>
+            <a:off x="838200" y="203220"/>
+            <a:ext cx="10515600" cy="1325563"/>
+          </a:xfrm>
+        </p:spPr>
+        <p:txBody>
+          <a:bodyPr/>
+          <a:lstStyle/>
+          <a:p>
+            <a:pPr algn="ctr"/>
+            <a:r>
+              <a:rPr lang="ru-RU" dirty="0"/>
+              <a:t>Предложенная измерительная схема</a:t>
+            </a:r>
+          </a:p>
+        </p:txBody>
+      </p:sp>
       <p:pic>
         <p:nvPicPr>
-          <p:cNvPr id="2" name="Рисунок 1">
+          <p:cNvPr id="5" name="Рисунок 4">
             <a:extLst>
               <a:ext uri="{FF2B5EF4-FFF2-40B4-BE49-F238E27FC236}">
-                <a16:creationId xmlns:a16="http://schemas.microsoft.com/office/drawing/2014/main" id="{56FE74A5-959D-4821-9168-B3C07F12BE14}"/>
+                <a16:creationId xmlns:a16="http://schemas.microsoft.com/office/drawing/2014/main" id="{79BF0D45-A13B-4ED6-8D1F-EFB31167F1BC}"/>
               </a:ext>
             </a:extLst>
           </p:cNvPr>
-          <p:cNvPicPr/>
+          <p:cNvPicPr>
+            <a:picLocks noChangeAspect="1"/>
+          </p:cNvPicPr>
           <p:nvPr/>
         </p:nvPicPr>
-        <p:blipFill rotWithShape="1">
+        <p:blipFill>
           <a:blip r:embed="rId2">
             <a:extLst>
               <a:ext uri="{28A0092B-C50C-407E-A947-70E740481C1C}">
                 <a14:useLocalDpi xmlns:a14="http://schemas.microsoft.com/office/drawing/2010/main" val="0"/>
-              </a:ext>
-              <a:ext uri="{96DAC541-7B7A-43D3-8B79-37D633B846F1}">
-                <asvg:svgBlip xmlns:asvg="http://schemas.microsoft.com/office/drawing/2016/SVG/main" r:embed="rId3"/>
-              </a:ext>
-            </a:extLst>
-          </a:blip>
-          <a:srcRect b="2806"/>
-          <a:stretch/>
-        </p:blipFill>
-        <p:spPr bwMode="auto">
-          <a:xfrm>
-            <a:off x="1093695" y="412581"/>
-            <a:ext cx="3048000" cy="3394075"/>
-          </a:xfrm>
-          <a:prstGeom prst="rect">
-            <a:avLst/>
-          </a:prstGeom>
-          <a:ln>
-            <a:noFill/>
-          </a:ln>
-          <a:extLst>
-            <a:ext uri="{53640926-AAD7-44D8-BBD7-CCE9431645EC}">
-              <a14:shadowObscured xmlns:a14="http://schemas.microsoft.com/office/drawing/2010/main"/>
-            </a:ext>
-          </a:extLst>
-        </p:spPr>
-      </p:pic>
-      <p:pic>
-        <p:nvPicPr>
-          <p:cNvPr id="3" name="Рисунок 2">
-            <a:extLst>
-              <a:ext uri="{FF2B5EF4-FFF2-40B4-BE49-F238E27FC236}">
-                <a16:creationId xmlns:a16="http://schemas.microsoft.com/office/drawing/2014/main" id="{DC7C0401-6E31-4A38-90CF-361C8923D986}"/>
-              </a:ext>
-            </a:extLst>
-          </p:cNvPr>
-          <p:cNvPicPr/>
-          <p:nvPr/>
-        </p:nvPicPr>
-        <p:blipFill>
-          <a:blip r:embed="rId4">
-            <a:extLst>
-              <a:ext uri="{28A0092B-C50C-407E-A947-70E740481C1C}">
-                <a14:useLocalDpi xmlns:a14="http://schemas.microsoft.com/office/drawing/2010/main" val="0"/>
-              </a:ext>
-            </a:extLst>
-          </a:blip>
-          <a:srcRect/>
-          <a:stretch>
-            <a:fillRect/>
-          </a:stretch>
-        </p:blipFill>
-        <p:spPr bwMode="auto">
-          <a:xfrm rot="16200000">
-            <a:off x="4675323" y="3283686"/>
-            <a:ext cx="2464544" cy="3137106"/>
-          </a:xfrm>
-          <a:prstGeom prst="rect">
-            <a:avLst/>
-          </a:prstGeom>
-          <a:noFill/>
-          <a:ln>
-            <a:noFill/>
-          </a:ln>
-        </p:spPr>
-      </p:pic>
-      <p:pic>
-        <p:nvPicPr>
-          <p:cNvPr id="4" name="Рисунок 3">
-            <a:extLst>
-              <a:ext uri="{FF2B5EF4-FFF2-40B4-BE49-F238E27FC236}">
-                <a16:creationId xmlns:a16="http://schemas.microsoft.com/office/drawing/2014/main" id="{EE590442-826B-453E-B891-8EC2CF562FB5}"/>
-              </a:ext>
-            </a:extLst>
-          </p:cNvPr>
-          <p:cNvPicPr/>
-          <p:nvPr/>
-        </p:nvPicPr>
-        <p:blipFill>
-          <a:blip r:embed="rId5" cstate="print">
-            <a:extLst>
-              <a:ext uri="{28A0092B-C50C-407E-A947-70E740481C1C}">
-                <a14:useLocalDpi xmlns:a14="http://schemas.microsoft.com/office/drawing/2010/main" val="0"/>
-              </a:ext>
-              <a:ext uri="{96DAC541-7B7A-43D3-8B79-37D633B846F1}">
-                <asvg:svgBlip xmlns:asvg="http://schemas.microsoft.com/office/drawing/2016/SVG/main" r:embed="rId6"/>
               </a:ext>
             </a:extLst>
           </a:blip>
@@ -5465,8 +9837,44 @@
         </p:blipFill>
         <p:spPr>
           <a:xfrm>
-            <a:off x="7141583" y="599272"/>
-            <a:ext cx="4028440" cy="3020695"/>
+            <a:off x="913958" y="1345332"/>
+            <a:ext cx="4048125" cy="4638675"/>
+          </a:xfrm>
+          <a:prstGeom prst="rect">
+            <a:avLst/>
+          </a:prstGeom>
+        </p:spPr>
+      </p:pic>
+      <p:pic>
+        <p:nvPicPr>
+          <p:cNvPr id="7" name="Рисунок 6">
+            <a:extLst>
+              <a:ext uri="{FF2B5EF4-FFF2-40B4-BE49-F238E27FC236}">
+                <a16:creationId xmlns:a16="http://schemas.microsoft.com/office/drawing/2014/main" id="{0110A7CC-36CC-44E4-9FE4-AAF3A7B0776C}"/>
+              </a:ext>
+            </a:extLst>
+          </p:cNvPr>
+          <p:cNvPicPr>
+            <a:picLocks noChangeAspect="1"/>
+          </p:cNvPicPr>
+          <p:nvPr/>
+        </p:nvPicPr>
+        <p:blipFill>
+          <a:blip r:embed="rId3">
+            <a:extLst>
+              <a:ext uri="{28A0092B-C50C-407E-A947-70E740481C1C}">
+                <a14:useLocalDpi xmlns:a14="http://schemas.microsoft.com/office/drawing/2010/main" val="0"/>
+              </a:ext>
+            </a:extLst>
+          </a:blip>
+          <a:stretch>
+            <a:fillRect/>
+          </a:stretch>
+        </p:blipFill>
+        <p:spPr>
+          <a:xfrm>
+            <a:off x="6355996" y="1528783"/>
+            <a:ext cx="4922046" cy="4432464"/>
           </a:xfrm>
           <a:prstGeom prst="rect">
             <a:avLst/>
@@ -5475,10 +9883,40 @@
       </p:pic>
       <p:sp>
         <p:nvSpPr>
-          <p:cNvPr id="5" name="TextBox 4">
+          <p:cNvPr id="8" name="Номер слайда 7">
             <a:extLst>
               <a:ext uri="{FF2B5EF4-FFF2-40B4-BE49-F238E27FC236}">
-                <a16:creationId xmlns:a16="http://schemas.microsoft.com/office/drawing/2014/main" id="{EF108878-E2CD-4BA9-A955-406C5253C032}"/>
+                <a16:creationId xmlns:a16="http://schemas.microsoft.com/office/drawing/2014/main" id="{F1D880E2-8486-43E3-A458-CED03C81572C}"/>
+              </a:ext>
+            </a:extLst>
+          </p:cNvPr>
+          <p:cNvSpPr>
+            <a:spLocks noGrp="1"/>
+          </p:cNvSpPr>
+          <p:nvPr>
+            <p:ph type="sldNum" sz="quarter" idx="12"/>
+          </p:nvPr>
+        </p:nvSpPr>
+        <p:spPr/>
+        <p:txBody>
+          <a:bodyPr/>
+          <a:lstStyle/>
+          <a:p>
+            <a:fld id="{7452BA21-2A91-410D-B1C7-2CD52BF95B49}" type="slidenum">
+              <a:rPr lang="ru-RU" smtClean="0"/>
+              <a:pPr/>
+              <a:t>4</a:t>
+            </a:fld>
+            <a:endParaRPr lang="ru-RU" dirty="0"/>
+          </a:p>
+        </p:txBody>
+      </p:sp>
+      <p:sp>
+        <p:nvSpPr>
+          <p:cNvPr id="9" name="TextBox 8">
+            <a:extLst>
+              <a:ext uri="{FF2B5EF4-FFF2-40B4-BE49-F238E27FC236}">
+                <a16:creationId xmlns:a16="http://schemas.microsoft.com/office/drawing/2014/main" id="{6F9B59CA-9169-40EA-B043-BA4FC7BAC98F}"/>
               </a:ext>
             </a:extLst>
           </p:cNvPr>
@@ -5487,8 +9925,8 @@
         </p:nvSpPr>
         <p:spPr>
           <a:xfrm>
-            <a:off x="772039" y="3806656"/>
-            <a:ext cx="3639138" cy="369332"/>
+            <a:off x="639097" y="5799341"/>
+            <a:ext cx="4416594" cy="369332"/>
           </a:xfrm>
           <a:prstGeom prst="rect">
             <a:avLst/>
@@ -5505,17 +9943,17 @@
               <a:rPr lang="ru-RU" dirty="0">
                 <a:latin typeface="Bahnschrift Light" panose="020B0502040204020203" pitchFamily="34" charset="0"/>
               </a:rPr>
-              <a:t>Рис. ???. Принципиальная схема</a:t>
+              <a:t>Рис. 1. Схема измерительной установки</a:t>
             </a:r>
           </a:p>
         </p:txBody>
       </p:sp>
       <p:sp>
         <p:nvSpPr>
-          <p:cNvPr id="7" name="TextBox 6">
+          <p:cNvPr id="10" name="TextBox 9">
             <a:extLst>
               <a:ext uri="{FF2B5EF4-FFF2-40B4-BE49-F238E27FC236}">
-                <a16:creationId xmlns:a16="http://schemas.microsoft.com/office/drawing/2014/main" id="{F0695748-ADEA-4B13-A3F1-25300D66DA36}"/>
+                <a16:creationId xmlns:a16="http://schemas.microsoft.com/office/drawing/2014/main" id="{BC851342-D529-4F3C-9A70-8EF50093AEC6}"/>
               </a:ext>
             </a:extLst>
           </p:cNvPr>
@@ -5524,8 +9962,8 @@
         </p:nvSpPr>
         <p:spPr>
           <a:xfrm>
-            <a:off x="7404013" y="3674213"/>
-            <a:ext cx="3783408" cy="369332"/>
+            <a:off x="6751871" y="5799341"/>
+            <a:ext cx="4078361" cy="369332"/>
           </a:xfrm>
           <a:prstGeom prst="rect">
             <a:avLst/>
@@ -5542,44 +9980,7 @@
               <a:rPr lang="ru-RU" dirty="0">
                 <a:latin typeface="Bahnschrift Light" panose="020B0502040204020203" pitchFamily="34" charset="0"/>
               </a:rPr>
-              <a:t>Рис. ???. Формирование импульса</a:t>
-            </a:r>
-          </a:p>
-        </p:txBody>
-      </p:sp>
-      <p:sp>
-        <p:nvSpPr>
-          <p:cNvPr id="8" name="TextBox 7">
-            <a:extLst>
-              <a:ext uri="{FF2B5EF4-FFF2-40B4-BE49-F238E27FC236}">
-                <a16:creationId xmlns:a16="http://schemas.microsoft.com/office/drawing/2014/main" id="{D6E44FEF-C644-42A3-9514-50076D41BD5F}"/>
-              </a:ext>
-            </a:extLst>
-          </p:cNvPr>
-          <p:cNvSpPr txBox="1"/>
-          <p:nvPr/>
-        </p:nvSpPr>
-        <p:spPr>
-          <a:xfrm>
-            <a:off x="3713563" y="6138757"/>
-            <a:ext cx="4257897" cy="369332"/>
-          </a:xfrm>
-          <a:prstGeom prst="rect">
-            <a:avLst/>
-          </a:prstGeom>
-          <a:noFill/>
-        </p:spPr>
-        <p:txBody>
-          <a:bodyPr wrap="none" rtlCol="0">
-            <a:spAutoFit/>
-          </a:bodyPr>
-          <a:lstStyle/>
-          <a:p>
-            <a:r>
-              <a:rPr lang="ru-RU" dirty="0">
-                <a:latin typeface="Bahnschrift Light" panose="020B0502040204020203" pitchFamily="34" charset="0"/>
-              </a:rPr>
-              <a:t>Рис. ???. Экспериментальный образец</a:t>
+              <a:t>Рис. 2. Экспериментальный образец</a:t>
             </a:r>
           </a:p>
         </p:txBody>
@@ -5587,7 +9988,7 @@
     </p:spTree>
     <p:extLst>
       <p:ext uri="{BB962C8B-B14F-4D97-AF65-F5344CB8AC3E}">
-        <p14:creationId xmlns:p14="http://schemas.microsoft.com/office/powerpoint/2010/main" val="2165480644"/>
+        <p14:creationId xmlns:p14="http://schemas.microsoft.com/office/powerpoint/2010/main" val="376435163"/>
       </p:ext>
     </p:extLst>
   </p:cSld>
@@ -5614,6 +10015,887 @@
           <a:chExt cx="0" cy="0"/>
         </a:xfrm>
       </p:grpSpPr>
+      <p:grpSp>
+        <p:nvGrpSpPr>
+          <p:cNvPr id="10" name="Группа 9">
+            <a:extLst>
+              <a:ext uri="{FF2B5EF4-FFF2-40B4-BE49-F238E27FC236}">
+                <a16:creationId xmlns:a16="http://schemas.microsoft.com/office/drawing/2014/main" id="{51986CCA-1261-40FA-81C1-B51499BEEA67}"/>
+              </a:ext>
+            </a:extLst>
+          </p:cNvPr>
+          <p:cNvGrpSpPr/>
+          <p:nvPr/>
+        </p:nvGrpSpPr>
+        <p:grpSpPr>
+          <a:xfrm>
+            <a:off x="8169825" y="163060"/>
+            <a:ext cx="3900110" cy="6000065"/>
+            <a:chOff x="8058065" y="121100"/>
+            <a:chExt cx="3900110" cy="6000065"/>
+          </a:xfrm>
+        </p:grpSpPr>
+        <p:pic>
+          <p:nvPicPr>
+            <p:cNvPr id="6" name="Рисунок 5">
+              <a:extLst>
+                <a:ext uri="{FF2B5EF4-FFF2-40B4-BE49-F238E27FC236}">
+                  <a16:creationId xmlns:a16="http://schemas.microsoft.com/office/drawing/2014/main" id="{FA86D26B-A24D-4F77-9F6B-9020CBD22388}"/>
+                </a:ext>
+              </a:extLst>
+            </p:cNvPr>
+            <p:cNvPicPr>
+              <a:picLocks noChangeAspect="1"/>
+            </p:cNvPicPr>
+            <p:nvPr/>
+          </p:nvPicPr>
+          <p:blipFill>
+            <a:blip r:embed="rId2">
+              <a:extLst>
+                <a:ext uri="{28A0092B-C50C-407E-A947-70E740481C1C}">
+                  <a14:useLocalDpi xmlns:a14="http://schemas.microsoft.com/office/drawing/2010/main" val="0"/>
+                </a:ext>
+              </a:extLst>
+            </a:blip>
+            <a:stretch>
+              <a:fillRect/>
+            </a:stretch>
+          </p:blipFill>
+          <p:spPr>
+            <a:xfrm>
+              <a:off x="8058065" y="121100"/>
+              <a:ext cx="3900110" cy="3033936"/>
+            </a:xfrm>
+            <a:prstGeom prst="rect">
+              <a:avLst/>
+            </a:prstGeom>
+          </p:spPr>
+        </p:pic>
+        <p:pic>
+          <p:nvPicPr>
+            <p:cNvPr id="7" name="Рисунок 6">
+              <a:extLst>
+                <a:ext uri="{FF2B5EF4-FFF2-40B4-BE49-F238E27FC236}">
+                  <a16:creationId xmlns:a16="http://schemas.microsoft.com/office/drawing/2014/main" id="{41C20E70-53D2-44DC-8A54-CF68B60EB28A}"/>
+                </a:ext>
+              </a:extLst>
+            </p:cNvPr>
+            <p:cNvPicPr>
+              <a:picLocks noChangeAspect="1"/>
+            </p:cNvPicPr>
+            <p:nvPr/>
+          </p:nvPicPr>
+          <p:blipFill>
+            <a:blip r:embed="rId3">
+              <a:clrChange>
+                <a:clrFrom>
+                  <a:srgbClr val="FFFFFF"/>
+                </a:clrFrom>
+                <a:clrTo>
+                  <a:srgbClr val="FFFFFF">
+                    <a:alpha val="0"/>
+                  </a:srgbClr>
+                </a:clrTo>
+              </a:clrChange>
+              <a:extLst>
+                <a:ext uri="{28A0092B-C50C-407E-A947-70E740481C1C}">
+                  <a14:useLocalDpi xmlns:a14="http://schemas.microsoft.com/office/drawing/2010/main" val="0"/>
+                </a:ext>
+              </a:extLst>
+            </a:blip>
+            <a:stretch>
+              <a:fillRect/>
+            </a:stretch>
+          </p:blipFill>
+          <p:spPr>
+            <a:xfrm>
+              <a:off x="8058065" y="3087229"/>
+              <a:ext cx="3900109" cy="3033936"/>
+            </a:xfrm>
+            <a:prstGeom prst="rect">
+              <a:avLst/>
+            </a:prstGeom>
+          </p:spPr>
+        </p:pic>
+      </p:grpSp>
+      <p:sp>
+        <p:nvSpPr>
+          <p:cNvPr id="8" name="Номер слайда 7">
+            <a:extLst>
+              <a:ext uri="{FF2B5EF4-FFF2-40B4-BE49-F238E27FC236}">
+                <a16:creationId xmlns:a16="http://schemas.microsoft.com/office/drawing/2014/main" id="{6851884B-F67F-427B-88EC-346BD6821760}"/>
+              </a:ext>
+            </a:extLst>
+          </p:cNvPr>
+          <p:cNvSpPr>
+            <a:spLocks noGrp="1"/>
+          </p:cNvSpPr>
+          <p:nvPr>
+            <p:ph type="sldNum" sz="quarter" idx="12"/>
+          </p:nvPr>
+        </p:nvSpPr>
+        <p:spPr/>
+        <p:txBody>
+          <a:bodyPr/>
+          <a:lstStyle/>
+          <a:p>
+            <a:fld id="{7452BA21-2A91-410D-B1C7-2CD52BF95B49}" type="slidenum">
+              <a:rPr lang="ru-RU" smtClean="0"/>
+              <a:pPr/>
+              <a:t>5</a:t>
+            </a:fld>
+            <a:endParaRPr lang="ru-RU" dirty="0"/>
+          </a:p>
+        </p:txBody>
+      </p:sp>
+      <p:sp>
+        <p:nvSpPr>
+          <p:cNvPr id="9" name="TextBox 8">
+            <a:extLst>
+              <a:ext uri="{FF2B5EF4-FFF2-40B4-BE49-F238E27FC236}">
+                <a16:creationId xmlns:a16="http://schemas.microsoft.com/office/drawing/2014/main" id="{A237501C-B016-4284-9E2D-9A284203882C}"/>
+              </a:ext>
+            </a:extLst>
+          </p:cNvPr>
+          <p:cNvSpPr txBox="1"/>
+          <p:nvPr/>
+        </p:nvSpPr>
+        <p:spPr>
+          <a:xfrm>
+            <a:off x="8678993" y="6163125"/>
+            <a:ext cx="3193503" cy="646331"/>
+          </a:xfrm>
+          <a:prstGeom prst="rect">
+            <a:avLst/>
+          </a:prstGeom>
+          <a:noFill/>
+        </p:spPr>
+        <p:txBody>
+          <a:bodyPr wrap="none" rtlCol="0">
+            <a:spAutoFit/>
+          </a:bodyPr>
+          <a:lstStyle/>
+          <a:p>
+            <a:pPr algn="ctr"/>
+            <a:r>
+              <a:rPr lang="ru-RU" dirty="0">
+                <a:latin typeface="Bahnschrift Light" panose="020B0502040204020203" pitchFamily="34" charset="0"/>
+              </a:rPr>
+              <a:t>Рис. 3. Импульсы на выходе</a:t>
+            </a:r>
+            <a:br>
+              <a:rPr lang="ru-RU" dirty="0">
+                <a:latin typeface="Bahnschrift Light" panose="020B0502040204020203" pitchFamily="34" charset="0"/>
+              </a:rPr>
+            </a:br>
+            <a:r>
+              <a:rPr lang="ru-RU" dirty="0">
+                <a:latin typeface="Bahnschrift Light" panose="020B0502040204020203" pitchFamily="34" charset="0"/>
+              </a:rPr>
+              <a:t>измерительной схемы</a:t>
+            </a:r>
+          </a:p>
+        </p:txBody>
+      </p:sp>
+      <p:sp>
+        <p:nvSpPr>
+          <p:cNvPr id="13" name="TextBox 12">
+            <a:extLst>
+              <a:ext uri="{FF2B5EF4-FFF2-40B4-BE49-F238E27FC236}">
+                <a16:creationId xmlns:a16="http://schemas.microsoft.com/office/drawing/2014/main" id="{6FABDEAC-6A21-458F-BB49-09F605853D25}"/>
+              </a:ext>
+            </a:extLst>
+          </p:cNvPr>
+          <p:cNvSpPr txBox="1"/>
+          <p:nvPr/>
+        </p:nvSpPr>
+        <p:spPr>
+          <a:xfrm>
+            <a:off x="568960" y="800699"/>
+            <a:ext cx="7457440" cy="4656980"/>
+          </a:xfrm>
+          <a:prstGeom prst="rect">
+            <a:avLst/>
+          </a:prstGeom>
+          <a:noFill/>
+        </p:spPr>
+        <p:txBody>
+          <a:bodyPr wrap="square" rtlCol="0">
+            <a:spAutoFit/>
+          </a:bodyPr>
+          <a:lstStyle/>
+          <a:p>
+            <a:pPr>
+              <a:lnSpc>
+                <a:spcPct val="125000"/>
+              </a:lnSpc>
+            </a:pPr>
+            <a:r>
+              <a:rPr lang="ru-RU" sz="2400" u="sng" dirty="0">
+                <a:latin typeface="Bahnschrift" panose="020B0502040204020203" pitchFamily="34" charset="0"/>
+              </a:rPr>
+              <a:t>Предложенная схема позволяет:</a:t>
+            </a:r>
+          </a:p>
+          <a:p>
+            <a:pPr marL="342900" indent="-342900">
+              <a:lnSpc>
+                <a:spcPct val="125000"/>
+              </a:lnSpc>
+              <a:buFont typeface="+mj-lt"/>
+              <a:buAutoNum type="arabicPeriod"/>
+            </a:pPr>
+            <a:r>
+              <a:rPr lang="ru-RU" sz="2400" dirty="0">
+                <a:latin typeface="Bahnschrift" panose="020B0502040204020203" pitchFamily="34" charset="0"/>
+              </a:rPr>
+              <a:t>Проводить измерения в режиме 1-Омной нагрузки</a:t>
+            </a:r>
+            <a:endParaRPr lang="en-US" sz="2400" dirty="0">
+              <a:latin typeface="Bahnschrift" panose="020B0502040204020203" pitchFamily="34" charset="0"/>
+            </a:endParaRPr>
+          </a:p>
+          <a:p>
+            <a:pPr marL="342900" indent="-342900">
+              <a:lnSpc>
+                <a:spcPct val="125000"/>
+              </a:lnSpc>
+              <a:buFont typeface="+mj-lt"/>
+              <a:buAutoNum type="arabicPeriod"/>
+            </a:pPr>
+            <a:r>
+              <a:rPr lang="ru-RU" sz="2400" dirty="0">
+                <a:latin typeface="Bahnschrift" panose="020B0502040204020203" pitchFamily="34" charset="0"/>
+              </a:rPr>
+              <a:t>Проводить измерения с различными вариантами включения диода</a:t>
+            </a:r>
+          </a:p>
+          <a:p>
+            <a:pPr marL="342900" indent="-342900">
+              <a:lnSpc>
+                <a:spcPct val="125000"/>
+              </a:lnSpc>
+              <a:buFont typeface="+mj-lt"/>
+              <a:buAutoNum type="arabicPeriod"/>
+            </a:pPr>
+            <a:r>
+              <a:rPr lang="ru-RU" sz="2400" dirty="0">
+                <a:latin typeface="Bahnschrift" panose="020B0502040204020203" pitchFamily="34" charset="0"/>
+              </a:rPr>
+              <a:t>Регулировать время накопления и рассасывания заряда</a:t>
+            </a:r>
+          </a:p>
+          <a:p>
+            <a:pPr marL="342900" indent="-342900">
+              <a:lnSpc>
+                <a:spcPct val="125000"/>
+              </a:lnSpc>
+              <a:buFont typeface="+mj-lt"/>
+              <a:buAutoNum type="arabicPeriod"/>
+            </a:pPr>
+            <a:r>
+              <a:rPr lang="ru-RU" sz="2400" dirty="0">
+                <a:latin typeface="Bahnschrift" panose="020B0502040204020203" pitchFamily="34" charset="0"/>
+              </a:rPr>
+              <a:t>Менять величину тока</a:t>
+            </a:r>
+          </a:p>
+          <a:p>
+            <a:pPr marL="342900" indent="-342900">
+              <a:lnSpc>
+                <a:spcPct val="125000"/>
+              </a:lnSpc>
+              <a:buFont typeface="+mj-lt"/>
+              <a:buAutoNum type="arabicPeriod"/>
+            </a:pPr>
+            <a:r>
+              <a:rPr lang="ru-RU" sz="2400" dirty="0">
+                <a:latin typeface="Bahnschrift" panose="020B0502040204020203" pitchFamily="34" charset="0"/>
+              </a:rPr>
+              <a:t>Исследовать последовательное включение ДНЗ</a:t>
+            </a:r>
+          </a:p>
+        </p:txBody>
+      </p:sp>
+    </p:spTree>
+    <p:extLst>
+      <p:ext uri="{BB962C8B-B14F-4D97-AF65-F5344CB8AC3E}">
+        <p14:creationId xmlns:p14="http://schemas.microsoft.com/office/powerpoint/2010/main" val="3656750671"/>
+      </p:ext>
+    </p:extLst>
+  </p:cSld>
+  <p:clrMapOvr>
+    <a:masterClrMapping/>
+  </p:clrMapOvr>
+</p:sld>
+</file>
+
+<file path=ppt/slides/slide6.xml><?xml version="1.0" encoding="utf-8"?>
+<p:sld xmlns:a="http://schemas.openxmlformats.org/drawingml/2006/main" xmlns:r="http://schemas.openxmlformats.org/officeDocument/2006/relationships" xmlns:p="http://schemas.openxmlformats.org/presentationml/2006/main">
+  <p:cSld>
+    <p:spTree>
+      <p:nvGrpSpPr>
+        <p:cNvPr id="1" name=""/>
+        <p:cNvGrpSpPr/>
+        <p:nvPr/>
+      </p:nvGrpSpPr>
+      <p:grpSpPr>
+        <a:xfrm>
+          <a:off x="0" y="0"/>
+          <a:ext cx="0" cy="0"/>
+          <a:chOff x="0" y="0"/>
+          <a:chExt cx="0" cy="0"/>
+        </a:xfrm>
+      </p:grpSpPr>
+      <p:pic>
+        <p:nvPicPr>
+          <p:cNvPr id="2" name="Рисунок 1">
+            <a:extLst>
+              <a:ext uri="{FF2B5EF4-FFF2-40B4-BE49-F238E27FC236}">
+                <a16:creationId xmlns:a16="http://schemas.microsoft.com/office/drawing/2014/main" id="{56FE74A5-959D-4821-9168-B3C07F12BE14}"/>
+              </a:ext>
+            </a:extLst>
+          </p:cNvPr>
+          <p:cNvPicPr/>
+          <p:nvPr/>
+        </p:nvPicPr>
+        <p:blipFill rotWithShape="1">
+          <a:blip r:embed="rId2">
+            <a:extLst>
+              <a:ext uri="{28A0092B-C50C-407E-A947-70E740481C1C}">
+                <a14:useLocalDpi xmlns:a14="http://schemas.microsoft.com/office/drawing/2010/main" val="0"/>
+              </a:ext>
+              <a:ext uri="{96DAC541-7B7A-43D3-8B79-37D633B846F1}">
+                <asvg:svgBlip xmlns:asvg="http://schemas.microsoft.com/office/drawing/2016/SVG/main" r:embed="rId3"/>
+              </a:ext>
+            </a:extLst>
+          </a:blip>
+          <a:srcRect b="2806"/>
+          <a:stretch/>
+        </p:blipFill>
+        <p:spPr bwMode="auto">
+          <a:xfrm>
+            <a:off x="937981" y="518160"/>
+            <a:ext cx="3306483" cy="3613616"/>
+          </a:xfrm>
+          <a:prstGeom prst="rect">
+            <a:avLst/>
+          </a:prstGeom>
+          <a:ln>
+            <a:noFill/>
+          </a:ln>
+          <a:extLst>
+            <a:ext uri="{53640926-AAD7-44D8-BBD7-CCE9431645EC}">
+              <a14:shadowObscured xmlns:a14="http://schemas.microsoft.com/office/drawing/2010/main"/>
+            </a:ext>
+          </a:extLst>
+        </p:spPr>
+      </p:pic>
+      <p:pic>
+        <p:nvPicPr>
+          <p:cNvPr id="3" name="Рисунок 2">
+            <a:extLst>
+              <a:ext uri="{FF2B5EF4-FFF2-40B4-BE49-F238E27FC236}">
+                <a16:creationId xmlns:a16="http://schemas.microsoft.com/office/drawing/2014/main" id="{DC7C0401-6E31-4A38-90CF-361C8923D986}"/>
+              </a:ext>
+            </a:extLst>
+          </p:cNvPr>
+          <p:cNvPicPr/>
+          <p:nvPr/>
+        </p:nvPicPr>
+        <p:blipFill>
+          <a:blip r:embed="rId4">
+            <a:extLst>
+              <a:ext uri="{28A0092B-C50C-407E-A947-70E740481C1C}">
+                <a14:useLocalDpi xmlns:a14="http://schemas.microsoft.com/office/drawing/2010/main" val="0"/>
+              </a:ext>
+            </a:extLst>
+          </a:blip>
+          <a:srcRect/>
+          <a:stretch>
+            <a:fillRect/>
+          </a:stretch>
+        </p:blipFill>
+        <p:spPr bwMode="auto">
+          <a:xfrm rot="16200000">
+            <a:off x="4865702" y="3608806"/>
+            <a:ext cx="2464544" cy="3137106"/>
+          </a:xfrm>
+          <a:prstGeom prst="rect">
+            <a:avLst/>
+          </a:prstGeom>
+          <a:noFill/>
+          <a:ln>
+            <a:noFill/>
+          </a:ln>
+        </p:spPr>
+      </p:pic>
+      <p:pic>
+        <p:nvPicPr>
+          <p:cNvPr id="4" name="Рисунок 3">
+            <a:extLst>
+              <a:ext uri="{FF2B5EF4-FFF2-40B4-BE49-F238E27FC236}">
+                <a16:creationId xmlns:a16="http://schemas.microsoft.com/office/drawing/2014/main" id="{EE590442-826B-453E-B891-8EC2CF562FB5}"/>
+              </a:ext>
+            </a:extLst>
+          </p:cNvPr>
+          <p:cNvPicPr/>
+          <p:nvPr/>
+        </p:nvPicPr>
+        <p:blipFill>
+          <a:blip r:embed="rId5" cstate="print">
+            <a:extLst>
+              <a:ext uri="{28A0092B-C50C-407E-A947-70E740481C1C}">
+                <a14:useLocalDpi xmlns:a14="http://schemas.microsoft.com/office/drawing/2010/main" val="0"/>
+              </a:ext>
+              <a:ext uri="{96DAC541-7B7A-43D3-8B79-37D633B846F1}">
+                <asvg:svgBlip xmlns:asvg="http://schemas.microsoft.com/office/drawing/2016/SVG/main" r:embed="rId6"/>
+              </a:ext>
+            </a:extLst>
+          </a:blip>
+          <a:stretch>
+            <a:fillRect/>
+          </a:stretch>
+        </p:blipFill>
+        <p:spPr>
+          <a:xfrm>
+            <a:off x="7791823" y="924392"/>
+            <a:ext cx="4028440" cy="3020695"/>
+          </a:xfrm>
+          <a:prstGeom prst="rect">
+            <a:avLst/>
+          </a:prstGeom>
+        </p:spPr>
+      </p:pic>
+      <p:sp>
+        <p:nvSpPr>
+          <p:cNvPr id="5" name="TextBox 4">
+            <a:extLst>
+              <a:ext uri="{FF2B5EF4-FFF2-40B4-BE49-F238E27FC236}">
+                <a16:creationId xmlns:a16="http://schemas.microsoft.com/office/drawing/2014/main" id="{EF108878-E2CD-4BA9-A955-406C5253C032}"/>
+              </a:ext>
+            </a:extLst>
+          </p:cNvPr>
+          <p:cNvSpPr txBox="1"/>
+          <p:nvPr/>
+        </p:nvSpPr>
+        <p:spPr>
+          <a:xfrm>
+            <a:off x="772039" y="4131776"/>
+            <a:ext cx="3472425" cy="369332"/>
+          </a:xfrm>
+          <a:prstGeom prst="rect">
+            <a:avLst/>
+          </a:prstGeom>
+          <a:noFill/>
+        </p:spPr>
+        <p:txBody>
+          <a:bodyPr wrap="none" rtlCol="0">
+            <a:spAutoFit/>
+          </a:bodyPr>
+          <a:lstStyle/>
+          <a:p>
+            <a:r>
+              <a:rPr lang="ru-RU" dirty="0">
+                <a:latin typeface="Bahnschrift Light" panose="020B0502040204020203" pitchFamily="34" charset="0"/>
+              </a:rPr>
+              <a:t>Рис. 4. Принципиальная схема</a:t>
+            </a:r>
+          </a:p>
+        </p:txBody>
+      </p:sp>
+      <p:sp>
+        <p:nvSpPr>
+          <p:cNvPr id="7" name="TextBox 6">
+            <a:extLst>
+              <a:ext uri="{FF2B5EF4-FFF2-40B4-BE49-F238E27FC236}">
+                <a16:creationId xmlns:a16="http://schemas.microsoft.com/office/drawing/2014/main" id="{F0695748-ADEA-4B13-A3F1-25300D66DA36}"/>
+              </a:ext>
+            </a:extLst>
+          </p:cNvPr>
+          <p:cNvSpPr txBox="1"/>
+          <p:nvPr/>
+        </p:nvSpPr>
+        <p:spPr>
+          <a:xfrm>
+            <a:off x="8054253" y="3999333"/>
+            <a:ext cx="3603872" cy="369332"/>
+          </a:xfrm>
+          <a:prstGeom prst="rect">
+            <a:avLst/>
+          </a:prstGeom>
+          <a:noFill/>
+        </p:spPr>
+        <p:txBody>
+          <a:bodyPr wrap="none" rtlCol="0">
+            <a:spAutoFit/>
+          </a:bodyPr>
+          <a:lstStyle/>
+          <a:p>
+            <a:r>
+              <a:rPr lang="ru-RU" dirty="0">
+                <a:latin typeface="Bahnschrift Light" panose="020B0502040204020203" pitchFamily="34" charset="0"/>
+              </a:rPr>
+              <a:t>Рис. 6. Формирование импульса</a:t>
+            </a:r>
+          </a:p>
+        </p:txBody>
+      </p:sp>
+      <p:sp>
+        <p:nvSpPr>
+          <p:cNvPr id="8" name="TextBox 7">
+            <a:extLst>
+              <a:ext uri="{FF2B5EF4-FFF2-40B4-BE49-F238E27FC236}">
+                <a16:creationId xmlns:a16="http://schemas.microsoft.com/office/drawing/2014/main" id="{D6E44FEF-C644-42A3-9514-50076D41BD5F}"/>
+              </a:ext>
+            </a:extLst>
+          </p:cNvPr>
+          <p:cNvSpPr txBox="1"/>
+          <p:nvPr/>
+        </p:nvSpPr>
+        <p:spPr>
+          <a:xfrm>
+            <a:off x="4084872" y="6463877"/>
+            <a:ext cx="4084773" cy="369332"/>
+          </a:xfrm>
+          <a:prstGeom prst="rect">
+            <a:avLst/>
+          </a:prstGeom>
+          <a:noFill/>
+        </p:spPr>
+        <p:txBody>
+          <a:bodyPr wrap="none" rtlCol="0">
+            <a:spAutoFit/>
+          </a:bodyPr>
+          <a:lstStyle/>
+          <a:p>
+            <a:r>
+              <a:rPr lang="ru-RU" dirty="0">
+                <a:latin typeface="Bahnschrift Light" panose="020B0502040204020203" pitchFamily="34" charset="0"/>
+              </a:rPr>
+              <a:t>Рис. 5. Экспериментальный образец</a:t>
+            </a:r>
+          </a:p>
+        </p:txBody>
+      </p:sp>
+      <p:sp>
+        <p:nvSpPr>
+          <p:cNvPr id="6" name="Номер слайда 5">
+            <a:extLst>
+              <a:ext uri="{FF2B5EF4-FFF2-40B4-BE49-F238E27FC236}">
+                <a16:creationId xmlns:a16="http://schemas.microsoft.com/office/drawing/2014/main" id="{1591DE4E-B930-419A-A376-FDD64541CF8C}"/>
+              </a:ext>
+            </a:extLst>
+          </p:cNvPr>
+          <p:cNvSpPr>
+            <a:spLocks noGrp="1"/>
+          </p:cNvSpPr>
+          <p:nvPr>
+            <p:ph type="sldNum" sz="quarter" idx="12"/>
+          </p:nvPr>
+        </p:nvSpPr>
+        <p:spPr/>
+        <p:txBody>
+          <a:bodyPr/>
+          <a:lstStyle/>
+          <a:p>
+            <a:fld id="{7452BA21-2A91-410D-B1C7-2CD52BF95B49}" type="slidenum">
+              <a:rPr lang="ru-RU" smtClean="0"/>
+              <a:pPr/>
+              <a:t>6</a:t>
+            </a:fld>
+            <a:endParaRPr lang="ru-RU" dirty="0"/>
+          </a:p>
+        </p:txBody>
+      </p:sp>
+      <p:sp>
+        <p:nvSpPr>
+          <p:cNvPr id="11" name="Заголовок 1">
+            <a:extLst>
+              <a:ext uri="{FF2B5EF4-FFF2-40B4-BE49-F238E27FC236}">
+                <a16:creationId xmlns:a16="http://schemas.microsoft.com/office/drawing/2014/main" id="{71E15546-D39E-4F5E-B077-5B4D9BBC22BF}"/>
+              </a:ext>
+            </a:extLst>
+          </p:cNvPr>
+          <p:cNvSpPr>
+            <a:spLocks noGrp="1"/>
+          </p:cNvSpPr>
+          <p:nvPr>
+            <p:ph type="title"/>
+          </p:nvPr>
+        </p:nvSpPr>
+        <p:spPr>
+          <a:xfrm>
+            <a:off x="738419" y="-107722"/>
+            <a:ext cx="10515600" cy="1325563"/>
+          </a:xfrm>
+        </p:spPr>
+        <p:txBody>
+          <a:bodyPr/>
+          <a:lstStyle/>
+          <a:p>
+            <a:pPr algn="ctr"/>
+            <a:r>
+              <a:rPr lang="ru-RU" dirty="0"/>
+              <a:t>Схема генератора</a:t>
+            </a:r>
+          </a:p>
+        </p:txBody>
+      </p:sp>
+    </p:spTree>
+    <p:extLst>
+      <p:ext uri="{BB962C8B-B14F-4D97-AF65-F5344CB8AC3E}">
+        <p14:creationId xmlns:p14="http://schemas.microsoft.com/office/powerpoint/2010/main" val="2165480644"/>
+      </p:ext>
+    </p:extLst>
+  </p:cSld>
+  <p:clrMapOvr>
+    <a:masterClrMapping/>
+  </p:clrMapOvr>
+</p:sld>
+</file>
+
+<file path=ppt/slides/slide7.xml><?xml version="1.0" encoding="utf-8"?>
+<p:sld xmlns:a="http://schemas.openxmlformats.org/drawingml/2006/main" xmlns:r="http://schemas.openxmlformats.org/officeDocument/2006/relationships" xmlns:p="http://schemas.openxmlformats.org/presentationml/2006/main">
+  <p:cSld>
+    <p:spTree>
+      <p:nvGrpSpPr>
+        <p:cNvPr id="1" name=""/>
+        <p:cNvGrpSpPr/>
+        <p:nvPr/>
+      </p:nvGrpSpPr>
+      <p:grpSpPr>
+        <a:xfrm>
+          <a:off x="0" y="0"/>
+          <a:ext cx="0" cy="0"/>
+          <a:chOff x="0" y="0"/>
+          <a:chExt cx="0" cy="0"/>
+        </a:xfrm>
+      </p:grpSpPr>
+      <p:sp>
+        <p:nvSpPr>
+          <p:cNvPr id="2" name="Номер слайда 1">
+            <a:extLst>
+              <a:ext uri="{FF2B5EF4-FFF2-40B4-BE49-F238E27FC236}">
+                <a16:creationId xmlns:a16="http://schemas.microsoft.com/office/drawing/2014/main" id="{B1B430F8-C060-4BD0-B94F-9C3F31FF2E7E}"/>
+              </a:ext>
+            </a:extLst>
+          </p:cNvPr>
+          <p:cNvSpPr>
+            <a:spLocks noGrp="1"/>
+          </p:cNvSpPr>
+          <p:nvPr>
+            <p:ph type="sldNum" sz="quarter" idx="12"/>
+          </p:nvPr>
+        </p:nvSpPr>
+        <p:spPr/>
+        <p:txBody>
+          <a:bodyPr/>
+          <a:lstStyle/>
+          <a:p>
+            <a:fld id="{7452BA21-2A91-410D-B1C7-2CD52BF95B49}" type="slidenum">
+              <a:rPr lang="ru-RU" smtClean="0"/>
+              <a:pPr/>
+              <a:t>7</a:t>
+            </a:fld>
+            <a:endParaRPr lang="ru-RU" dirty="0"/>
+          </a:p>
+        </p:txBody>
+      </p:sp>
+      <p:graphicFrame>
+        <p:nvGraphicFramePr>
+          <p:cNvPr id="3" name="Диаграмма 2">
+            <a:extLst>
+              <a:ext uri="{FF2B5EF4-FFF2-40B4-BE49-F238E27FC236}">
+                <a16:creationId xmlns:a16="http://schemas.microsoft.com/office/drawing/2014/main" id="{BCB0A3BE-D355-4D3C-AA9D-9AFD8BF6EC5E}"/>
+              </a:ext>
+            </a:extLst>
+          </p:cNvPr>
+          <p:cNvGraphicFramePr/>
+          <p:nvPr>
+            <p:extLst>
+              <p:ext uri="{D42A27DB-BD31-4B8C-83A1-F6EECF244321}">
+                <p14:modId xmlns:p14="http://schemas.microsoft.com/office/powerpoint/2010/main" val="3265935437"/>
+              </p:ext>
+            </p:extLst>
+          </p:nvPr>
+        </p:nvGraphicFramePr>
+        <p:xfrm>
+          <a:off x="392747" y="1335743"/>
+          <a:ext cx="5940425" cy="3049270"/>
+        </p:xfrm>
+        <a:graphic>
+          <a:graphicData uri="http://schemas.openxmlformats.org/drawingml/2006/chart">
+            <c:chart xmlns:c="http://schemas.openxmlformats.org/drawingml/2006/chart" xmlns:r="http://schemas.openxmlformats.org/officeDocument/2006/relationships" r:id="rId2"/>
+          </a:graphicData>
+        </a:graphic>
+      </p:graphicFrame>
+      <p:sp>
+        <p:nvSpPr>
+          <p:cNvPr id="5" name="Заголовок 1">
+            <a:extLst>
+              <a:ext uri="{FF2B5EF4-FFF2-40B4-BE49-F238E27FC236}">
+                <a16:creationId xmlns:a16="http://schemas.microsoft.com/office/drawing/2014/main" id="{990384BA-E138-4271-8AA2-FC2EF0D92F82}"/>
+              </a:ext>
+            </a:extLst>
+          </p:cNvPr>
+          <p:cNvSpPr>
+            <a:spLocks noGrp="1"/>
+          </p:cNvSpPr>
+          <p:nvPr>
+            <p:ph type="title"/>
+          </p:nvPr>
+        </p:nvSpPr>
+        <p:spPr>
+          <a:xfrm>
+            <a:off x="838200" y="-319808"/>
+            <a:ext cx="10515600" cy="1325563"/>
+          </a:xfrm>
+        </p:spPr>
+        <p:txBody>
+          <a:bodyPr/>
+          <a:lstStyle/>
+          <a:p>
+            <a:pPr algn="ctr"/>
+            <a:r>
+              <a:rPr lang="ru-RU" dirty="0"/>
+              <a:t>Результаты эксперимента</a:t>
+            </a:r>
+          </a:p>
+        </p:txBody>
+      </p:sp>
+      <p:sp>
+        <p:nvSpPr>
+          <p:cNvPr id="7" name="TextBox 6">
+            <a:extLst>
+              <a:ext uri="{FF2B5EF4-FFF2-40B4-BE49-F238E27FC236}">
+                <a16:creationId xmlns:a16="http://schemas.microsoft.com/office/drawing/2014/main" id="{3B3E6C4C-CDFF-4611-9259-D4EBD04E9535}"/>
+              </a:ext>
+            </a:extLst>
+          </p:cNvPr>
+          <p:cNvSpPr txBox="1"/>
+          <p:nvPr/>
+        </p:nvSpPr>
+        <p:spPr>
+          <a:xfrm>
+            <a:off x="392747" y="4512013"/>
+            <a:ext cx="5940425" cy="923330"/>
+          </a:xfrm>
+          <a:prstGeom prst="rect">
+            <a:avLst/>
+          </a:prstGeom>
+          <a:noFill/>
+        </p:spPr>
+        <p:txBody>
+          <a:bodyPr wrap="square" rtlCol="0">
+            <a:spAutoFit/>
+          </a:bodyPr>
+          <a:lstStyle/>
+          <a:p>
+            <a:pPr algn="ctr"/>
+            <a:r>
+              <a:rPr lang="ru-RU" dirty="0">
+                <a:latin typeface="Bahnschrift Light" panose="020B0502040204020203" pitchFamily="34" charset="0"/>
+              </a:rPr>
+              <a:t>Рис. 7. Зависимости параметров результирующих импульсов от задержки между процессами накопления и рассасывания заряда</a:t>
+            </a:r>
+          </a:p>
+        </p:txBody>
+      </p:sp>
+      <p:graphicFrame>
+        <p:nvGraphicFramePr>
+          <p:cNvPr id="8" name="Диаграмма 7">
+            <a:extLst>
+              <a:ext uri="{FF2B5EF4-FFF2-40B4-BE49-F238E27FC236}">
+                <a16:creationId xmlns:a16="http://schemas.microsoft.com/office/drawing/2014/main" id="{5BDE572E-6D18-4EC6-9DAD-5A6B4EBA72E0}"/>
+              </a:ext>
+            </a:extLst>
+          </p:cNvPr>
+          <p:cNvGraphicFramePr/>
+          <p:nvPr>
+            <p:extLst>
+              <p:ext uri="{D42A27DB-BD31-4B8C-83A1-F6EECF244321}">
+                <p14:modId xmlns:p14="http://schemas.microsoft.com/office/powerpoint/2010/main" val="1856080409"/>
+              </p:ext>
+            </p:extLst>
+          </p:nvPr>
+        </p:nvGraphicFramePr>
+        <p:xfrm>
+          <a:off x="7585552" y="614090"/>
+          <a:ext cx="4057650" cy="2978150"/>
+        </p:xfrm>
+        <a:graphic>
+          <a:graphicData uri="http://schemas.openxmlformats.org/drawingml/2006/chart">
+            <c:chart xmlns:c="http://schemas.openxmlformats.org/drawingml/2006/chart" xmlns:r="http://schemas.openxmlformats.org/officeDocument/2006/relationships" r:id="rId3"/>
+          </a:graphicData>
+        </a:graphic>
+      </p:graphicFrame>
+      <p:graphicFrame>
+        <p:nvGraphicFramePr>
+          <p:cNvPr id="9" name="Диаграмма 8">
+            <a:extLst>
+              <a:ext uri="{FF2B5EF4-FFF2-40B4-BE49-F238E27FC236}">
+                <a16:creationId xmlns:a16="http://schemas.microsoft.com/office/drawing/2014/main" id="{750E067E-0B04-4A5A-A072-2E049965FEEC}"/>
+              </a:ext>
+            </a:extLst>
+          </p:cNvPr>
+          <p:cNvGraphicFramePr/>
+          <p:nvPr>
+            <p:extLst>
+              <p:ext uri="{D42A27DB-BD31-4B8C-83A1-F6EECF244321}">
+                <p14:modId xmlns:p14="http://schemas.microsoft.com/office/powerpoint/2010/main" val="988464984"/>
+              </p:ext>
+            </p:extLst>
+          </p:nvPr>
+        </p:nvGraphicFramePr>
+        <p:xfrm>
+          <a:off x="7583682" y="3351183"/>
+          <a:ext cx="4114800" cy="2981325"/>
+        </p:xfrm>
+        <a:graphic>
+          <a:graphicData uri="http://schemas.openxmlformats.org/drawingml/2006/chart">
+            <c:chart xmlns:c="http://schemas.openxmlformats.org/drawingml/2006/chart" xmlns:r="http://schemas.openxmlformats.org/officeDocument/2006/relationships" r:id="rId4"/>
+          </a:graphicData>
+        </a:graphic>
+      </p:graphicFrame>
+      <p:sp>
+        <p:nvSpPr>
+          <p:cNvPr id="10" name="TextBox 9">
+            <a:extLst>
+              <a:ext uri="{FF2B5EF4-FFF2-40B4-BE49-F238E27FC236}">
+                <a16:creationId xmlns:a16="http://schemas.microsoft.com/office/drawing/2014/main" id="{048F989F-E7A0-46AC-BFE8-CC3FFE2821D4}"/>
+              </a:ext>
+            </a:extLst>
+          </p:cNvPr>
+          <p:cNvSpPr txBox="1"/>
+          <p:nvPr/>
+        </p:nvSpPr>
+        <p:spPr>
+          <a:xfrm>
+            <a:off x="7535069" y="6173184"/>
+            <a:ext cx="4636453" cy="646331"/>
+          </a:xfrm>
+          <a:prstGeom prst="rect">
+            <a:avLst/>
+          </a:prstGeom>
+          <a:noFill/>
+        </p:spPr>
+        <p:txBody>
+          <a:bodyPr wrap="square" rtlCol="0">
+            <a:spAutoFit/>
+          </a:bodyPr>
+          <a:lstStyle/>
+          <a:p>
+            <a:pPr algn="ctr"/>
+            <a:r>
+              <a:rPr lang="ru-RU" dirty="0">
+                <a:latin typeface="Bahnschrift Light" panose="020B0502040204020203" pitchFamily="34" charset="0"/>
+              </a:rPr>
+              <a:t>Рис. 8. Зависимость от длительности накопления заряда</a:t>
+            </a:r>
+          </a:p>
+        </p:txBody>
+      </p:sp>
     </p:spTree>
     <p:extLst>
       <p:ext uri="{BB962C8B-B14F-4D97-AF65-F5344CB8AC3E}">
@@ -5920,4 +11202,299 @@
     </a:ext>
   </a:extLst>
 </a:theme>
+</file>
+
+<file path=ppt/theme/theme2.xml><?xml version="1.0" encoding="utf-8"?>
+<a:theme xmlns:a="http://schemas.openxmlformats.org/drawingml/2006/main" name="Тема Office">
+  <a:themeElements>
+    <a:clrScheme name="Стандартная">
+      <a:dk1>
+        <a:sysClr val="windowText" lastClr="000000"/>
+      </a:dk1>
+      <a:lt1>
+        <a:sysClr val="window" lastClr="FFFFFF"/>
+      </a:lt1>
+      <a:dk2>
+        <a:srgbClr val="44546A"/>
+      </a:dk2>
+      <a:lt2>
+        <a:srgbClr val="E7E6E6"/>
+      </a:lt2>
+      <a:accent1>
+        <a:srgbClr val="4472C4"/>
+      </a:accent1>
+      <a:accent2>
+        <a:srgbClr val="ED7D31"/>
+      </a:accent2>
+      <a:accent3>
+        <a:srgbClr val="A5A5A5"/>
+      </a:accent3>
+      <a:accent4>
+        <a:srgbClr val="FFC000"/>
+      </a:accent4>
+      <a:accent5>
+        <a:srgbClr val="5B9BD5"/>
+      </a:accent5>
+      <a:accent6>
+        <a:srgbClr val="70AD47"/>
+      </a:accent6>
+      <a:hlink>
+        <a:srgbClr val="0563C1"/>
+      </a:hlink>
+      <a:folHlink>
+        <a:srgbClr val="954F72"/>
+      </a:folHlink>
+    </a:clrScheme>
+    <a:fontScheme name="Стандартная">
+      <a:majorFont>
+        <a:latin typeface="Calibri Light" panose="020F0302020204030204"/>
+        <a:ea typeface=""/>
+        <a:cs typeface=""/>
+        <a:font script="Jpan" typeface="游ゴシック Light"/>
+        <a:font script="Hang" typeface="맑은 고딕"/>
+        <a:font script="Hans" typeface="等线 Light"/>
+        <a:font script="Hant" typeface="新細明體"/>
+        <a:font script="Arab" typeface="Times New Roman"/>
+        <a:font script="Hebr" typeface="Times New Roman"/>
+        <a:font script="Thai" typeface="Angsana New"/>
+        <a:font script="Ethi" typeface="Nyala"/>
+        <a:font script="Beng" typeface="Vrinda"/>
+        <a:font script="Gujr" typeface="Shruti"/>
+        <a:font script="Khmr" typeface="MoolBoran"/>
+        <a:font script="Knda" typeface="Tunga"/>
+        <a:font script="Guru" typeface="Raavi"/>
+        <a:font script="Cans" typeface="Euphemia"/>
+        <a:font script="Cher" typeface="Plantagenet Cherokee"/>
+        <a:font script="Yiii" typeface="Microsoft Yi Baiti"/>
+        <a:font script="Tibt" typeface="Microsoft Himalaya"/>
+        <a:font script="Thaa" typeface="MV Boli"/>
+        <a:font script="Deva" typeface="Mangal"/>
+        <a:font script="Telu" typeface="Gautami"/>
+        <a:font script="Taml" typeface="Latha"/>
+        <a:font script="Syrc" typeface="Estrangelo Edessa"/>
+        <a:font script="Orya" typeface="Kalinga"/>
+        <a:font script="Mlym" typeface="Kartika"/>
+        <a:font script="Laoo" typeface="DokChampa"/>
+        <a:font script="Sinh" typeface="Iskoola Pota"/>
+        <a:font script="Mong" typeface="Mongolian Baiti"/>
+        <a:font script="Viet" typeface="Times New Roman"/>
+        <a:font script="Uigh" typeface="Microsoft Uighur"/>
+        <a:font script="Geor" typeface="Sylfaen"/>
+        <a:font script="Armn" typeface="Arial"/>
+        <a:font script="Bugi" typeface="Leelawadee UI"/>
+        <a:font script="Bopo" typeface="Microsoft JhengHei"/>
+        <a:font script="Java" typeface="Javanese Text"/>
+        <a:font script="Lisu" typeface="Segoe UI"/>
+        <a:font script="Mymr" typeface="Myanmar Text"/>
+        <a:font script="Nkoo" typeface="Ebrima"/>
+        <a:font script="Olck" typeface="Nirmala UI"/>
+        <a:font script="Osma" typeface="Ebrima"/>
+        <a:font script="Phag" typeface="Phagspa"/>
+        <a:font script="Syrn" typeface="Estrangelo Edessa"/>
+        <a:font script="Syrj" typeface="Estrangelo Edessa"/>
+        <a:font script="Syre" typeface="Estrangelo Edessa"/>
+        <a:font script="Sora" typeface="Nirmala UI"/>
+        <a:font script="Tale" typeface="Microsoft Tai Le"/>
+        <a:font script="Talu" typeface="Microsoft New Tai Lue"/>
+        <a:font script="Tfng" typeface="Ebrima"/>
+      </a:majorFont>
+      <a:minorFont>
+        <a:latin typeface="Calibri" panose="020F0502020204030204"/>
+        <a:ea typeface=""/>
+        <a:cs typeface=""/>
+        <a:font script="Jpan" typeface="游ゴシック"/>
+        <a:font script="Hang" typeface="맑은 고딕"/>
+        <a:font script="Hans" typeface="等线"/>
+        <a:font script="Hant" typeface="新細明體"/>
+        <a:font script="Arab" typeface="Arial"/>
+        <a:font script="Hebr" typeface="Arial"/>
+        <a:font script="Thai" typeface="Cordia New"/>
+        <a:font script="Ethi" typeface="Nyala"/>
+        <a:font script="Beng" typeface="Vrinda"/>
+        <a:font script="Gujr" typeface="Shruti"/>
+        <a:font script="Khmr" typeface="DaunPenh"/>
+        <a:font script="Knda" typeface="Tunga"/>
+        <a:font script="Guru" typeface="Raavi"/>
+        <a:font script="Cans" typeface="Euphemia"/>
+        <a:font script="Cher" typeface="Plantagenet Cherokee"/>
+        <a:font script="Yiii" typeface="Microsoft Yi Baiti"/>
+        <a:font script="Tibt" typeface="Microsoft Himalaya"/>
+        <a:font script="Thaa" typeface="MV Boli"/>
+        <a:font script="Deva" typeface="Mangal"/>
+        <a:font script="Telu" typeface="Gautami"/>
+        <a:font script="Taml" typeface="Latha"/>
+        <a:font script="Syrc" typeface="Estrangelo Edessa"/>
+        <a:font script="Orya" typeface="Kalinga"/>
+        <a:font script="Mlym" typeface="Kartika"/>
+        <a:font script="Laoo" typeface="DokChampa"/>
+        <a:font script="Sinh" typeface="Iskoola Pota"/>
+        <a:font script="Mong" typeface="Mongolian Baiti"/>
+        <a:font script="Viet" typeface="Arial"/>
+        <a:font script="Uigh" typeface="Microsoft Uighur"/>
+        <a:font script="Geor" typeface="Sylfaen"/>
+        <a:font script="Armn" typeface="Arial"/>
+        <a:font script="Bugi" typeface="Leelawadee UI"/>
+        <a:font script="Bopo" typeface="Microsoft JhengHei"/>
+        <a:font script="Java" typeface="Javanese Text"/>
+        <a:font script="Lisu" typeface="Segoe UI"/>
+        <a:font script="Mymr" typeface="Myanmar Text"/>
+        <a:font script="Nkoo" typeface="Ebrima"/>
+        <a:font script="Olck" typeface="Nirmala UI"/>
+        <a:font script="Osma" typeface="Ebrima"/>
+        <a:font script="Phag" typeface="Phagspa"/>
+        <a:font script="Syrn" typeface="Estrangelo Edessa"/>
+        <a:font script="Syrj" typeface="Estrangelo Edessa"/>
+        <a:font script="Syre" typeface="Estrangelo Edessa"/>
+        <a:font script="Sora" typeface="Nirmala UI"/>
+        <a:font script="Tale" typeface="Microsoft Tai Le"/>
+        <a:font script="Talu" typeface="Microsoft New Tai Lue"/>
+        <a:font script="Tfng" typeface="Ebrima"/>
+      </a:minorFont>
+    </a:fontScheme>
+    <a:fmtScheme name="Стандартная">
+      <a:fillStyleLst>
+        <a:solidFill>
+          <a:schemeClr val="phClr"/>
+        </a:solidFill>
+        <a:gradFill rotWithShape="1">
+          <a:gsLst>
+            <a:gs pos="0">
+              <a:schemeClr val="phClr">
+                <a:lumMod val="110000"/>
+                <a:satMod val="105000"/>
+                <a:tint val="67000"/>
+              </a:schemeClr>
+            </a:gs>
+            <a:gs pos="50000">
+              <a:schemeClr val="phClr">
+                <a:lumMod val="105000"/>
+                <a:satMod val="103000"/>
+                <a:tint val="73000"/>
+              </a:schemeClr>
+            </a:gs>
+            <a:gs pos="100000">
+              <a:schemeClr val="phClr">
+                <a:lumMod val="105000"/>
+                <a:satMod val="109000"/>
+                <a:tint val="81000"/>
+              </a:schemeClr>
+            </a:gs>
+          </a:gsLst>
+          <a:lin ang="5400000" scaled="0"/>
+        </a:gradFill>
+        <a:gradFill rotWithShape="1">
+          <a:gsLst>
+            <a:gs pos="0">
+              <a:schemeClr val="phClr">
+                <a:satMod val="103000"/>
+                <a:lumMod val="102000"/>
+                <a:tint val="94000"/>
+              </a:schemeClr>
+            </a:gs>
+            <a:gs pos="50000">
+              <a:schemeClr val="phClr">
+                <a:satMod val="110000"/>
+                <a:lumMod val="100000"/>
+                <a:shade val="100000"/>
+              </a:schemeClr>
+            </a:gs>
+            <a:gs pos="100000">
+              <a:schemeClr val="phClr">
+                <a:lumMod val="99000"/>
+                <a:satMod val="120000"/>
+                <a:shade val="78000"/>
+              </a:schemeClr>
+            </a:gs>
+          </a:gsLst>
+          <a:lin ang="5400000" scaled="0"/>
+        </a:gradFill>
+      </a:fillStyleLst>
+      <a:lnStyleLst>
+        <a:ln w="6350" cap="flat" cmpd="sng" algn="ctr">
+          <a:solidFill>
+            <a:schemeClr val="phClr"/>
+          </a:solidFill>
+          <a:prstDash val="solid"/>
+          <a:miter lim="800000"/>
+        </a:ln>
+        <a:ln w="12700" cap="flat" cmpd="sng" algn="ctr">
+          <a:solidFill>
+            <a:schemeClr val="phClr"/>
+          </a:solidFill>
+          <a:prstDash val="solid"/>
+          <a:miter lim="800000"/>
+        </a:ln>
+        <a:ln w="19050" cap="flat" cmpd="sng" algn="ctr">
+          <a:solidFill>
+            <a:schemeClr val="phClr"/>
+          </a:solidFill>
+          <a:prstDash val="solid"/>
+          <a:miter lim="800000"/>
+        </a:ln>
+      </a:lnStyleLst>
+      <a:effectStyleLst>
+        <a:effectStyle>
+          <a:effectLst/>
+        </a:effectStyle>
+        <a:effectStyle>
+          <a:effectLst/>
+        </a:effectStyle>
+        <a:effectStyle>
+          <a:effectLst>
+            <a:outerShdw blurRad="57150" dist="19050" dir="5400000" algn="ctr" rotWithShape="0">
+              <a:srgbClr val="000000">
+                <a:alpha val="63000"/>
+              </a:srgbClr>
+            </a:outerShdw>
+          </a:effectLst>
+        </a:effectStyle>
+      </a:effectStyleLst>
+      <a:bgFillStyleLst>
+        <a:solidFill>
+          <a:schemeClr val="phClr"/>
+        </a:solidFill>
+        <a:solidFill>
+          <a:schemeClr val="phClr">
+            <a:tint val="95000"/>
+            <a:satMod val="170000"/>
+          </a:schemeClr>
+        </a:solidFill>
+        <a:gradFill rotWithShape="1">
+          <a:gsLst>
+            <a:gs pos="0">
+              <a:schemeClr val="phClr">
+                <a:tint val="93000"/>
+                <a:satMod val="150000"/>
+                <a:shade val="98000"/>
+                <a:lumMod val="102000"/>
+              </a:schemeClr>
+            </a:gs>
+            <a:gs pos="50000">
+              <a:schemeClr val="phClr">
+                <a:tint val="98000"/>
+                <a:satMod val="130000"/>
+                <a:shade val="90000"/>
+                <a:lumMod val="103000"/>
+              </a:schemeClr>
+            </a:gs>
+            <a:gs pos="100000">
+              <a:schemeClr val="phClr">
+                <a:shade val="63000"/>
+                <a:satMod val="120000"/>
+              </a:schemeClr>
+            </a:gs>
+          </a:gsLst>
+          <a:lin ang="5400000" scaled="0"/>
+        </a:gradFill>
+      </a:bgFillStyleLst>
+    </a:fmtScheme>
+  </a:themeElements>
+  <a:objectDefaults/>
+  <a:extraClrSchemeLst/>
+  <a:extLst>
+    <a:ext uri="{05A4C25C-085E-4340-85A3-A5531E510DB2}">
+      <thm15:themeFamily xmlns:thm15="http://schemas.microsoft.com/office/thememl/2012/main" name="Office Theme" id="{62F939B6-93AF-4DB8-9C6B-D6C7DFDC589F}" vid="{4A3C46E8-61CC-4603-A589-7422A47A8E4A}"/>
+    </a:ext>
+  </a:extLst>
+</a:theme>
 </file>
--- a/НИР зима 2024/Величкина_презентация.pptx
+++ b/НИР зима 2024/Величкина_презентация.pptx
@@ -3598,7 +3598,7 @@
           <a:p>
             <a:fld id="{7EADA7E6-4FAA-462F-A32A-991A31C759B1}" type="datetimeFigureOut">
               <a:rPr lang="ru-RU" smtClean="0"/>
-              <a:t>28.01.2024</a:t>
+              <a:t>29.04.2024</a:t>
             </a:fld>
             <a:endParaRPr lang="ru-RU"/>
           </a:p>
@@ -4096,7 +4096,7 @@
           <a:p>
             <a:fld id="{699DE03D-CF70-4AAB-B379-BC80072533E1}" type="datetime1">
               <a:rPr lang="ru-RU" smtClean="0"/>
-              <a:t>28.01.2024</a:t>
+              <a:t>29.04.2024</a:t>
             </a:fld>
             <a:endParaRPr lang="ru-RU"/>
           </a:p>
@@ -4294,7 +4294,7 @@
           <a:p>
             <a:fld id="{3F1FF764-3180-4A02-89A4-5BB74BBEBE1B}" type="datetime1">
               <a:rPr lang="ru-RU" smtClean="0"/>
-              <a:t>28.01.2024</a:t>
+              <a:t>29.04.2024</a:t>
             </a:fld>
             <a:endParaRPr lang="ru-RU"/>
           </a:p>
@@ -4502,7 +4502,7 @@
           <a:p>
             <a:fld id="{12FEC6BC-842E-4F50-A325-EA6150BF44E2}" type="datetime1">
               <a:rPr lang="ru-RU" smtClean="0"/>
-              <a:t>28.01.2024</a:t>
+              <a:t>29.04.2024</a:t>
             </a:fld>
             <a:endParaRPr lang="ru-RU"/>
           </a:p>
@@ -4732,7 +4732,7 @@
           <a:p>
             <a:fld id="{83291F21-28B0-4F45-9299-C2F2215FBBE1}" type="datetime1">
               <a:rPr lang="ru-RU" smtClean="0"/>
-              <a:t>28.01.2024</a:t>
+              <a:t>29.04.2024</a:t>
             </a:fld>
             <a:endParaRPr lang="ru-RU"/>
           </a:p>
@@ -5402,7 +5402,7 @@
           <a:p>
             <a:fld id="{30122A7B-5FF7-4F23-A2F9-6CF085CC7CD4}" type="datetime1">
               <a:rPr lang="ru-RU" smtClean="0"/>
-              <a:t>28.01.2024</a:t>
+              <a:t>29.04.2024</a:t>
             </a:fld>
             <a:endParaRPr lang="ru-RU"/>
           </a:p>
@@ -5667,7 +5667,7 @@
           <a:p>
             <a:fld id="{6A57241D-5D12-45CB-A2A2-FF23BCAF2925}" type="datetime1">
               <a:rPr lang="ru-RU" smtClean="0"/>
-              <a:t>28.01.2024</a:t>
+              <a:t>29.04.2024</a:t>
             </a:fld>
             <a:endParaRPr lang="ru-RU"/>
           </a:p>
@@ -6079,7 +6079,7 @@
           <a:p>
             <a:fld id="{439A4600-FE40-4116-B2E1-B7626B1A985A}" type="datetime1">
               <a:rPr lang="ru-RU" smtClean="0"/>
-              <a:t>28.01.2024</a:t>
+              <a:t>29.04.2024</a:t>
             </a:fld>
             <a:endParaRPr lang="ru-RU"/>
           </a:p>
@@ -6220,7 +6220,7 @@
           <a:p>
             <a:fld id="{1453C60F-CBCD-49B9-8416-FAF4714DD82C}" type="datetime1">
               <a:rPr lang="ru-RU" smtClean="0"/>
-              <a:t>28.01.2024</a:t>
+              <a:t>29.04.2024</a:t>
             </a:fld>
             <a:endParaRPr lang="ru-RU"/>
           </a:p>
@@ -6333,7 +6333,7 @@
           <a:p>
             <a:fld id="{83381648-126C-463F-8037-AD0E78E67EF4}" type="datetime1">
               <a:rPr lang="ru-RU" smtClean="0"/>
-              <a:t>28.01.2024</a:t>
+              <a:t>29.04.2024</a:t>
             </a:fld>
             <a:endParaRPr lang="ru-RU"/>
           </a:p>
@@ -6644,7 +6644,7 @@
           <a:p>
             <a:fld id="{4C80CA13-B7B6-4ECF-AE86-66E6443C1526}" type="datetime1">
               <a:rPr lang="ru-RU" smtClean="0"/>
-              <a:t>28.01.2024</a:t>
+              <a:t>29.04.2024</a:t>
             </a:fld>
             <a:endParaRPr lang="ru-RU"/>
           </a:p>
@@ -6932,7 +6932,7 @@
           <a:p>
             <a:fld id="{AD8A1B32-F076-46AD-B0E9-E5041FB1E2D6}" type="datetime1">
               <a:rPr lang="ru-RU" smtClean="0"/>
-              <a:t>28.01.2024</a:t>
+              <a:t>29.04.2024</a:t>
             </a:fld>
             <a:endParaRPr lang="ru-RU"/>
           </a:p>
@@ -7173,7 +7173,7 @@
           <a:p>
             <a:fld id="{E1BE8CA9-02FB-4AA4-B357-A61A58EA9B55}" type="datetime1">
               <a:rPr lang="ru-RU" smtClean="0"/>
-              <a:t>28.01.2024</a:t>
+              <a:t>29.04.2024</a:t>
             </a:fld>
             <a:endParaRPr lang="ru-RU"/>
           </a:p>
